--- a/K8S.pptx
+++ b/K8S.pptx
@@ -5,7 +5,7 @@
     <p:sldMasterId id="2147483648" r:id="rId1"/>
   </p:sldMasterIdLst>
   <p:notesMasterIdLst>
-    <p:notesMasterId r:id="rId25"/>
+    <p:notesMasterId r:id="rId27"/>
   </p:notesMasterIdLst>
   <p:sldIdLst>
     <p:sldId id="257" r:id="rId2"/>
@@ -31,6 +31,8 @@
     <p:sldId id="281" r:id="rId22"/>
     <p:sldId id="282" r:id="rId23"/>
     <p:sldId id="283" r:id="rId24"/>
+    <p:sldId id="284" r:id="rId25"/>
+    <p:sldId id="285" r:id="rId26"/>
   </p:sldIdLst>
   <p:sldSz cx="12192000" cy="6858000"/>
   <p:notesSz cx="6858000" cy="9144000"/>
@@ -7696,7 +7698,7 @@
           <p:cNvPr id="6" name="圖片 5">
             <a:extLst>
               <a:ext uri="{FF2B5EF4-FFF2-40B4-BE49-F238E27FC236}">
-                <a16:creationId xmlns:a16="http://schemas.microsoft.com/office/drawing/2014/main" id="{0B24D321-A327-C44B-A779-EE6E5A072899}"/>
+                <a16:creationId xmlns:a16="http://schemas.microsoft.com/office/drawing/2014/main" xmlns="" id="{0B24D321-A327-C44B-A779-EE6E5A072899}"/>
               </a:ext>
             </a:extLst>
           </p:cNvPr>
@@ -7845,7 +7847,7 @@
           <p:cNvPr id="2" name="標題 1">
             <a:extLst>
               <a:ext uri="{FF2B5EF4-FFF2-40B4-BE49-F238E27FC236}">
-                <a16:creationId xmlns:a16="http://schemas.microsoft.com/office/drawing/2014/main" id="{89FB95CD-9C91-4C40-8001-6AAC98B4919E}"/>
+                <a16:creationId xmlns:a16="http://schemas.microsoft.com/office/drawing/2014/main" xmlns="" id="{89FB95CD-9C91-4C40-8001-6AAC98B4919E}"/>
               </a:ext>
             </a:extLst>
           </p:cNvPr>
@@ -7879,7 +7881,7 @@
           <p:cNvPr id="5" name="文字方塊 4">
             <a:extLst>
               <a:ext uri="{FF2B5EF4-FFF2-40B4-BE49-F238E27FC236}">
-                <a16:creationId xmlns:a16="http://schemas.microsoft.com/office/drawing/2014/main" id="{E2B79271-3744-3944-ADC3-659FB2815AD7}"/>
+                <a16:creationId xmlns:a16="http://schemas.microsoft.com/office/drawing/2014/main" xmlns="" id="{E2B79271-3744-3944-ADC3-659FB2815AD7}"/>
               </a:ext>
             </a:extLst>
           </p:cNvPr>
@@ -7954,7 +7956,7 @@
           <p:cNvPr id="13" name="圖片 12">
             <a:extLst>
               <a:ext uri="{FF2B5EF4-FFF2-40B4-BE49-F238E27FC236}">
-                <a16:creationId xmlns:a16="http://schemas.microsoft.com/office/drawing/2014/main" id="{96151A42-38D1-9046-BDED-F46EE36FD687}"/>
+                <a16:creationId xmlns:a16="http://schemas.microsoft.com/office/drawing/2014/main" xmlns="" id="{96151A42-38D1-9046-BDED-F46EE36FD687}"/>
               </a:ext>
             </a:extLst>
           </p:cNvPr>
@@ -8020,7 +8022,7 @@
           <p:cNvPr id="4" name="文字方塊 3">
             <a:extLst>
               <a:ext uri="{FF2B5EF4-FFF2-40B4-BE49-F238E27FC236}">
-                <a16:creationId xmlns:a16="http://schemas.microsoft.com/office/drawing/2014/main" id="{40CD8581-5926-FD4F-A874-11AB29851CCC}"/>
+                <a16:creationId xmlns:a16="http://schemas.microsoft.com/office/drawing/2014/main" xmlns="" id="{40CD8581-5926-FD4F-A874-11AB29851CCC}"/>
               </a:ext>
             </a:extLst>
           </p:cNvPr>
@@ -8055,7 +8057,7 @@
           <p:cNvPr id="10" name="圖片 9">
             <a:extLst>
               <a:ext uri="{FF2B5EF4-FFF2-40B4-BE49-F238E27FC236}">
-                <a16:creationId xmlns:a16="http://schemas.microsoft.com/office/drawing/2014/main" id="{FF29CB5E-D3D2-4643-A75F-8BA37886D108}"/>
+                <a16:creationId xmlns:a16="http://schemas.microsoft.com/office/drawing/2014/main" xmlns="" id="{FF29CB5E-D3D2-4643-A75F-8BA37886D108}"/>
               </a:ext>
             </a:extLst>
           </p:cNvPr>
@@ -8151,7 +8153,7 @@
           <p:cNvPr id="3" name="圖片 2">
             <a:extLst>
               <a:ext uri="{FF2B5EF4-FFF2-40B4-BE49-F238E27FC236}">
-                <a16:creationId xmlns:a16="http://schemas.microsoft.com/office/drawing/2014/main" id="{1DA3DBE8-96D9-FC44-9C7D-6B1996FF5014}"/>
+                <a16:creationId xmlns:a16="http://schemas.microsoft.com/office/drawing/2014/main" xmlns="" id="{1DA3DBE8-96D9-FC44-9C7D-6B1996FF5014}"/>
               </a:ext>
             </a:extLst>
           </p:cNvPr>
@@ -8271,7 +8273,7 @@
           <p:cNvPr id="4" name="笑臉 3">
             <a:extLst>
               <a:ext uri="{FF2B5EF4-FFF2-40B4-BE49-F238E27FC236}">
-                <a16:creationId xmlns:a16="http://schemas.microsoft.com/office/drawing/2014/main" id="{80C34FE5-711F-0344-A713-7D51944F1248}"/>
+                <a16:creationId xmlns:a16="http://schemas.microsoft.com/office/drawing/2014/main" xmlns="" id="{80C34FE5-711F-0344-A713-7D51944F1248}"/>
               </a:ext>
             </a:extLst>
           </p:cNvPr>
@@ -8317,7 +8319,7 @@
           <p:cNvPr id="6" name="直線箭頭接點 5">
             <a:extLst>
               <a:ext uri="{FF2B5EF4-FFF2-40B4-BE49-F238E27FC236}">
-                <a16:creationId xmlns:a16="http://schemas.microsoft.com/office/drawing/2014/main" id="{2BE7896B-75E4-D843-AA42-E144987E47C9}"/>
+                <a16:creationId xmlns:a16="http://schemas.microsoft.com/office/drawing/2014/main" xmlns="" id="{2BE7896B-75E4-D843-AA42-E144987E47C9}"/>
               </a:ext>
             </a:extLst>
           </p:cNvPr>
@@ -8358,7 +8360,7 @@
           <p:cNvPr id="7" name="矩形 6">
             <a:extLst>
               <a:ext uri="{FF2B5EF4-FFF2-40B4-BE49-F238E27FC236}">
-                <a16:creationId xmlns:a16="http://schemas.microsoft.com/office/drawing/2014/main" id="{74DAB3BD-EDDB-4841-8791-1941748A1172}"/>
+                <a16:creationId xmlns:a16="http://schemas.microsoft.com/office/drawing/2014/main" xmlns="" id="{74DAB3BD-EDDB-4841-8791-1941748A1172}"/>
               </a:ext>
             </a:extLst>
           </p:cNvPr>
@@ -8405,7 +8407,7 @@
           <p:cNvPr id="8" name="文字方塊 7">
             <a:extLst>
               <a:ext uri="{FF2B5EF4-FFF2-40B4-BE49-F238E27FC236}">
-                <a16:creationId xmlns:a16="http://schemas.microsoft.com/office/drawing/2014/main" id="{FC9E9EE4-D925-0844-A350-C7162167759E}"/>
+                <a16:creationId xmlns:a16="http://schemas.microsoft.com/office/drawing/2014/main" xmlns="" id="{FC9E9EE4-D925-0844-A350-C7162167759E}"/>
               </a:ext>
             </a:extLst>
           </p:cNvPr>
@@ -8441,7 +8443,7 @@
           <p:cNvPr id="10" name="直線箭頭接點 9">
             <a:extLst>
               <a:ext uri="{FF2B5EF4-FFF2-40B4-BE49-F238E27FC236}">
-                <a16:creationId xmlns:a16="http://schemas.microsoft.com/office/drawing/2014/main" id="{01C063C7-1412-D74E-A91B-35ED776CD007}"/>
+                <a16:creationId xmlns:a16="http://schemas.microsoft.com/office/drawing/2014/main" xmlns="" id="{01C063C7-1412-D74E-A91B-35ED776CD007}"/>
               </a:ext>
             </a:extLst>
           </p:cNvPr>
@@ -8480,7 +8482,7 @@
           <p:cNvPr id="12" name="直線箭頭接點 11">
             <a:extLst>
               <a:ext uri="{FF2B5EF4-FFF2-40B4-BE49-F238E27FC236}">
-                <a16:creationId xmlns:a16="http://schemas.microsoft.com/office/drawing/2014/main" id="{8C190B4A-0998-C94E-A3A1-66187395DC11}"/>
+                <a16:creationId xmlns:a16="http://schemas.microsoft.com/office/drawing/2014/main" xmlns="" id="{8C190B4A-0998-C94E-A3A1-66187395DC11}"/>
               </a:ext>
             </a:extLst>
           </p:cNvPr>
@@ -8519,7 +8521,7 @@
           <p:cNvPr id="13" name="矩形 12">
             <a:extLst>
               <a:ext uri="{FF2B5EF4-FFF2-40B4-BE49-F238E27FC236}">
-                <a16:creationId xmlns:a16="http://schemas.microsoft.com/office/drawing/2014/main" id="{664BF20D-D06C-4D4E-90A1-D4376B000D5B}"/>
+                <a16:creationId xmlns:a16="http://schemas.microsoft.com/office/drawing/2014/main" xmlns="" id="{664BF20D-D06C-4D4E-90A1-D4376B000D5B}"/>
               </a:ext>
             </a:extLst>
           </p:cNvPr>
@@ -8566,7 +8568,7 @@
           <p:cNvPr id="14" name="矩形 13">
             <a:extLst>
               <a:ext uri="{FF2B5EF4-FFF2-40B4-BE49-F238E27FC236}">
-                <a16:creationId xmlns:a16="http://schemas.microsoft.com/office/drawing/2014/main" id="{CD47D824-0011-3241-A24B-98C435B9093C}"/>
+                <a16:creationId xmlns:a16="http://schemas.microsoft.com/office/drawing/2014/main" xmlns="" id="{CD47D824-0011-3241-A24B-98C435B9093C}"/>
               </a:ext>
             </a:extLst>
           </p:cNvPr>
@@ -8613,7 +8615,7 @@
           <p:cNvPr id="15" name="文字方塊 14">
             <a:extLst>
               <a:ext uri="{FF2B5EF4-FFF2-40B4-BE49-F238E27FC236}">
-                <a16:creationId xmlns:a16="http://schemas.microsoft.com/office/drawing/2014/main" id="{0ED82988-8AA6-5848-82E7-8EDA2A55BD36}"/>
+                <a16:creationId xmlns:a16="http://schemas.microsoft.com/office/drawing/2014/main" xmlns="" id="{0ED82988-8AA6-5848-82E7-8EDA2A55BD36}"/>
               </a:ext>
             </a:extLst>
           </p:cNvPr>
@@ -8653,7 +8655,7 @@
           <p:cNvPr id="16" name="文字方塊 15">
             <a:extLst>
               <a:ext uri="{FF2B5EF4-FFF2-40B4-BE49-F238E27FC236}">
-                <a16:creationId xmlns:a16="http://schemas.microsoft.com/office/drawing/2014/main" id="{46164468-A078-8E45-B6F1-E05642451F6E}"/>
+                <a16:creationId xmlns:a16="http://schemas.microsoft.com/office/drawing/2014/main" xmlns="" id="{46164468-A078-8E45-B6F1-E05642451F6E}"/>
               </a:ext>
             </a:extLst>
           </p:cNvPr>
@@ -8689,7 +8691,7 @@
           <p:cNvPr id="17" name="左大括弧 16">
             <a:extLst>
               <a:ext uri="{FF2B5EF4-FFF2-40B4-BE49-F238E27FC236}">
-                <a16:creationId xmlns:a16="http://schemas.microsoft.com/office/drawing/2014/main" id="{BF68E59B-01D9-2643-8E3D-CC597C02ED4F}"/>
+                <a16:creationId xmlns:a16="http://schemas.microsoft.com/office/drawing/2014/main" xmlns="" id="{BF68E59B-01D9-2643-8E3D-CC597C02ED4F}"/>
               </a:ext>
             </a:extLst>
           </p:cNvPr>
@@ -8733,7 +8735,7 @@
           <p:cNvPr id="18" name="左大括弧 17">
             <a:extLst>
               <a:ext uri="{FF2B5EF4-FFF2-40B4-BE49-F238E27FC236}">
-                <a16:creationId xmlns:a16="http://schemas.microsoft.com/office/drawing/2014/main" id="{BE45018D-EFA0-1345-81A5-B997F75DFA0C}"/>
+                <a16:creationId xmlns:a16="http://schemas.microsoft.com/office/drawing/2014/main" xmlns="" id="{BE45018D-EFA0-1345-81A5-B997F75DFA0C}"/>
               </a:ext>
             </a:extLst>
           </p:cNvPr>
@@ -8777,7 +8779,7 @@
           <p:cNvPr id="19" name="六邊形 18">
             <a:extLst>
               <a:ext uri="{FF2B5EF4-FFF2-40B4-BE49-F238E27FC236}">
-                <a16:creationId xmlns:a16="http://schemas.microsoft.com/office/drawing/2014/main" id="{E5C69D22-7EDA-4A46-A988-9E6CC4F36143}"/>
+                <a16:creationId xmlns:a16="http://schemas.microsoft.com/office/drawing/2014/main" xmlns="" id="{E5C69D22-7EDA-4A46-A988-9E6CC4F36143}"/>
               </a:ext>
             </a:extLst>
           </p:cNvPr>
@@ -8827,7 +8829,7 @@
           <p:cNvPr id="20" name="文字方塊 19">
             <a:extLst>
               <a:ext uri="{FF2B5EF4-FFF2-40B4-BE49-F238E27FC236}">
-                <a16:creationId xmlns:a16="http://schemas.microsoft.com/office/drawing/2014/main" id="{CE93DC22-FB92-0440-9623-0A1B66B9D253}"/>
+                <a16:creationId xmlns:a16="http://schemas.microsoft.com/office/drawing/2014/main" xmlns="" id="{CE93DC22-FB92-0440-9623-0A1B66B9D253}"/>
               </a:ext>
             </a:extLst>
           </p:cNvPr>
@@ -8869,7 +8871,7 @@
           <p:cNvPr id="21" name="六邊形 20">
             <a:extLst>
               <a:ext uri="{FF2B5EF4-FFF2-40B4-BE49-F238E27FC236}">
-                <a16:creationId xmlns:a16="http://schemas.microsoft.com/office/drawing/2014/main" id="{98E66B29-6045-364B-BE05-907BF3280E79}"/>
+                <a16:creationId xmlns:a16="http://schemas.microsoft.com/office/drawing/2014/main" xmlns="" id="{98E66B29-6045-364B-BE05-907BF3280E79}"/>
               </a:ext>
             </a:extLst>
           </p:cNvPr>
@@ -8916,7 +8918,7 @@
           <p:cNvPr id="22" name="文字方塊 21">
             <a:extLst>
               <a:ext uri="{FF2B5EF4-FFF2-40B4-BE49-F238E27FC236}">
-                <a16:creationId xmlns:a16="http://schemas.microsoft.com/office/drawing/2014/main" id="{A938AD73-6E95-8648-BC38-13488AD29E22}"/>
+                <a16:creationId xmlns:a16="http://schemas.microsoft.com/office/drawing/2014/main" xmlns="" id="{A938AD73-6E95-8648-BC38-13488AD29E22}"/>
               </a:ext>
             </a:extLst>
           </p:cNvPr>
@@ -8958,7 +8960,7 @@
           <p:cNvPr id="23" name="六邊形 22">
             <a:extLst>
               <a:ext uri="{FF2B5EF4-FFF2-40B4-BE49-F238E27FC236}">
-                <a16:creationId xmlns:a16="http://schemas.microsoft.com/office/drawing/2014/main" id="{174AB4F4-CE44-C541-9BA6-7CEA2185AF32}"/>
+                <a16:creationId xmlns:a16="http://schemas.microsoft.com/office/drawing/2014/main" xmlns="" id="{174AB4F4-CE44-C541-9BA6-7CEA2185AF32}"/>
               </a:ext>
             </a:extLst>
           </p:cNvPr>
@@ -9005,7 +9007,7 @@
           <p:cNvPr id="24" name="文字方塊 23">
             <a:extLst>
               <a:ext uri="{FF2B5EF4-FFF2-40B4-BE49-F238E27FC236}">
-                <a16:creationId xmlns:a16="http://schemas.microsoft.com/office/drawing/2014/main" id="{AC5B83EE-3ECB-0440-8469-BA3FBBD7586D}"/>
+                <a16:creationId xmlns:a16="http://schemas.microsoft.com/office/drawing/2014/main" xmlns="" id="{AC5B83EE-3ECB-0440-8469-BA3FBBD7586D}"/>
               </a:ext>
             </a:extLst>
           </p:cNvPr>
@@ -9047,7 +9049,7 @@
           <p:cNvPr id="25" name="六邊形 24">
             <a:extLst>
               <a:ext uri="{FF2B5EF4-FFF2-40B4-BE49-F238E27FC236}">
-                <a16:creationId xmlns:a16="http://schemas.microsoft.com/office/drawing/2014/main" id="{11F31CC6-06AB-D94F-BB53-19AD36A84218}"/>
+                <a16:creationId xmlns:a16="http://schemas.microsoft.com/office/drawing/2014/main" xmlns="" id="{11F31CC6-06AB-D94F-BB53-19AD36A84218}"/>
               </a:ext>
             </a:extLst>
           </p:cNvPr>
@@ -9097,7 +9099,7 @@
           <p:cNvPr id="26" name="文字方塊 25">
             <a:extLst>
               <a:ext uri="{FF2B5EF4-FFF2-40B4-BE49-F238E27FC236}">
-                <a16:creationId xmlns:a16="http://schemas.microsoft.com/office/drawing/2014/main" id="{38260B57-EDC6-9342-8DCF-A9F8C26C551C}"/>
+                <a16:creationId xmlns:a16="http://schemas.microsoft.com/office/drawing/2014/main" xmlns="" id="{38260B57-EDC6-9342-8DCF-A9F8C26C551C}"/>
               </a:ext>
             </a:extLst>
           </p:cNvPr>
@@ -9139,7 +9141,7 @@
           <p:cNvPr id="27" name="六邊形 26">
             <a:extLst>
               <a:ext uri="{FF2B5EF4-FFF2-40B4-BE49-F238E27FC236}">
-                <a16:creationId xmlns:a16="http://schemas.microsoft.com/office/drawing/2014/main" id="{ACB7F899-1F8A-884C-9B5C-D4C068E60CC0}"/>
+                <a16:creationId xmlns:a16="http://schemas.microsoft.com/office/drawing/2014/main" xmlns="" id="{ACB7F899-1F8A-884C-9B5C-D4C068E60CC0}"/>
               </a:ext>
             </a:extLst>
           </p:cNvPr>
@@ -9186,7 +9188,7 @@
           <p:cNvPr id="28" name="文字方塊 27">
             <a:extLst>
               <a:ext uri="{FF2B5EF4-FFF2-40B4-BE49-F238E27FC236}">
-                <a16:creationId xmlns:a16="http://schemas.microsoft.com/office/drawing/2014/main" id="{30D32E5C-DC83-E841-8FFB-236371414936}"/>
+                <a16:creationId xmlns:a16="http://schemas.microsoft.com/office/drawing/2014/main" xmlns="" id="{30D32E5C-DC83-E841-8FFB-236371414936}"/>
               </a:ext>
             </a:extLst>
           </p:cNvPr>
@@ -9228,7 +9230,7 @@
           <p:cNvPr id="29" name="六邊形 28">
             <a:extLst>
               <a:ext uri="{FF2B5EF4-FFF2-40B4-BE49-F238E27FC236}">
-                <a16:creationId xmlns:a16="http://schemas.microsoft.com/office/drawing/2014/main" id="{8716ACA2-528A-6D48-8188-D53E95478064}"/>
+                <a16:creationId xmlns:a16="http://schemas.microsoft.com/office/drawing/2014/main" xmlns="" id="{8716ACA2-528A-6D48-8188-D53E95478064}"/>
               </a:ext>
             </a:extLst>
           </p:cNvPr>
@@ -9275,7 +9277,7 @@
           <p:cNvPr id="30" name="文字方塊 29">
             <a:extLst>
               <a:ext uri="{FF2B5EF4-FFF2-40B4-BE49-F238E27FC236}">
-                <a16:creationId xmlns:a16="http://schemas.microsoft.com/office/drawing/2014/main" id="{A81063CB-75C6-A240-95BC-29402DDB16AB}"/>
+                <a16:creationId xmlns:a16="http://schemas.microsoft.com/office/drawing/2014/main" xmlns="" id="{A81063CB-75C6-A240-95BC-29402DDB16AB}"/>
               </a:ext>
             </a:extLst>
           </p:cNvPr>
@@ -9317,7 +9319,7 @@
           <p:cNvPr id="31" name="文字方塊 30">
             <a:extLst>
               <a:ext uri="{FF2B5EF4-FFF2-40B4-BE49-F238E27FC236}">
-                <a16:creationId xmlns:a16="http://schemas.microsoft.com/office/drawing/2014/main" id="{F23F974B-F3B2-2E43-9DF8-7C6AAA1BA2FB}"/>
+                <a16:creationId xmlns:a16="http://schemas.microsoft.com/office/drawing/2014/main" xmlns="" id="{F23F974B-F3B2-2E43-9DF8-7C6AAA1BA2FB}"/>
               </a:ext>
             </a:extLst>
           </p:cNvPr>
@@ -9353,7 +9355,7 @@
           <p:cNvPr id="32" name="文字方塊 31">
             <a:extLst>
               <a:ext uri="{FF2B5EF4-FFF2-40B4-BE49-F238E27FC236}">
-                <a16:creationId xmlns:a16="http://schemas.microsoft.com/office/drawing/2014/main" id="{E0B7A482-B0C2-404E-89F4-A5B95C6884E9}"/>
+                <a16:creationId xmlns:a16="http://schemas.microsoft.com/office/drawing/2014/main" xmlns="" id="{E0B7A482-B0C2-404E-89F4-A5B95C6884E9}"/>
               </a:ext>
             </a:extLst>
           </p:cNvPr>
@@ -9389,7 +9391,7 @@
           <p:cNvPr id="34" name="文字方塊 33">
             <a:extLst>
               <a:ext uri="{FF2B5EF4-FFF2-40B4-BE49-F238E27FC236}">
-                <a16:creationId xmlns:a16="http://schemas.microsoft.com/office/drawing/2014/main" id="{F3CFC4EA-F298-8740-B117-4DA8C3B035B9}"/>
+                <a16:creationId xmlns:a16="http://schemas.microsoft.com/office/drawing/2014/main" xmlns="" id="{F3CFC4EA-F298-8740-B117-4DA8C3B035B9}"/>
               </a:ext>
             </a:extLst>
           </p:cNvPr>
@@ -9425,7 +9427,7 @@
           <p:cNvPr id="35" name="文字方塊 34">
             <a:extLst>
               <a:ext uri="{FF2B5EF4-FFF2-40B4-BE49-F238E27FC236}">
-                <a16:creationId xmlns:a16="http://schemas.microsoft.com/office/drawing/2014/main" id="{EDA7D760-7E4A-F34A-938B-C0DF065F1346}"/>
+                <a16:creationId xmlns:a16="http://schemas.microsoft.com/office/drawing/2014/main" xmlns="" id="{EDA7D760-7E4A-F34A-938B-C0DF065F1346}"/>
               </a:ext>
             </a:extLst>
           </p:cNvPr>
@@ -9460,7 +9462,7 @@
           <p:cNvPr id="36" name="文字方塊 35">
             <a:extLst>
               <a:ext uri="{FF2B5EF4-FFF2-40B4-BE49-F238E27FC236}">
-                <a16:creationId xmlns:a16="http://schemas.microsoft.com/office/drawing/2014/main" id="{C2517A6D-6B4F-9246-92BB-1C0580A31F2F}"/>
+                <a16:creationId xmlns:a16="http://schemas.microsoft.com/office/drawing/2014/main" xmlns="" id="{C2517A6D-6B4F-9246-92BB-1C0580A31F2F}"/>
               </a:ext>
             </a:extLst>
           </p:cNvPr>
@@ -9495,7 +9497,7 @@
           <p:cNvPr id="37" name="文字方塊 36">
             <a:extLst>
               <a:ext uri="{FF2B5EF4-FFF2-40B4-BE49-F238E27FC236}">
-                <a16:creationId xmlns:a16="http://schemas.microsoft.com/office/drawing/2014/main" id="{929BF134-FDFA-8549-B91E-8EDC1007C23D}"/>
+                <a16:creationId xmlns:a16="http://schemas.microsoft.com/office/drawing/2014/main" xmlns="" id="{929BF134-FDFA-8549-B91E-8EDC1007C23D}"/>
               </a:ext>
             </a:extLst>
           </p:cNvPr>
@@ -9560,7 +9562,7 @@
           <p:cNvPr id="4" name="笑臉 3">
             <a:extLst>
               <a:ext uri="{FF2B5EF4-FFF2-40B4-BE49-F238E27FC236}">
-                <a16:creationId xmlns:a16="http://schemas.microsoft.com/office/drawing/2014/main" id="{77E6E4F5-E13F-9049-9F46-4CB5DD2E6791}"/>
+                <a16:creationId xmlns:a16="http://schemas.microsoft.com/office/drawing/2014/main" xmlns="" id="{77E6E4F5-E13F-9049-9F46-4CB5DD2E6791}"/>
               </a:ext>
             </a:extLst>
           </p:cNvPr>
@@ -9606,7 +9608,7 @@
           <p:cNvPr id="5" name="直線箭頭接點 4">
             <a:extLst>
               <a:ext uri="{FF2B5EF4-FFF2-40B4-BE49-F238E27FC236}">
-                <a16:creationId xmlns:a16="http://schemas.microsoft.com/office/drawing/2014/main" id="{91DAD5BA-6CE4-B946-B1DD-D3BC025CF88E}"/>
+                <a16:creationId xmlns:a16="http://schemas.microsoft.com/office/drawing/2014/main" xmlns="" id="{91DAD5BA-6CE4-B946-B1DD-D3BC025CF88E}"/>
               </a:ext>
             </a:extLst>
           </p:cNvPr>
@@ -9647,7 +9649,7 @@
           <p:cNvPr id="6" name="矩形 5">
             <a:extLst>
               <a:ext uri="{FF2B5EF4-FFF2-40B4-BE49-F238E27FC236}">
-                <a16:creationId xmlns:a16="http://schemas.microsoft.com/office/drawing/2014/main" id="{29C13254-853B-7941-AAAC-189BDB9086F5}"/>
+                <a16:creationId xmlns:a16="http://schemas.microsoft.com/office/drawing/2014/main" xmlns="" id="{29C13254-853B-7941-AAAC-189BDB9086F5}"/>
               </a:ext>
             </a:extLst>
           </p:cNvPr>
@@ -9694,7 +9696,7 @@
           <p:cNvPr id="7" name="文字方塊 6">
             <a:extLst>
               <a:ext uri="{FF2B5EF4-FFF2-40B4-BE49-F238E27FC236}">
-                <a16:creationId xmlns:a16="http://schemas.microsoft.com/office/drawing/2014/main" id="{D7CAE79E-AC06-0441-ABB5-BB56B2B6DD31}"/>
+                <a16:creationId xmlns:a16="http://schemas.microsoft.com/office/drawing/2014/main" xmlns="" id="{D7CAE79E-AC06-0441-ABB5-BB56B2B6DD31}"/>
               </a:ext>
             </a:extLst>
           </p:cNvPr>
@@ -9730,7 +9732,7 @@
           <p:cNvPr id="9" name="直線箭頭接點 8">
             <a:extLst>
               <a:ext uri="{FF2B5EF4-FFF2-40B4-BE49-F238E27FC236}">
-                <a16:creationId xmlns:a16="http://schemas.microsoft.com/office/drawing/2014/main" id="{BB3E4AA5-410E-CF4D-8A30-42B8C15394AD}"/>
+                <a16:creationId xmlns:a16="http://schemas.microsoft.com/office/drawing/2014/main" xmlns="" id="{BB3E4AA5-410E-CF4D-8A30-42B8C15394AD}"/>
               </a:ext>
             </a:extLst>
           </p:cNvPr>
@@ -9769,7 +9771,7 @@
           <p:cNvPr id="10" name="矩形 9">
             <a:extLst>
               <a:ext uri="{FF2B5EF4-FFF2-40B4-BE49-F238E27FC236}">
-                <a16:creationId xmlns:a16="http://schemas.microsoft.com/office/drawing/2014/main" id="{74C39C4D-E170-0343-8C30-397B79F5AB25}"/>
+                <a16:creationId xmlns:a16="http://schemas.microsoft.com/office/drawing/2014/main" xmlns="" id="{74C39C4D-E170-0343-8C30-397B79F5AB25}"/>
               </a:ext>
             </a:extLst>
           </p:cNvPr>
@@ -9816,7 +9818,7 @@
           <p:cNvPr id="11" name="矩形 10">
             <a:extLst>
               <a:ext uri="{FF2B5EF4-FFF2-40B4-BE49-F238E27FC236}">
-                <a16:creationId xmlns:a16="http://schemas.microsoft.com/office/drawing/2014/main" id="{AA98815E-2C15-724F-9BFC-354FE8971F2B}"/>
+                <a16:creationId xmlns:a16="http://schemas.microsoft.com/office/drawing/2014/main" xmlns="" id="{AA98815E-2C15-724F-9BFC-354FE8971F2B}"/>
               </a:ext>
             </a:extLst>
           </p:cNvPr>
@@ -9863,7 +9865,7 @@
           <p:cNvPr id="12" name="文字方塊 11">
             <a:extLst>
               <a:ext uri="{FF2B5EF4-FFF2-40B4-BE49-F238E27FC236}">
-                <a16:creationId xmlns:a16="http://schemas.microsoft.com/office/drawing/2014/main" id="{F1202207-94C3-574A-B74C-FEF2B8F91069}"/>
+                <a16:creationId xmlns:a16="http://schemas.microsoft.com/office/drawing/2014/main" xmlns="" id="{F1202207-94C3-574A-B74C-FEF2B8F91069}"/>
               </a:ext>
             </a:extLst>
           </p:cNvPr>
@@ -9903,7 +9905,7 @@
           <p:cNvPr id="13" name="文字方塊 12">
             <a:extLst>
               <a:ext uri="{FF2B5EF4-FFF2-40B4-BE49-F238E27FC236}">
-                <a16:creationId xmlns:a16="http://schemas.microsoft.com/office/drawing/2014/main" id="{0CAE4892-806F-694B-89AD-81ACB518709F}"/>
+                <a16:creationId xmlns:a16="http://schemas.microsoft.com/office/drawing/2014/main" xmlns="" id="{0CAE4892-806F-694B-89AD-81ACB518709F}"/>
               </a:ext>
             </a:extLst>
           </p:cNvPr>
@@ -9939,7 +9941,7 @@
           <p:cNvPr id="14" name="左大括弧 13">
             <a:extLst>
               <a:ext uri="{FF2B5EF4-FFF2-40B4-BE49-F238E27FC236}">
-                <a16:creationId xmlns:a16="http://schemas.microsoft.com/office/drawing/2014/main" id="{BA17A159-7696-0443-8744-6EDBF0D4EDDB}"/>
+                <a16:creationId xmlns:a16="http://schemas.microsoft.com/office/drawing/2014/main" xmlns="" id="{BA17A159-7696-0443-8744-6EDBF0D4EDDB}"/>
               </a:ext>
             </a:extLst>
           </p:cNvPr>
@@ -9983,7 +9985,7 @@
           <p:cNvPr id="15" name="左大括弧 14">
             <a:extLst>
               <a:ext uri="{FF2B5EF4-FFF2-40B4-BE49-F238E27FC236}">
-                <a16:creationId xmlns:a16="http://schemas.microsoft.com/office/drawing/2014/main" id="{ED7C6BB1-5E6F-3148-8C4F-14BA95169B48}"/>
+                <a16:creationId xmlns:a16="http://schemas.microsoft.com/office/drawing/2014/main" xmlns="" id="{ED7C6BB1-5E6F-3148-8C4F-14BA95169B48}"/>
               </a:ext>
             </a:extLst>
           </p:cNvPr>
@@ -10027,7 +10029,7 @@
           <p:cNvPr id="16" name="六邊形 15">
             <a:extLst>
               <a:ext uri="{FF2B5EF4-FFF2-40B4-BE49-F238E27FC236}">
-                <a16:creationId xmlns:a16="http://schemas.microsoft.com/office/drawing/2014/main" id="{3DAC59AB-93FA-5741-B965-C04C731D9187}"/>
+                <a16:creationId xmlns:a16="http://schemas.microsoft.com/office/drawing/2014/main" xmlns="" id="{3DAC59AB-93FA-5741-B965-C04C731D9187}"/>
               </a:ext>
             </a:extLst>
           </p:cNvPr>
@@ -10077,7 +10079,7 @@
           <p:cNvPr id="17" name="文字方塊 16">
             <a:extLst>
               <a:ext uri="{FF2B5EF4-FFF2-40B4-BE49-F238E27FC236}">
-                <a16:creationId xmlns:a16="http://schemas.microsoft.com/office/drawing/2014/main" id="{75AFBA2A-30E4-1642-937E-90235446622D}"/>
+                <a16:creationId xmlns:a16="http://schemas.microsoft.com/office/drawing/2014/main" xmlns="" id="{75AFBA2A-30E4-1642-937E-90235446622D}"/>
               </a:ext>
             </a:extLst>
           </p:cNvPr>
@@ -10119,7 +10121,7 @@
           <p:cNvPr id="18" name="六邊形 17">
             <a:extLst>
               <a:ext uri="{FF2B5EF4-FFF2-40B4-BE49-F238E27FC236}">
-                <a16:creationId xmlns:a16="http://schemas.microsoft.com/office/drawing/2014/main" id="{873DC776-F800-764E-B90C-AA51196E9FC2}"/>
+                <a16:creationId xmlns:a16="http://schemas.microsoft.com/office/drawing/2014/main" xmlns="" id="{873DC776-F800-764E-B90C-AA51196E9FC2}"/>
               </a:ext>
             </a:extLst>
           </p:cNvPr>
@@ -10166,7 +10168,7 @@
           <p:cNvPr id="19" name="文字方塊 18">
             <a:extLst>
               <a:ext uri="{FF2B5EF4-FFF2-40B4-BE49-F238E27FC236}">
-                <a16:creationId xmlns:a16="http://schemas.microsoft.com/office/drawing/2014/main" id="{5D131C84-56F4-9940-A3A7-886B5F6AFA14}"/>
+                <a16:creationId xmlns:a16="http://schemas.microsoft.com/office/drawing/2014/main" xmlns="" id="{5D131C84-56F4-9940-A3A7-886B5F6AFA14}"/>
               </a:ext>
             </a:extLst>
           </p:cNvPr>
@@ -10208,7 +10210,7 @@
           <p:cNvPr id="20" name="六邊形 19">
             <a:extLst>
               <a:ext uri="{FF2B5EF4-FFF2-40B4-BE49-F238E27FC236}">
-                <a16:creationId xmlns:a16="http://schemas.microsoft.com/office/drawing/2014/main" id="{9FA0004A-8951-6D4F-8516-4EE996F69258}"/>
+                <a16:creationId xmlns:a16="http://schemas.microsoft.com/office/drawing/2014/main" xmlns="" id="{9FA0004A-8951-6D4F-8516-4EE996F69258}"/>
               </a:ext>
             </a:extLst>
           </p:cNvPr>
@@ -10255,7 +10257,7 @@
           <p:cNvPr id="21" name="文字方塊 20">
             <a:extLst>
               <a:ext uri="{FF2B5EF4-FFF2-40B4-BE49-F238E27FC236}">
-                <a16:creationId xmlns:a16="http://schemas.microsoft.com/office/drawing/2014/main" id="{712FD4FF-77A9-1746-90B0-709A3602955B}"/>
+                <a16:creationId xmlns:a16="http://schemas.microsoft.com/office/drawing/2014/main" xmlns="" id="{712FD4FF-77A9-1746-90B0-709A3602955B}"/>
               </a:ext>
             </a:extLst>
           </p:cNvPr>
@@ -10297,7 +10299,7 @@
           <p:cNvPr id="22" name="六邊形 21">
             <a:extLst>
               <a:ext uri="{FF2B5EF4-FFF2-40B4-BE49-F238E27FC236}">
-                <a16:creationId xmlns:a16="http://schemas.microsoft.com/office/drawing/2014/main" id="{62B8A2B9-DF56-5244-929A-F6666F8837FB}"/>
+                <a16:creationId xmlns:a16="http://schemas.microsoft.com/office/drawing/2014/main" xmlns="" id="{62B8A2B9-DF56-5244-929A-F6666F8837FB}"/>
               </a:ext>
             </a:extLst>
           </p:cNvPr>
@@ -10347,7 +10349,7 @@
           <p:cNvPr id="23" name="文字方塊 22">
             <a:extLst>
               <a:ext uri="{FF2B5EF4-FFF2-40B4-BE49-F238E27FC236}">
-                <a16:creationId xmlns:a16="http://schemas.microsoft.com/office/drawing/2014/main" id="{EC4A2E33-537E-0D49-BF92-5129F7EFAC28}"/>
+                <a16:creationId xmlns:a16="http://schemas.microsoft.com/office/drawing/2014/main" xmlns="" id="{EC4A2E33-537E-0D49-BF92-5129F7EFAC28}"/>
               </a:ext>
             </a:extLst>
           </p:cNvPr>
@@ -10389,7 +10391,7 @@
           <p:cNvPr id="24" name="六邊形 23">
             <a:extLst>
               <a:ext uri="{FF2B5EF4-FFF2-40B4-BE49-F238E27FC236}">
-                <a16:creationId xmlns:a16="http://schemas.microsoft.com/office/drawing/2014/main" id="{270CFC5F-CE8F-D24A-BAAB-8FBFEF958DAE}"/>
+                <a16:creationId xmlns:a16="http://schemas.microsoft.com/office/drawing/2014/main" xmlns="" id="{270CFC5F-CE8F-D24A-BAAB-8FBFEF958DAE}"/>
               </a:ext>
             </a:extLst>
           </p:cNvPr>
@@ -10436,7 +10438,7 @@
           <p:cNvPr id="25" name="文字方塊 24">
             <a:extLst>
               <a:ext uri="{FF2B5EF4-FFF2-40B4-BE49-F238E27FC236}">
-                <a16:creationId xmlns:a16="http://schemas.microsoft.com/office/drawing/2014/main" id="{C3775697-8127-1442-B221-B55FA0556D7C}"/>
+                <a16:creationId xmlns:a16="http://schemas.microsoft.com/office/drawing/2014/main" xmlns="" id="{C3775697-8127-1442-B221-B55FA0556D7C}"/>
               </a:ext>
             </a:extLst>
           </p:cNvPr>
@@ -10478,7 +10480,7 @@
           <p:cNvPr id="26" name="六邊形 25">
             <a:extLst>
               <a:ext uri="{FF2B5EF4-FFF2-40B4-BE49-F238E27FC236}">
-                <a16:creationId xmlns:a16="http://schemas.microsoft.com/office/drawing/2014/main" id="{8EAD13B8-E0CC-2A4F-9347-7066D203310E}"/>
+                <a16:creationId xmlns:a16="http://schemas.microsoft.com/office/drawing/2014/main" xmlns="" id="{8EAD13B8-E0CC-2A4F-9347-7066D203310E}"/>
               </a:ext>
             </a:extLst>
           </p:cNvPr>
@@ -10525,7 +10527,7 @@
           <p:cNvPr id="27" name="文字方塊 26">
             <a:extLst>
               <a:ext uri="{FF2B5EF4-FFF2-40B4-BE49-F238E27FC236}">
-                <a16:creationId xmlns:a16="http://schemas.microsoft.com/office/drawing/2014/main" id="{CCE1DE24-30D3-394B-925D-7245C05231EB}"/>
+                <a16:creationId xmlns:a16="http://schemas.microsoft.com/office/drawing/2014/main" xmlns="" id="{CCE1DE24-30D3-394B-925D-7245C05231EB}"/>
               </a:ext>
             </a:extLst>
           </p:cNvPr>
@@ -10567,7 +10569,7 @@
           <p:cNvPr id="28" name="文字方塊 27">
             <a:extLst>
               <a:ext uri="{FF2B5EF4-FFF2-40B4-BE49-F238E27FC236}">
-                <a16:creationId xmlns:a16="http://schemas.microsoft.com/office/drawing/2014/main" id="{08826A9B-52E9-064D-A8A8-091358742F25}"/>
+                <a16:creationId xmlns:a16="http://schemas.microsoft.com/office/drawing/2014/main" xmlns="" id="{08826A9B-52E9-064D-A8A8-091358742F25}"/>
               </a:ext>
             </a:extLst>
           </p:cNvPr>
@@ -10603,7 +10605,7 @@
           <p:cNvPr id="29" name="文字方塊 28">
             <a:extLst>
               <a:ext uri="{FF2B5EF4-FFF2-40B4-BE49-F238E27FC236}">
-                <a16:creationId xmlns:a16="http://schemas.microsoft.com/office/drawing/2014/main" id="{48217CC9-1FF3-D445-844A-D0645C85068D}"/>
+                <a16:creationId xmlns:a16="http://schemas.microsoft.com/office/drawing/2014/main" xmlns="" id="{48217CC9-1FF3-D445-844A-D0645C85068D}"/>
               </a:ext>
             </a:extLst>
           </p:cNvPr>
@@ -10639,7 +10641,7 @@
           <p:cNvPr id="30" name="文字方塊 29">
             <a:extLst>
               <a:ext uri="{FF2B5EF4-FFF2-40B4-BE49-F238E27FC236}">
-                <a16:creationId xmlns:a16="http://schemas.microsoft.com/office/drawing/2014/main" id="{FA58162B-BC56-064F-AE76-47F56A977D4F}"/>
+                <a16:creationId xmlns:a16="http://schemas.microsoft.com/office/drawing/2014/main" xmlns="" id="{FA58162B-BC56-064F-AE76-47F56A977D4F}"/>
               </a:ext>
             </a:extLst>
           </p:cNvPr>
@@ -10675,7 +10677,7 @@
           <p:cNvPr id="31" name="文字方塊 30">
             <a:extLst>
               <a:ext uri="{FF2B5EF4-FFF2-40B4-BE49-F238E27FC236}">
-                <a16:creationId xmlns:a16="http://schemas.microsoft.com/office/drawing/2014/main" id="{34BFCD12-22C5-E044-A828-1E7A2F7A4540}"/>
+                <a16:creationId xmlns:a16="http://schemas.microsoft.com/office/drawing/2014/main" xmlns="" id="{34BFCD12-22C5-E044-A828-1E7A2F7A4540}"/>
               </a:ext>
             </a:extLst>
           </p:cNvPr>
@@ -10710,7 +10712,7 @@
           <p:cNvPr id="32" name="文字方塊 31">
             <a:extLst>
               <a:ext uri="{FF2B5EF4-FFF2-40B4-BE49-F238E27FC236}">
-                <a16:creationId xmlns:a16="http://schemas.microsoft.com/office/drawing/2014/main" id="{1578AE17-026B-4144-A7D9-D1B14F2A8EF4}"/>
+                <a16:creationId xmlns:a16="http://schemas.microsoft.com/office/drawing/2014/main" xmlns="" id="{1578AE17-026B-4144-A7D9-D1B14F2A8EF4}"/>
               </a:ext>
             </a:extLst>
           </p:cNvPr>
@@ -10745,7 +10747,7 @@
           <p:cNvPr id="34" name="直線箭頭接點 33">
             <a:extLst>
               <a:ext uri="{FF2B5EF4-FFF2-40B4-BE49-F238E27FC236}">
-                <a16:creationId xmlns:a16="http://schemas.microsoft.com/office/drawing/2014/main" id="{5F973175-AEAB-6B46-8366-588A2E0F8939}"/>
+                <a16:creationId xmlns:a16="http://schemas.microsoft.com/office/drawing/2014/main" xmlns="" id="{5F973175-AEAB-6B46-8366-588A2E0F8939}"/>
               </a:ext>
             </a:extLst>
           </p:cNvPr>
@@ -10814,7 +10816,7 @@
           <p:cNvPr id="4" name="笑臉 3">
             <a:extLst>
               <a:ext uri="{FF2B5EF4-FFF2-40B4-BE49-F238E27FC236}">
-                <a16:creationId xmlns:a16="http://schemas.microsoft.com/office/drawing/2014/main" id="{D2641DBC-D4FB-014F-BB37-690043DD77CD}"/>
+                <a16:creationId xmlns:a16="http://schemas.microsoft.com/office/drawing/2014/main" xmlns="" id="{D2641DBC-D4FB-014F-BB37-690043DD77CD}"/>
               </a:ext>
             </a:extLst>
           </p:cNvPr>
@@ -10860,7 +10862,7 @@
           <p:cNvPr id="5" name="直線箭頭接點 4">
             <a:extLst>
               <a:ext uri="{FF2B5EF4-FFF2-40B4-BE49-F238E27FC236}">
-                <a16:creationId xmlns:a16="http://schemas.microsoft.com/office/drawing/2014/main" id="{8AB4B1C2-F119-B642-B239-D3073BBAB028}"/>
+                <a16:creationId xmlns:a16="http://schemas.microsoft.com/office/drawing/2014/main" xmlns="" id="{8AB4B1C2-F119-B642-B239-D3073BBAB028}"/>
               </a:ext>
             </a:extLst>
           </p:cNvPr>
@@ -10901,7 +10903,7 @@
           <p:cNvPr id="6" name="矩形 5">
             <a:extLst>
               <a:ext uri="{FF2B5EF4-FFF2-40B4-BE49-F238E27FC236}">
-                <a16:creationId xmlns:a16="http://schemas.microsoft.com/office/drawing/2014/main" id="{91E5F4B9-CA6E-4146-B943-8391E89865DD}"/>
+                <a16:creationId xmlns:a16="http://schemas.microsoft.com/office/drawing/2014/main" xmlns="" id="{91E5F4B9-CA6E-4146-B943-8391E89865DD}"/>
               </a:ext>
             </a:extLst>
           </p:cNvPr>
@@ -10948,7 +10950,7 @@
           <p:cNvPr id="7" name="文字方塊 6">
             <a:extLst>
               <a:ext uri="{FF2B5EF4-FFF2-40B4-BE49-F238E27FC236}">
-                <a16:creationId xmlns:a16="http://schemas.microsoft.com/office/drawing/2014/main" id="{003CD390-9331-864E-A8F5-0E4D7415153E}"/>
+                <a16:creationId xmlns:a16="http://schemas.microsoft.com/office/drawing/2014/main" xmlns="" id="{003CD390-9331-864E-A8F5-0E4D7415153E}"/>
               </a:ext>
             </a:extLst>
           </p:cNvPr>
@@ -10984,7 +10986,7 @@
           <p:cNvPr id="9" name="矩形 8">
             <a:extLst>
               <a:ext uri="{FF2B5EF4-FFF2-40B4-BE49-F238E27FC236}">
-                <a16:creationId xmlns:a16="http://schemas.microsoft.com/office/drawing/2014/main" id="{61010977-0FCE-5049-8A19-0070844C6A12}"/>
+                <a16:creationId xmlns:a16="http://schemas.microsoft.com/office/drawing/2014/main" xmlns="" id="{61010977-0FCE-5049-8A19-0070844C6A12}"/>
               </a:ext>
             </a:extLst>
           </p:cNvPr>
@@ -11031,7 +11033,7 @@
           <p:cNvPr id="10" name="矩形 9">
             <a:extLst>
               <a:ext uri="{FF2B5EF4-FFF2-40B4-BE49-F238E27FC236}">
-                <a16:creationId xmlns:a16="http://schemas.microsoft.com/office/drawing/2014/main" id="{16B4DC94-EA26-2D41-924E-57792A4DD26E}"/>
+                <a16:creationId xmlns:a16="http://schemas.microsoft.com/office/drawing/2014/main" xmlns="" id="{16B4DC94-EA26-2D41-924E-57792A4DD26E}"/>
               </a:ext>
             </a:extLst>
           </p:cNvPr>
@@ -11078,7 +11080,7 @@
           <p:cNvPr id="11" name="文字方塊 10">
             <a:extLst>
               <a:ext uri="{FF2B5EF4-FFF2-40B4-BE49-F238E27FC236}">
-                <a16:creationId xmlns:a16="http://schemas.microsoft.com/office/drawing/2014/main" id="{4F3E78EF-6878-A049-93E9-715BEDA5B3E1}"/>
+                <a16:creationId xmlns:a16="http://schemas.microsoft.com/office/drawing/2014/main" xmlns="" id="{4F3E78EF-6878-A049-93E9-715BEDA5B3E1}"/>
               </a:ext>
             </a:extLst>
           </p:cNvPr>
@@ -11118,7 +11120,7 @@
           <p:cNvPr id="12" name="文字方塊 11">
             <a:extLst>
               <a:ext uri="{FF2B5EF4-FFF2-40B4-BE49-F238E27FC236}">
-                <a16:creationId xmlns:a16="http://schemas.microsoft.com/office/drawing/2014/main" id="{4EC9D08E-E760-0249-92C1-1E79814409C1}"/>
+                <a16:creationId xmlns:a16="http://schemas.microsoft.com/office/drawing/2014/main" xmlns="" id="{4EC9D08E-E760-0249-92C1-1E79814409C1}"/>
               </a:ext>
             </a:extLst>
           </p:cNvPr>
@@ -11154,7 +11156,7 @@
           <p:cNvPr id="13" name="左大括弧 12">
             <a:extLst>
               <a:ext uri="{FF2B5EF4-FFF2-40B4-BE49-F238E27FC236}">
-                <a16:creationId xmlns:a16="http://schemas.microsoft.com/office/drawing/2014/main" id="{50261929-30ED-8E46-8708-A5C165AAB9E7}"/>
+                <a16:creationId xmlns:a16="http://schemas.microsoft.com/office/drawing/2014/main" xmlns="" id="{50261929-30ED-8E46-8708-A5C165AAB9E7}"/>
               </a:ext>
             </a:extLst>
           </p:cNvPr>
@@ -11198,7 +11200,7 @@
           <p:cNvPr id="14" name="左大括弧 13">
             <a:extLst>
               <a:ext uri="{FF2B5EF4-FFF2-40B4-BE49-F238E27FC236}">
-                <a16:creationId xmlns:a16="http://schemas.microsoft.com/office/drawing/2014/main" id="{71169394-CECD-644A-B5D1-3699FFA48104}"/>
+                <a16:creationId xmlns:a16="http://schemas.microsoft.com/office/drawing/2014/main" xmlns="" id="{71169394-CECD-644A-B5D1-3699FFA48104}"/>
               </a:ext>
             </a:extLst>
           </p:cNvPr>
@@ -11242,7 +11244,7 @@
           <p:cNvPr id="15" name="六邊形 14">
             <a:extLst>
               <a:ext uri="{FF2B5EF4-FFF2-40B4-BE49-F238E27FC236}">
-                <a16:creationId xmlns:a16="http://schemas.microsoft.com/office/drawing/2014/main" id="{698F0CE1-0AE7-FD41-B7B2-D26B4A1926D4}"/>
+                <a16:creationId xmlns:a16="http://schemas.microsoft.com/office/drawing/2014/main" xmlns="" id="{698F0CE1-0AE7-FD41-B7B2-D26B4A1926D4}"/>
               </a:ext>
             </a:extLst>
           </p:cNvPr>
@@ -11292,7 +11294,7 @@
           <p:cNvPr id="16" name="文字方塊 15">
             <a:extLst>
               <a:ext uri="{FF2B5EF4-FFF2-40B4-BE49-F238E27FC236}">
-                <a16:creationId xmlns:a16="http://schemas.microsoft.com/office/drawing/2014/main" id="{3539DC8E-E89D-EE43-9651-7CD7436D00D2}"/>
+                <a16:creationId xmlns:a16="http://schemas.microsoft.com/office/drawing/2014/main" xmlns="" id="{3539DC8E-E89D-EE43-9651-7CD7436D00D2}"/>
               </a:ext>
             </a:extLst>
           </p:cNvPr>
@@ -11334,7 +11336,7 @@
           <p:cNvPr id="17" name="六邊形 16">
             <a:extLst>
               <a:ext uri="{FF2B5EF4-FFF2-40B4-BE49-F238E27FC236}">
-                <a16:creationId xmlns:a16="http://schemas.microsoft.com/office/drawing/2014/main" id="{E3CA2D4A-D449-424E-B519-DCC6696B85CC}"/>
+                <a16:creationId xmlns:a16="http://schemas.microsoft.com/office/drawing/2014/main" xmlns="" id="{E3CA2D4A-D449-424E-B519-DCC6696B85CC}"/>
               </a:ext>
             </a:extLst>
           </p:cNvPr>
@@ -11381,7 +11383,7 @@
           <p:cNvPr id="18" name="文字方塊 17">
             <a:extLst>
               <a:ext uri="{FF2B5EF4-FFF2-40B4-BE49-F238E27FC236}">
-                <a16:creationId xmlns:a16="http://schemas.microsoft.com/office/drawing/2014/main" id="{963159BB-7621-334C-853D-F01D9CC32701}"/>
+                <a16:creationId xmlns:a16="http://schemas.microsoft.com/office/drawing/2014/main" xmlns="" id="{963159BB-7621-334C-853D-F01D9CC32701}"/>
               </a:ext>
             </a:extLst>
           </p:cNvPr>
@@ -11423,7 +11425,7 @@
           <p:cNvPr id="19" name="六邊形 18">
             <a:extLst>
               <a:ext uri="{FF2B5EF4-FFF2-40B4-BE49-F238E27FC236}">
-                <a16:creationId xmlns:a16="http://schemas.microsoft.com/office/drawing/2014/main" id="{624B7332-BCDC-BB47-B102-DC8EA0B4C571}"/>
+                <a16:creationId xmlns:a16="http://schemas.microsoft.com/office/drawing/2014/main" xmlns="" id="{624B7332-BCDC-BB47-B102-DC8EA0B4C571}"/>
               </a:ext>
             </a:extLst>
           </p:cNvPr>
@@ -11470,7 +11472,7 @@
           <p:cNvPr id="20" name="文字方塊 19">
             <a:extLst>
               <a:ext uri="{FF2B5EF4-FFF2-40B4-BE49-F238E27FC236}">
-                <a16:creationId xmlns:a16="http://schemas.microsoft.com/office/drawing/2014/main" id="{A8AB9AD7-CA14-AF4D-BA71-55CFEED78038}"/>
+                <a16:creationId xmlns:a16="http://schemas.microsoft.com/office/drawing/2014/main" xmlns="" id="{A8AB9AD7-CA14-AF4D-BA71-55CFEED78038}"/>
               </a:ext>
             </a:extLst>
           </p:cNvPr>
@@ -11512,7 +11514,7 @@
           <p:cNvPr id="21" name="六邊形 20">
             <a:extLst>
               <a:ext uri="{FF2B5EF4-FFF2-40B4-BE49-F238E27FC236}">
-                <a16:creationId xmlns:a16="http://schemas.microsoft.com/office/drawing/2014/main" id="{1AA9CBA3-DEF1-B347-86EF-07399A90E65A}"/>
+                <a16:creationId xmlns:a16="http://schemas.microsoft.com/office/drawing/2014/main" xmlns="" id="{1AA9CBA3-DEF1-B347-86EF-07399A90E65A}"/>
               </a:ext>
             </a:extLst>
           </p:cNvPr>
@@ -11562,7 +11564,7 @@
           <p:cNvPr id="22" name="文字方塊 21">
             <a:extLst>
               <a:ext uri="{FF2B5EF4-FFF2-40B4-BE49-F238E27FC236}">
-                <a16:creationId xmlns:a16="http://schemas.microsoft.com/office/drawing/2014/main" id="{954D87C3-7860-C941-9B35-71F02207B737}"/>
+                <a16:creationId xmlns:a16="http://schemas.microsoft.com/office/drawing/2014/main" xmlns="" id="{954D87C3-7860-C941-9B35-71F02207B737}"/>
               </a:ext>
             </a:extLst>
           </p:cNvPr>
@@ -11604,7 +11606,7 @@
           <p:cNvPr id="23" name="六邊形 22">
             <a:extLst>
               <a:ext uri="{FF2B5EF4-FFF2-40B4-BE49-F238E27FC236}">
-                <a16:creationId xmlns:a16="http://schemas.microsoft.com/office/drawing/2014/main" id="{CD7A25A1-4BC0-FE4F-A1D3-8F0D549EA35C}"/>
+                <a16:creationId xmlns:a16="http://schemas.microsoft.com/office/drawing/2014/main" xmlns="" id="{CD7A25A1-4BC0-FE4F-A1D3-8F0D549EA35C}"/>
               </a:ext>
             </a:extLst>
           </p:cNvPr>
@@ -11651,7 +11653,7 @@
           <p:cNvPr id="24" name="文字方塊 23">
             <a:extLst>
               <a:ext uri="{FF2B5EF4-FFF2-40B4-BE49-F238E27FC236}">
-                <a16:creationId xmlns:a16="http://schemas.microsoft.com/office/drawing/2014/main" id="{8632F125-4F96-0241-833D-465A7C42353B}"/>
+                <a16:creationId xmlns:a16="http://schemas.microsoft.com/office/drawing/2014/main" xmlns="" id="{8632F125-4F96-0241-833D-465A7C42353B}"/>
               </a:ext>
             </a:extLst>
           </p:cNvPr>
@@ -11693,7 +11695,7 @@
           <p:cNvPr id="25" name="六邊形 24">
             <a:extLst>
               <a:ext uri="{FF2B5EF4-FFF2-40B4-BE49-F238E27FC236}">
-                <a16:creationId xmlns:a16="http://schemas.microsoft.com/office/drawing/2014/main" id="{820A079C-1B36-6047-836D-DC45BBAF3A90}"/>
+                <a16:creationId xmlns:a16="http://schemas.microsoft.com/office/drawing/2014/main" xmlns="" id="{820A079C-1B36-6047-836D-DC45BBAF3A90}"/>
               </a:ext>
             </a:extLst>
           </p:cNvPr>
@@ -11740,7 +11742,7 @@
           <p:cNvPr id="26" name="文字方塊 25">
             <a:extLst>
               <a:ext uri="{FF2B5EF4-FFF2-40B4-BE49-F238E27FC236}">
-                <a16:creationId xmlns:a16="http://schemas.microsoft.com/office/drawing/2014/main" id="{6F7B6883-2E15-3745-9CF0-D12D39FCD89F}"/>
+                <a16:creationId xmlns:a16="http://schemas.microsoft.com/office/drawing/2014/main" xmlns="" id="{6F7B6883-2E15-3745-9CF0-D12D39FCD89F}"/>
               </a:ext>
             </a:extLst>
           </p:cNvPr>
@@ -11782,7 +11784,7 @@
           <p:cNvPr id="27" name="文字方塊 26">
             <a:extLst>
               <a:ext uri="{FF2B5EF4-FFF2-40B4-BE49-F238E27FC236}">
-                <a16:creationId xmlns:a16="http://schemas.microsoft.com/office/drawing/2014/main" id="{78F56147-B108-614D-B138-AC4B93576562}"/>
+                <a16:creationId xmlns:a16="http://schemas.microsoft.com/office/drawing/2014/main" xmlns="" id="{78F56147-B108-614D-B138-AC4B93576562}"/>
               </a:ext>
             </a:extLst>
           </p:cNvPr>
@@ -11818,7 +11820,7 @@
           <p:cNvPr id="28" name="文字方塊 27">
             <a:extLst>
               <a:ext uri="{FF2B5EF4-FFF2-40B4-BE49-F238E27FC236}">
-                <a16:creationId xmlns:a16="http://schemas.microsoft.com/office/drawing/2014/main" id="{B13EBD54-E6FB-2243-875A-977378A04BB8}"/>
+                <a16:creationId xmlns:a16="http://schemas.microsoft.com/office/drawing/2014/main" xmlns="" id="{B13EBD54-E6FB-2243-875A-977378A04BB8}"/>
               </a:ext>
             </a:extLst>
           </p:cNvPr>
@@ -11854,7 +11856,7 @@
           <p:cNvPr id="29" name="文字方塊 28">
             <a:extLst>
               <a:ext uri="{FF2B5EF4-FFF2-40B4-BE49-F238E27FC236}">
-                <a16:creationId xmlns:a16="http://schemas.microsoft.com/office/drawing/2014/main" id="{9B749F3F-4492-3541-AB7A-D8BA45F9885D}"/>
+                <a16:creationId xmlns:a16="http://schemas.microsoft.com/office/drawing/2014/main" xmlns="" id="{9B749F3F-4492-3541-AB7A-D8BA45F9885D}"/>
               </a:ext>
             </a:extLst>
           </p:cNvPr>
@@ -11890,7 +11892,7 @@
           <p:cNvPr id="30" name="文字方塊 29">
             <a:extLst>
               <a:ext uri="{FF2B5EF4-FFF2-40B4-BE49-F238E27FC236}">
-                <a16:creationId xmlns:a16="http://schemas.microsoft.com/office/drawing/2014/main" id="{14DD01C7-CF76-824C-9CA9-613A778FFA23}"/>
+                <a16:creationId xmlns:a16="http://schemas.microsoft.com/office/drawing/2014/main" xmlns="" id="{14DD01C7-CF76-824C-9CA9-613A778FFA23}"/>
               </a:ext>
             </a:extLst>
           </p:cNvPr>
@@ -11925,7 +11927,7 @@
           <p:cNvPr id="34" name="直線箭頭接點 33">
             <a:extLst>
               <a:ext uri="{FF2B5EF4-FFF2-40B4-BE49-F238E27FC236}">
-                <a16:creationId xmlns:a16="http://schemas.microsoft.com/office/drawing/2014/main" id="{DBF328DE-FA72-7C47-A5D0-FDE9CDC873E4}"/>
+                <a16:creationId xmlns:a16="http://schemas.microsoft.com/office/drawing/2014/main" xmlns="" id="{DBF328DE-FA72-7C47-A5D0-FDE9CDC873E4}"/>
               </a:ext>
             </a:extLst>
           </p:cNvPr>
@@ -11997,7 +11999,7 @@
           <p:cNvPr id="4" name="文字方塊 3">
             <a:extLst>
               <a:ext uri="{FF2B5EF4-FFF2-40B4-BE49-F238E27FC236}">
-                <a16:creationId xmlns:a16="http://schemas.microsoft.com/office/drawing/2014/main" id="{2399E42F-5C89-0C44-B0D4-61967C8D9B09}"/>
+                <a16:creationId xmlns:a16="http://schemas.microsoft.com/office/drawing/2014/main" xmlns="" id="{2399E42F-5C89-0C44-B0D4-61967C8D9B09}"/>
               </a:ext>
             </a:extLst>
           </p:cNvPr>
@@ -12027,10 +12029,3508 @@
           </a:p>
         </p:txBody>
       </p:sp>
+      <p:sp>
+        <p:nvSpPr>
+          <p:cNvPr id="2" name="矩形 1"/>
+          <p:cNvSpPr/>
+          <p:nvPr/>
+        </p:nvSpPr>
+        <p:spPr>
+          <a:xfrm>
+            <a:off x="2725782" y="2116183"/>
+            <a:ext cx="1898469" cy="1010194"/>
+          </a:xfrm>
+          <a:prstGeom prst="rect">
+            <a:avLst/>
+          </a:prstGeom>
+          <a:noFill/>
+        </p:spPr>
+        <p:style>
+          <a:lnRef idx="2">
+            <a:schemeClr val="accent1">
+              <a:shade val="50000"/>
+            </a:schemeClr>
+          </a:lnRef>
+          <a:fillRef idx="1">
+            <a:schemeClr val="accent1"/>
+          </a:fillRef>
+          <a:effectRef idx="0">
+            <a:schemeClr val="accent1"/>
+          </a:effectRef>
+          <a:fontRef idx="minor">
+            <a:schemeClr val="lt1"/>
+          </a:fontRef>
+        </p:style>
+        <p:txBody>
+          <a:bodyPr rtlCol="0" anchor="ctr"/>
+          <a:lstStyle/>
+          <a:p>
+            <a:pPr algn="ctr"/>
+            <a:endParaRPr lang="zh-TW" altLang="en-US"/>
+          </a:p>
+        </p:txBody>
+      </p:sp>
+      <p:sp>
+        <p:nvSpPr>
+          <p:cNvPr id="5" name="矩形 4"/>
+          <p:cNvSpPr/>
+          <p:nvPr/>
+        </p:nvSpPr>
+        <p:spPr>
+          <a:xfrm>
+            <a:off x="6823165" y="2116183"/>
+            <a:ext cx="1898469" cy="1010194"/>
+          </a:xfrm>
+          <a:prstGeom prst="rect">
+            <a:avLst/>
+          </a:prstGeom>
+          <a:noFill/>
+        </p:spPr>
+        <p:style>
+          <a:lnRef idx="2">
+            <a:schemeClr val="accent1">
+              <a:shade val="50000"/>
+            </a:schemeClr>
+          </a:lnRef>
+          <a:fillRef idx="1">
+            <a:schemeClr val="accent1"/>
+          </a:fillRef>
+          <a:effectRef idx="0">
+            <a:schemeClr val="accent1"/>
+          </a:effectRef>
+          <a:fontRef idx="minor">
+            <a:schemeClr val="lt1"/>
+          </a:fontRef>
+        </p:style>
+        <p:txBody>
+          <a:bodyPr rtlCol="0" anchor="ctr"/>
+          <a:lstStyle/>
+          <a:p>
+            <a:pPr algn="ctr"/>
+            <a:endParaRPr lang="zh-TW" altLang="en-US"/>
+          </a:p>
+        </p:txBody>
+      </p:sp>
+      <p:sp>
+        <p:nvSpPr>
+          <p:cNvPr id="3" name="文字方塊 2"/>
+          <p:cNvSpPr txBox="1"/>
+          <p:nvPr/>
+        </p:nvSpPr>
+        <p:spPr>
+          <a:xfrm>
+            <a:off x="3022048" y="2436614"/>
+            <a:ext cx="1305935" cy="369332"/>
+          </a:xfrm>
+          <a:prstGeom prst="rect">
+            <a:avLst/>
+          </a:prstGeom>
+          <a:noFill/>
+        </p:spPr>
+        <p:txBody>
+          <a:bodyPr wrap="none" rtlCol="0">
+            <a:spAutoFit/>
+          </a:bodyPr>
+          <a:lstStyle/>
+          <a:p>
+            <a:r>
+              <a:rPr lang="en-US" altLang="zh-TW" dirty="0"/>
+              <a:t>gray-ingress</a:t>
+            </a:r>
+            <a:endParaRPr lang="zh-TW" altLang="en-US" dirty="0"/>
+          </a:p>
+        </p:txBody>
+      </p:sp>
+      <p:cxnSp>
+        <p:nvCxnSpPr>
+          <p:cNvPr id="7" name="直線單箭頭接點 6"/>
+          <p:cNvCxnSpPr>
+            <a:stCxn id="2" idx="2"/>
+          </p:cNvCxnSpPr>
+          <p:nvPr/>
+        </p:nvCxnSpPr>
+        <p:spPr>
+          <a:xfrm flipH="1">
+            <a:off x="3675016" y="3126377"/>
+            <a:ext cx="1" cy="653143"/>
+          </a:xfrm>
+          <a:prstGeom prst="straightConnector1">
+            <a:avLst/>
+          </a:prstGeom>
+          <a:ln>
+            <a:tailEnd type="triangle"/>
+          </a:ln>
+        </p:spPr>
+        <p:style>
+          <a:lnRef idx="1">
+            <a:schemeClr val="accent1"/>
+          </a:lnRef>
+          <a:fillRef idx="0">
+            <a:schemeClr val="accent1"/>
+          </a:fillRef>
+          <a:effectRef idx="0">
+            <a:schemeClr val="accent1"/>
+          </a:effectRef>
+          <a:fontRef idx="minor">
+            <a:schemeClr val="tx1"/>
+          </a:fontRef>
+        </p:style>
+      </p:cxnSp>
+      <p:sp>
+        <p:nvSpPr>
+          <p:cNvPr id="8" name="矩形 7"/>
+          <p:cNvSpPr/>
+          <p:nvPr/>
+        </p:nvSpPr>
+        <p:spPr>
+          <a:xfrm>
+            <a:off x="2725782" y="3779520"/>
+            <a:ext cx="1898469" cy="1010194"/>
+          </a:xfrm>
+          <a:prstGeom prst="rect">
+            <a:avLst/>
+          </a:prstGeom>
+          <a:noFill/>
+        </p:spPr>
+        <p:style>
+          <a:lnRef idx="2">
+            <a:schemeClr val="accent1">
+              <a:shade val="50000"/>
+            </a:schemeClr>
+          </a:lnRef>
+          <a:fillRef idx="1">
+            <a:schemeClr val="accent1"/>
+          </a:fillRef>
+          <a:effectRef idx="0">
+            <a:schemeClr val="accent1"/>
+          </a:effectRef>
+          <a:fontRef idx="minor">
+            <a:schemeClr val="lt1"/>
+          </a:fontRef>
+        </p:style>
+        <p:txBody>
+          <a:bodyPr rtlCol="0" anchor="ctr"/>
+          <a:lstStyle/>
+          <a:p>
+            <a:pPr algn="ctr"/>
+            <a:endParaRPr lang="zh-TW" altLang="en-US"/>
+          </a:p>
+        </p:txBody>
+      </p:sp>
+      <p:sp>
+        <p:nvSpPr>
+          <p:cNvPr id="11" name="文字方塊 10"/>
+          <p:cNvSpPr txBox="1"/>
+          <p:nvPr/>
+        </p:nvSpPr>
+        <p:spPr>
+          <a:xfrm>
+            <a:off x="2971809" y="4063331"/>
+            <a:ext cx="1406411" cy="369332"/>
+          </a:xfrm>
+          <a:prstGeom prst="rect">
+            <a:avLst/>
+          </a:prstGeom>
+          <a:noFill/>
+        </p:spPr>
+        <p:txBody>
+          <a:bodyPr wrap="none" rtlCol="0">
+            <a:spAutoFit/>
+          </a:bodyPr>
+          <a:lstStyle/>
+          <a:p>
+            <a:r>
+              <a:rPr lang="en-US" altLang="zh-TW" dirty="0"/>
+              <a:t>gray-web-svc</a:t>
+            </a:r>
+            <a:endParaRPr lang="zh-TW" altLang="en-US" dirty="0"/>
+          </a:p>
+        </p:txBody>
+      </p:sp>
+      <p:sp>
+        <p:nvSpPr>
+          <p:cNvPr id="12" name="右大括弧 11"/>
+          <p:cNvSpPr/>
+          <p:nvPr/>
+        </p:nvSpPr>
+        <p:spPr>
+          <a:xfrm rot="5400000" flipH="1">
+            <a:off x="3369889" y="3844833"/>
+            <a:ext cx="610254" cy="2500016"/>
+          </a:xfrm>
+          <a:prstGeom prst="rightBrace">
+            <a:avLst/>
+          </a:prstGeom>
+        </p:spPr>
+        <p:style>
+          <a:lnRef idx="1">
+            <a:schemeClr val="accent1"/>
+          </a:lnRef>
+          <a:fillRef idx="0">
+            <a:schemeClr val="accent1"/>
+          </a:fillRef>
+          <a:effectRef idx="0">
+            <a:schemeClr val="accent1"/>
+          </a:effectRef>
+          <a:fontRef idx="minor">
+            <a:schemeClr val="tx1"/>
+          </a:fontRef>
+        </p:style>
+        <p:txBody>
+          <a:bodyPr rtlCol="0" anchor="ctr"/>
+          <a:lstStyle/>
+          <a:p>
+            <a:pPr algn="ctr"/>
+            <a:endParaRPr lang="zh-TW" altLang="en-US"/>
+          </a:p>
+        </p:txBody>
+      </p:sp>
+      <p:sp>
+        <p:nvSpPr>
+          <p:cNvPr id="13" name="六邊形 12">
+            <a:extLst>
+              <a:ext uri="{FF2B5EF4-FFF2-40B4-BE49-F238E27FC236}">
+                <a16:creationId xmlns:a16="http://schemas.microsoft.com/office/drawing/2014/main" xmlns="" id="{1AA9CBA3-DEF1-B347-86EF-07399A90E65A}"/>
+              </a:ext>
+            </a:extLst>
+          </p:cNvPr>
+          <p:cNvSpPr/>
+          <p:nvPr/>
+        </p:nvSpPr>
+        <p:spPr>
+          <a:xfrm>
+            <a:off x="3306338" y="5391496"/>
+            <a:ext cx="625033" cy="625561"/>
+          </a:xfrm>
+          <a:prstGeom prst="hexagon">
+            <a:avLst>
+              <a:gd name="adj" fmla="val 25000"/>
+              <a:gd name="vf" fmla="val 115470"/>
+            </a:avLst>
+          </a:prstGeom>
+          <a:noFill/>
+        </p:spPr>
+        <p:style>
+          <a:lnRef idx="2">
+            <a:schemeClr val="accent1">
+              <a:shade val="50000"/>
+            </a:schemeClr>
+          </a:lnRef>
+          <a:fillRef idx="1">
+            <a:schemeClr val="accent1"/>
+          </a:fillRef>
+          <a:effectRef idx="0">
+            <a:schemeClr val="accent1"/>
+          </a:effectRef>
+          <a:fontRef idx="minor">
+            <a:schemeClr val="lt1"/>
+          </a:fontRef>
+        </p:style>
+        <p:txBody>
+          <a:bodyPr rtlCol="0" anchor="ctr"/>
+          <a:lstStyle/>
+          <a:p>
+            <a:pPr algn="ctr"/>
+            <a:endParaRPr kumimoji="1" lang="zh-TW" altLang="en-US"/>
+          </a:p>
+        </p:txBody>
+      </p:sp>
+      <p:sp>
+        <p:nvSpPr>
+          <p:cNvPr id="14" name="文字方塊 13">
+            <a:extLst>
+              <a:ext uri="{FF2B5EF4-FFF2-40B4-BE49-F238E27FC236}">
+                <a16:creationId xmlns:a16="http://schemas.microsoft.com/office/drawing/2014/main" xmlns="" id="{954D87C3-7860-C941-9B35-71F02207B737}"/>
+              </a:ext>
+            </a:extLst>
+          </p:cNvPr>
+          <p:cNvSpPr txBox="1"/>
+          <p:nvPr/>
+        </p:nvSpPr>
+        <p:spPr>
+          <a:xfrm>
+            <a:off x="4649948" y="5410119"/>
+            <a:ext cx="550151" cy="646331"/>
+          </a:xfrm>
+          <a:prstGeom prst="rect">
+            <a:avLst/>
+          </a:prstGeom>
+          <a:noFill/>
+        </p:spPr>
+        <p:txBody>
+          <a:bodyPr wrap="none" rtlCol="0">
+            <a:spAutoFit/>
+          </a:bodyPr>
+          <a:lstStyle/>
+          <a:p>
+            <a:r>
+              <a:rPr kumimoji="1" lang="en-US" altLang="zh-TW" dirty="0"/>
+              <a:t>Pod</a:t>
+            </a:r>
+          </a:p>
+          <a:p>
+            <a:r>
+              <a:rPr kumimoji="1" lang="en-US" altLang="zh-TW" dirty="0"/>
+              <a:t>v2</a:t>
+            </a:r>
+            <a:endParaRPr kumimoji="1" lang="zh-TW" altLang="en-US" dirty="0"/>
+          </a:p>
+        </p:txBody>
+      </p:sp>
+      <p:sp>
+        <p:nvSpPr>
+          <p:cNvPr id="15" name="六邊形 14">
+            <a:extLst>
+              <a:ext uri="{FF2B5EF4-FFF2-40B4-BE49-F238E27FC236}">
+                <a16:creationId xmlns:a16="http://schemas.microsoft.com/office/drawing/2014/main" xmlns="" id="{CD7A25A1-4BC0-FE4F-A1D3-8F0D549EA35C}"/>
+              </a:ext>
+            </a:extLst>
+          </p:cNvPr>
+          <p:cNvSpPr/>
+          <p:nvPr/>
+        </p:nvSpPr>
+        <p:spPr>
+          <a:xfrm>
+            <a:off x="2112491" y="5396842"/>
+            <a:ext cx="625033" cy="625561"/>
+          </a:xfrm>
+          <a:prstGeom prst="hexagon">
+            <a:avLst/>
+          </a:prstGeom>
+          <a:noFill/>
+        </p:spPr>
+        <p:style>
+          <a:lnRef idx="2">
+            <a:schemeClr val="accent1">
+              <a:shade val="50000"/>
+            </a:schemeClr>
+          </a:lnRef>
+          <a:fillRef idx="1">
+            <a:schemeClr val="accent1"/>
+          </a:fillRef>
+          <a:effectRef idx="0">
+            <a:schemeClr val="accent1"/>
+          </a:effectRef>
+          <a:fontRef idx="minor">
+            <a:schemeClr val="lt1"/>
+          </a:fontRef>
+        </p:style>
+        <p:txBody>
+          <a:bodyPr rtlCol="0" anchor="ctr"/>
+          <a:lstStyle/>
+          <a:p>
+            <a:pPr algn="ctr"/>
+            <a:endParaRPr kumimoji="1" lang="zh-TW" altLang="en-US"/>
+          </a:p>
+        </p:txBody>
+      </p:sp>
+      <p:sp>
+        <p:nvSpPr>
+          <p:cNvPr id="16" name="文字方塊 15">
+            <a:extLst>
+              <a:ext uri="{FF2B5EF4-FFF2-40B4-BE49-F238E27FC236}">
+                <a16:creationId xmlns:a16="http://schemas.microsoft.com/office/drawing/2014/main" xmlns="" id="{8632F125-4F96-0241-833D-465A7C42353B}"/>
+              </a:ext>
+            </a:extLst>
+          </p:cNvPr>
+          <p:cNvSpPr txBox="1"/>
+          <p:nvPr/>
+        </p:nvSpPr>
+        <p:spPr>
+          <a:xfrm>
+            <a:off x="2121823" y="5428189"/>
+            <a:ext cx="550151" cy="646331"/>
+          </a:xfrm>
+          <a:prstGeom prst="rect">
+            <a:avLst/>
+          </a:prstGeom>
+          <a:noFill/>
+        </p:spPr>
+        <p:txBody>
+          <a:bodyPr wrap="none" rtlCol="0">
+            <a:spAutoFit/>
+          </a:bodyPr>
+          <a:lstStyle/>
+          <a:p>
+            <a:r>
+              <a:rPr kumimoji="1" lang="en-US" altLang="zh-TW" dirty="0"/>
+              <a:t>Pod</a:t>
+            </a:r>
+          </a:p>
+          <a:p>
+            <a:r>
+              <a:rPr kumimoji="1" lang="en-US" altLang="zh-TW" dirty="0"/>
+              <a:t>v2</a:t>
+            </a:r>
+            <a:endParaRPr kumimoji="1" lang="zh-TW" altLang="en-US" dirty="0"/>
+          </a:p>
+        </p:txBody>
+      </p:sp>
+      <p:sp>
+        <p:nvSpPr>
+          <p:cNvPr id="17" name="六邊形 16">
+            <a:extLst>
+              <a:ext uri="{FF2B5EF4-FFF2-40B4-BE49-F238E27FC236}">
+                <a16:creationId xmlns:a16="http://schemas.microsoft.com/office/drawing/2014/main" xmlns="" id="{820A079C-1B36-6047-836D-DC45BBAF3A90}"/>
+              </a:ext>
+            </a:extLst>
+          </p:cNvPr>
+          <p:cNvSpPr/>
+          <p:nvPr/>
+        </p:nvSpPr>
+        <p:spPr>
+          <a:xfrm>
+            <a:off x="4591119" y="5397353"/>
+            <a:ext cx="625033" cy="625561"/>
+          </a:xfrm>
+          <a:prstGeom prst="hexagon">
+            <a:avLst/>
+          </a:prstGeom>
+          <a:noFill/>
+        </p:spPr>
+        <p:style>
+          <a:lnRef idx="2">
+            <a:schemeClr val="accent1">
+              <a:shade val="50000"/>
+            </a:schemeClr>
+          </a:lnRef>
+          <a:fillRef idx="1">
+            <a:schemeClr val="accent1"/>
+          </a:fillRef>
+          <a:effectRef idx="0">
+            <a:schemeClr val="accent1"/>
+          </a:effectRef>
+          <a:fontRef idx="minor">
+            <a:schemeClr val="lt1"/>
+          </a:fontRef>
+        </p:style>
+        <p:txBody>
+          <a:bodyPr rtlCol="0" anchor="ctr"/>
+          <a:lstStyle/>
+          <a:p>
+            <a:pPr algn="ctr"/>
+            <a:endParaRPr kumimoji="1" lang="zh-TW" altLang="en-US"/>
+          </a:p>
+        </p:txBody>
+      </p:sp>
+      <p:sp>
+        <p:nvSpPr>
+          <p:cNvPr id="18" name="文字方塊 17">
+            <a:extLst>
+              <a:ext uri="{FF2B5EF4-FFF2-40B4-BE49-F238E27FC236}">
+                <a16:creationId xmlns:a16="http://schemas.microsoft.com/office/drawing/2014/main" xmlns="" id="{6F7B6883-2E15-3745-9CF0-D12D39FCD89F}"/>
+              </a:ext>
+            </a:extLst>
+          </p:cNvPr>
+          <p:cNvSpPr txBox="1"/>
+          <p:nvPr/>
+        </p:nvSpPr>
+        <p:spPr>
+          <a:xfrm>
+            <a:off x="3381220" y="5428189"/>
+            <a:ext cx="550151" cy="646331"/>
+          </a:xfrm>
+          <a:prstGeom prst="rect">
+            <a:avLst/>
+          </a:prstGeom>
+          <a:noFill/>
+        </p:spPr>
+        <p:txBody>
+          <a:bodyPr wrap="none" rtlCol="0">
+            <a:spAutoFit/>
+          </a:bodyPr>
+          <a:lstStyle/>
+          <a:p>
+            <a:r>
+              <a:rPr kumimoji="1" lang="en-US" altLang="zh-TW" dirty="0"/>
+              <a:t>Pod</a:t>
+            </a:r>
+          </a:p>
+          <a:p>
+            <a:r>
+              <a:rPr kumimoji="1" lang="en-US" altLang="zh-TW" dirty="0"/>
+              <a:t>v2</a:t>
+            </a:r>
+            <a:endParaRPr kumimoji="1" lang="zh-TW" altLang="en-US" dirty="0"/>
+          </a:p>
+        </p:txBody>
+      </p:sp>
+      <p:sp>
+        <p:nvSpPr>
+          <p:cNvPr id="19" name="文字方塊 18"/>
+          <p:cNvSpPr txBox="1"/>
+          <p:nvPr/>
+        </p:nvSpPr>
+        <p:spPr>
+          <a:xfrm>
+            <a:off x="6823165" y="2436614"/>
+            <a:ext cx="1932324" cy="369332"/>
+          </a:xfrm>
+          <a:prstGeom prst="rect">
+            <a:avLst/>
+          </a:prstGeom>
+          <a:noFill/>
+        </p:spPr>
+        <p:txBody>
+          <a:bodyPr wrap="none" rtlCol="0">
+            <a:spAutoFit/>
+          </a:bodyPr>
+          <a:lstStyle/>
+          <a:p>
+            <a:r>
+              <a:rPr lang="en-US" altLang="zh-TW" dirty="0"/>
+              <a:t>blue-green-ingress</a:t>
+            </a:r>
+            <a:endParaRPr lang="zh-TW" altLang="en-US" dirty="0"/>
+          </a:p>
+        </p:txBody>
+      </p:sp>
+      <p:cxnSp>
+        <p:nvCxnSpPr>
+          <p:cNvPr id="20" name="直線單箭頭接點 19"/>
+          <p:cNvCxnSpPr/>
+          <p:nvPr/>
+        </p:nvCxnSpPr>
+        <p:spPr>
+          <a:xfrm flipH="1">
+            <a:off x="7789327" y="3120236"/>
+            <a:ext cx="1" cy="653143"/>
+          </a:xfrm>
+          <a:prstGeom prst="straightConnector1">
+            <a:avLst/>
+          </a:prstGeom>
+          <a:ln>
+            <a:tailEnd type="triangle"/>
+          </a:ln>
+        </p:spPr>
+        <p:style>
+          <a:lnRef idx="1">
+            <a:schemeClr val="accent1"/>
+          </a:lnRef>
+          <a:fillRef idx="0">
+            <a:schemeClr val="accent1"/>
+          </a:fillRef>
+          <a:effectRef idx="0">
+            <a:schemeClr val="accent1"/>
+          </a:effectRef>
+          <a:fontRef idx="minor">
+            <a:schemeClr val="tx1"/>
+          </a:fontRef>
+        </p:style>
+      </p:cxnSp>
+      <p:sp>
+        <p:nvSpPr>
+          <p:cNvPr id="21" name="矩形 20"/>
+          <p:cNvSpPr/>
+          <p:nvPr/>
+        </p:nvSpPr>
+        <p:spPr>
+          <a:xfrm>
+            <a:off x="6818810" y="3742900"/>
+            <a:ext cx="1898469" cy="1010194"/>
+          </a:xfrm>
+          <a:prstGeom prst="rect">
+            <a:avLst/>
+          </a:prstGeom>
+          <a:noFill/>
+        </p:spPr>
+        <p:style>
+          <a:lnRef idx="2">
+            <a:schemeClr val="accent1">
+              <a:shade val="50000"/>
+            </a:schemeClr>
+          </a:lnRef>
+          <a:fillRef idx="1">
+            <a:schemeClr val="accent1"/>
+          </a:fillRef>
+          <a:effectRef idx="0">
+            <a:schemeClr val="accent1"/>
+          </a:effectRef>
+          <a:fontRef idx="minor">
+            <a:schemeClr val="lt1"/>
+          </a:fontRef>
+        </p:style>
+        <p:txBody>
+          <a:bodyPr rtlCol="0" anchor="ctr"/>
+          <a:lstStyle/>
+          <a:p>
+            <a:pPr algn="ctr"/>
+            <a:endParaRPr lang="zh-TW" altLang="en-US"/>
+          </a:p>
+        </p:txBody>
+      </p:sp>
+      <p:sp>
+        <p:nvSpPr>
+          <p:cNvPr id="22" name="文字方塊 21"/>
+          <p:cNvSpPr txBox="1"/>
+          <p:nvPr/>
+        </p:nvSpPr>
+        <p:spPr>
+          <a:xfrm>
+            <a:off x="7077593" y="4018784"/>
+            <a:ext cx="1423467" cy="369332"/>
+          </a:xfrm>
+          <a:prstGeom prst="rect">
+            <a:avLst/>
+          </a:prstGeom>
+          <a:noFill/>
+        </p:spPr>
+        <p:txBody>
+          <a:bodyPr wrap="none" rtlCol="0">
+            <a:spAutoFit/>
+          </a:bodyPr>
+          <a:lstStyle/>
+          <a:p>
+            <a:r>
+              <a:rPr lang="en-US" altLang="zh-TW" dirty="0"/>
+              <a:t>blue-web-svc</a:t>
+            </a:r>
+            <a:endParaRPr lang="zh-TW" altLang="en-US" dirty="0"/>
+          </a:p>
+        </p:txBody>
+      </p:sp>
+      <p:sp>
+        <p:nvSpPr>
+          <p:cNvPr id="23" name="右大括弧 22"/>
+          <p:cNvSpPr/>
+          <p:nvPr/>
+        </p:nvSpPr>
+        <p:spPr>
+          <a:xfrm rot="5400000" flipH="1">
+            <a:off x="7484200" y="3836361"/>
+            <a:ext cx="610254" cy="2500016"/>
+          </a:xfrm>
+          <a:prstGeom prst="rightBrace">
+            <a:avLst/>
+          </a:prstGeom>
+        </p:spPr>
+        <p:style>
+          <a:lnRef idx="1">
+            <a:schemeClr val="accent1"/>
+          </a:lnRef>
+          <a:fillRef idx="0">
+            <a:schemeClr val="accent1"/>
+          </a:fillRef>
+          <a:effectRef idx="0">
+            <a:schemeClr val="accent1"/>
+          </a:effectRef>
+          <a:fontRef idx="minor">
+            <a:schemeClr val="tx1"/>
+          </a:fontRef>
+        </p:style>
+        <p:txBody>
+          <a:bodyPr rtlCol="0" anchor="ctr"/>
+          <a:lstStyle/>
+          <a:p>
+            <a:pPr algn="ctr"/>
+            <a:endParaRPr lang="zh-TW" altLang="en-US"/>
+          </a:p>
+        </p:txBody>
+      </p:sp>
+      <p:sp>
+        <p:nvSpPr>
+          <p:cNvPr id="24" name="六邊形 23">
+            <a:extLst>
+              <a:ext uri="{FF2B5EF4-FFF2-40B4-BE49-F238E27FC236}">
+                <a16:creationId xmlns:a16="http://schemas.microsoft.com/office/drawing/2014/main" xmlns="" id="{1AA9CBA3-DEF1-B347-86EF-07399A90E65A}"/>
+              </a:ext>
+            </a:extLst>
+          </p:cNvPr>
+          <p:cNvSpPr/>
+          <p:nvPr/>
+        </p:nvSpPr>
+        <p:spPr>
+          <a:xfrm>
+            <a:off x="7420649" y="5383024"/>
+            <a:ext cx="625033" cy="625561"/>
+          </a:xfrm>
+          <a:prstGeom prst="hexagon">
+            <a:avLst>
+              <a:gd name="adj" fmla="val 25000"/>
+              <a:gd name="vf" fmla="val 115470"/>
+            </a:avLst>
+          </a:prstGeom>
+          <a:noFill/>
+        </p:spPr>
+        <p:style>
+          <a:lnRef idx="2">
+            <a:schemeClr val="accent1">
+              <a:shade val="50000"/>
+            </a:schemeClr>
+          </a:lnRef>
+          <a:fillRef idx="1">
+            <a:schemeClr val="accent1"/>
+          </a:fillRef>
+          <a:effectRef idx="0">
+            <a:schemeClr val="accent1"/>
+          </a:effectRef>
+          <a:fontRef idx="minor">
+            <a:schemeClr val="lt1"/>
+          </a:fontRef>
+        </p:style>
+        <p:txBody>
+          <a:bodyPr rtlCol="0" anchor="ctr"/>
+          <a:lstStyle/>
+          <a:p>
+            <a:pPr algn="ctr"/>
+            <a:endParaRPr kumimoji="1" lang="zh-TW" altLang="en-US"/>
+          </a:p>
+        </p:txBody>
+      </p:sp>
+      <p:sp>
+        <p:nvSpPr>
+          <p:cNvPr id="25" name="文字方塊 24">
+            <a:extLst>
+              <a:ext uri="{FF2B5EF4-FFF2-40B4-BE49-F238E27FC236}">
+                <a16:creationId xmlns:a16="http://schemas.microsoft.com/office/drawing/2014/main" xmlns="" id="{954D87C3-7860-C941-9B35-71F02207B737}"/>
+              </a:ext>
+            </a:extLst>
+          </p:cNvPr>
+          <p:cNvSpPr txBox="1"/>
+          <p:nvPr/>
+        </p:nvSpPr>
+        <p:spPr>
+          <a:xfrm>
+            <a:off x="8764259" y="5401647"/>
+            <a:ext cx="550151" cy="646331"/>
+          </a:xfrm>
+          <a:prstGeom prst="rect">
+            <a:avLst/>
+          </a:prstGeom>
+          <a:noFill/>
+        </p:spPr>
+        <p:txBody>
+          <a:bodyPr wrap="none" rtlCol="0">
+            <a:spAutoFit/>
+          </a:bodyPr>
+          <a:lstStyle/>
+          <a:p>
+            <a:r>
+              <a:rPr kumimoji="1" lang="en-US" altLang="zh-TW" dirty="0"/>
+              <a:t>Pod</a:t>
+            </a:r>
+          </a:p>
+          <a:p>
+            <a:r>
+              <a:rPr kumimoji="1" lang="en-US" altLang="zh-TW" dirty="0" smtClean="0"/>
+              <a:t>v</a:t>
+            </a:r>
+            <a:endParaRPr kumimoji="1" lang="zh-TW" altLang="en-US" dirty="0"/>
+          </a:p>
+        </p:txBody>
+      </p:sp>
+      <p:sp>
+        <p:nvSpPr>
+          <p:cNvPr id="26" name="六邊形 25">
+            <a:extLst>
+              <a:ext uri="{FF2B5EF4-FFF2-40B4-BE49-F238E27FC236}">
+                <a16:creationId xmlns:a16="http://schemas.microsoft.com/office/drawing/2014/main" xmlns="" id="{CD7A25A1-4BC0-FE4F-A1D3-8F0D549EA35C}"/>
+              </a:ext>
+            </a:extLst>
+          </p:cNvPr>
+          <p:cNvSpPr/>
+          <p:nvPr/>
+        </p:nvSpPr>
+        <p:spPr>
+          <a:xfrm>
+            <a:off x="6226802" y="5388370"/>
+            <a:ext cx="625033" cy="625561"/>
+          </a:xfrm>
+          <a:prstGeom prst="hexagon">
+            <a:avLst/>
+          </a:prstGeom>
+          <a:noFill/>
+        </p:spPr>
+        <p:style>
+          <a:lnRef idx="2">
+            <a:schemeClr val="accent1">
+              <a:shade val="50000"/>
+            </a:schemeClr>
+          </a:lnRef>
+          <a:fillRef idx="1">
+            <a:schemeClr val="accent1"/>
+          </a:fillRef>
+          <a:effectRef idx="0">
+            <a:schemeClr val="accent1"/>
+          </a:effectRef>
+          <a:fontRef idx="minor">
+            <a:schemeClr val="lt1"/>
+          </a:fontRef>
+        </p:style>
+        <p:txBody>
+          <a:bodyPr rtlCol="0" anchor="ctr"/>
+          <a:lstStyle/>
+          <a:p>
+            <a:pPr algn="ctr"/>
+            <a:endParaRPr kumimoji="1" lang="zh-TW" altLang="en-US"/>
+          </a:p>
+        </p:txBody>
+      </p:sp>
+      <p:sp>
+        <p:nvSpPr>
+          <p:cNvPr id="27" name="文字方塊 26">
+            <a:extLst>
+              <a:ext uri="{FF2B5EF4-FFF2-40B4-BE49-F238E27FC236}">
+                <a16:creationId xmlns:a16="http://schemas.microsoft.com/office/drawing/2014/main" xmlns="" id="{8632F125-4F96-0241-833D-465A7C42353B}"/>
+              </a:ext>
+            </a:extLst>
+          </p:cNvPr>
+          <p:cNvSpPr txBox="1"/>
+          <p:nvPr/>
+        </p:nvSpPr>
+        <p:spPr>
+          <a:xfrm>
+            <a:off x="6236134" y="5419717"/>
+            <a:ext cx="550151" cy="646331"/>
+          </a:xfrm>
+          <a:prstGeom prst="rect">
+            <a:avLst/>
+          </a:prstGeom>
+          <a:noFill/>
+        </p:spPr>
+        <p:txBody>
+          <a:bodyPr wrap="none" rtlCol="0">
+            <a:spAutoFit/>
+          </a:bodyPr>
+          <a:lstStyle/>
+          <a:p>
+            <a:r>
+              <a:rPr kumimoji="1" lang="en-US" altLang="zh-TW" dirty="0"/>
+              <a:t>Pod</a:t>
+            </a:r>
+          </a:p>
+          <a:p>
+            <a:r>
+              <a:rPr kumimoji="1" lang="en-US" altLang="zh-TW" dirty="0" smtClean="0"/>
+              <a:t>v1</a:t>
+            </a:r>
+            <a:endParaRPr kumimoji="1" lang="zh-TW" altLang="en-US" dirty="0"/>
+          </a:p>
+        </p:txBody>
+      </p:sp>
+      <p:sp>
+        <p:nvSpPr>
+          <p:cNvPr id="28" name="六邊形 27">
+            <a:extLst>
+              <a:ext uri="{FF2B5EF4-FFF2-40B4-BE49-F238E27FC236}">
+                <a16:creationId xmlns:a16="http://schemas.microsoft.com/office/drawing/2014/main" xmlns="" id="{820A079C-1B36-6047-836D-DC45BBAF3A90}"/>
+              </a:ext>
+            </a:extLst>
+          </p:cNvPr>
+          <p:cNvSpPr/>
+          <p:nvPr/>
+        </p:nvSpPr>
+        <p:spPr>
+          <a:xfrm>
+            <a:off x="8705430" y="5388881"/>
+            <a:ext cx="625033" cy="625561"/>
+          </a:xfrm>
+          <a:prstGeom prst="hexagon">
+            <a:avLst/>
+          </a:prstGeom>
+          <a:noFill/>
+        </p:spPr>
+        <p:style>
+          <a:lnRef idx="2">
+            <a:schemeClr val="accent1">
+              <a:shade val="50000"/>
+            </a:schemeClr>
+          </a:lnRef>
+          <a:fillRef idx="1">
+            <a:schemeClr val="accent1"/>
+          </a:fillRef>
+          <a:effectRef idx="0">
+            <a:schemeClr val="accent1"/>
+          </a:effectRef>
+          <a:fontRef idx="minor">
+            <a:schemeClr val="lt1"/>
+          </a:fontRef>
+        </p:style>
+        <p:txBody>
+          <a:bodyPr rtlCol="0" anchor="ctr"/>
+          <a:lstStyle/>
+          <a:p>
+            <a:pPr algn="ctr"/>
+            <a:endParaRPr kumimoji="1" lang="zh-TW" altLang="en-US"/>
+          </a:p>
+        </p:txBody>
+      </p:sp>
+      <p:sp>
+        <p:nvSpPr>
+          <p:cNvPr id="29" name="文字方塊 28">
+            <a:extLst>
+              <a:ext uri="{FF2B5EF4-FFF2-40B4-BE49-F238E27FC236}">
+                <a16:creationId xmlns:a16="http://schemas.microsoft.com/office/drawing/2014/main" xmlns="" id="{6F7B6883-2E15-3745-9CF0-D12D39FCD89F}"/>
+              </a:ext>
+            </a:extLst>
+          </p:cNvPr>
+          <p:cNvSpPr txBox="1"/>
+          <p:nvPr/>
+        </p:nvSpPr>
+        <p:spPr>
+          <a:xfrm>
+            <a:off x="7495531" y="5419717"/>
+            <a:ext cx="550151" cy="646331"/>
+          </a:xfrm>
+          <a:prstGeom prst="rect">
+            <a:avLst/>
+          </a:prstGeom>
+          <a:noFill/>
+        </p:spPr>
+        <p:txBody>
+          <a:bodyPr wrap="none" rtlCol="0">
+            <a:spAutoFit/>
+          </a:bodyPr>
+          <a:lstStyle/>
+          <a:p>
+            <a:r>
+              <a:rPr kumimoji="1" lang="en-US" altLang="zh-TW" dirty="0"/>
+              <a:t>Pod</a:t>
+            </a:r>
+          </a:p>
+          <a:p>
+            <a:r>
+              <a:rPr kumimoji="1" lang="en-US" altLang="zh-TW" dirty="0" smtClean="0"/>
+              <a:t>v1</a:t>
+            </a:r>
+            <a:endParaRPr kumimoji="1" lang="zh-TW" altLang="en-US" dirty="0"/>
+          </a:p>
+        </p:txBody>
+      </p:sp>
+      <p:sp>
+        <p:nvSpPr>
+          <p:cNvPr id="30" name="矩形 29"/>
+          <p:cNvSpPr/>
+          <p:nvPr/>
+        </p:nvSpPr>
+        <p:spPr>
+          <a:xfrm>
+            <a:off x="1388973" y="1698171"/>
+            <a:ext cx="8601238" cy="4923910"/>
+          </a:xfrm>
+          <a:prstGeom prst="rect">
+            <a:avLst/>
+          </a:prstGeom>
+          <a:noFill/>
+        </p:spPr>
+        <p:style>
+          <a:lnRef idx="2">
+            <a:schemeClr val="accent1">
+              <a:shade val="50000"/>
+            </a:schemeClr>
+          </a:lnRef>
+          <a:fillRef idx="1">
+            <a:schemeClr val="accent1"/>
+          </a:fillRef>
+          <a:effectRef idx="0">
+            <a:schemeClr val="accent1"/>
+          </a:effectRef>
+          <a:fontRef idx="minor">
+            <a:schemeClr val="lt1"/>
+          </a:fontRef>
+        </p:style>
+        <p:txBody>
+          <a:bodyPr rtlCol="0" anchor="ctr"/>
+          <a:lstStyle/>
+          <a:p>
+            <a:pPr algn="ctr"/>
+            <a:endParaRPr lang="zh-TW" altLang="en-US"/>
+          </a:p>
+        </p:txBody>
+      </p:sp>
+      <p:cxnSp>
+        <p:nvCxnSpPr>
+          <p:cNvPr id="32" name="直線單箭頭接點 31"/>
+          <p:cNvCxnSpPr>
+            <a:endCxn id="30" idx="0"/>
+          </p:cNvCxnSpPr>
+          <p:nvPr/>
+        </p:nvCxnSpPr>
+        <p:spPr>
+          <a:xfrm>
+            <a:off x="5686697" y="931817"/>
+            <a:ext cx="2895" cy="766354"/>
+          </a:xfrm>
+          <a:prstGeom prst="straightConnector1">
+            <a:avLst/>
+          </a:prstGeom>
+          <a:ln>
+            <a:tailEnd type="triangle"/>
+          </a:ln>
+        </p:spPr>
+        <p:style>
+          <a:lnRef idx="1">
+            <a:schemeClr val="accent1"/>
+          </a:lnRef>
+          <a:fillRef idx="0">
+            <a:schemeClr val="accent1"/>
+          </a:fillRef>
+          <a:effectRef idx="0">
+            <a:schemeClr val="accent1"/>
+          </a:effectRef>
+          <a:fontRef idx="minor">
+            <a:schemeClr val="tx1"/>
+          </a:fontRef>
+        </p:style>
+      </p:cxnSp>
+      <p:cxnSp>
+        <p:nvCxnSpPr>
+          <p:cNvPr id="34" name="直線單箭頭接點 33"/>
+          <p:cNvCxnSpPr>
+            <a:stCxn id="30" idx="0"/>
+            <a:endCxn id="2" idx="3"/>
+          </p:cNvCxnSpPr>
+          <p:nvPr/>
+        </p:nvCxnSpPr>
+        <p:spPr>
+          <a:xfrm flipH="1">
+            <a:off x="4624251" y="1698171"/>
+            <a:ext cx="1065341" cy="923109"/>
+          </a:xfrm>
+          <a:prstGeom prst="straightConnector1">
+            <a:avLst/>
+          </a:prstGeom>
+          <a:ln>
+            <a:tailEnd type="triangle"/>
+          </a:ln>
+        </p:spPr>
+        <p:style>
+          <a:lnRef idx="1">
+            <a:schemeClr val="accent1"/>
+          </a:lnRef>
+          <a:fillRef idx="0">
+            <a:schemeClr val="accent1"/>
+          </a:fillRef>
+          <a:effectRef idx="0">
+            <a:schemeClr val="accent1"/>
+          </a:effectRef>
+          <a:fontRef idx="minor">
+            <a:schemeClr val="tx1"/>
+          </a:fontRef>
+        </p:style>
+      </p:cxnSp>
+      <p:cxnSp>
+        <p:nvCxnSpPr>
+          <p:cNvPr id="37" name="直線單箭頭接點 36"/>
+          <p:cNvCxnSpPr>
+            <a:stCxn id="30" idx="0"/>
+            <a:endCxn id="19" idx="1"/>
+          </p:cNvCxnSpPr>
+          <p:nvPr/>
+        </p:nvCxnSpPr>
+        <p:spPr>
+          <a:xfrm>
+            <a:off x="5689592" y="1698171"/>
+            <a:ext cx="1133573" cy="923109"/>
+          </a:xfrm>
+          <a:prstGeom prst="straightConnector1">
+            <a:avLst/>
+          </a:prstGeom>
+          <a:ln>
+            <a:tailEnd type="triangle"/>
+          </a:ln>
+        </p:spPr>
+        <p:style>
+          <a:lnRef idx="1">
+            <a:schemeClr val="accent1"/>
+          </a:lnRef>
+          <a:fillRef idx="0">
+            <a:schemeClr val="accent1"/>
+          </a:fillRef>
+          <a:effectRef idx="0">
+            <a:schemeClr val="accent1"/>
+          </a:effectRef>
+          <a:fontRef idx="minor">
+            <a:schemeClr val="tx1"/>
+          </a:fontRef>
+        </p:style>
+      </p:cxnSp>
+      <p:sp>
+        <p:nvSpPr>
+          <p:cNvPr id="38" name="文字方塊 37"/>
+          <p:cNvSpPr txBox="1"/>
+          <p:nvPr/>
+        </p:nvSpPr>
+        <p:spPr>
+          <a:xfrm>
+            <a:off x="4674725" y="1840858"/>
+            <a:ext cx="583814" cy="369332"/>
+          </a:xfrm>
+          <a:prstGeom prst="rect">
+            <a:avLst/>
+          </a:prstGeom>
+          <a:noFill/>
+        </p:spPr>
+        <p:txBody>
+          <a:bodyPr wrap="none" rtlCol="0">
+            <a:spAutoFit/>
+          </a:bodyPr>
+          <a:lstStyle/>
+          <a:p>
+            <a:r>
+              <a:rPr lang="en-US" altLang="zh-TW" dirty="0" smtClean="0"/>
+              <a:t>30%</a:t>
+            </a:r>
+            <a:endParaRPr lang="zh-TW" altLang="en-US" dirty="0"/>
+          </a:p>
+        </p:txBody>
+      </p:sp>
     </p:spTree>
     <p:extLst>
       <p:ext uri="{BB962C8B-B14F-4D97-AF65-F5344CB8AC3E}">
         <p14:creationId xmlns:p14="http://schemas.microsoft.com/office/powerpoint/2010/main" val="2027781939"/>
+      </p:ext>
+    </p:extLst>
+  </p:cSld>
+  <p:clrMapOvr>
+    <a:masterClrMapping/>
+  </p:clrMapOvr>
+</p:sld>
+</file>
+
+<file path=ppt/slides/slide24.xml><?xml version="1.0" encoding="utf-8"?>
+<p:sld xmlns:a="http://schemas.openxmlformats.org/drawingml/2006/main" xmlns:r="http://schemas.openxmlformats.org/officeDocument/2006/relationships" xmlns:p="http://schemas.openxmlformats.org/presentationml/2006/main">
+  <p:cSld>
+    <p:spTree>
+      <p:nvGrpSpPr>
+        <p:cNvPr id="1" name=""/>
+        <p:cNvGrpSpPr/>
+        <p:nvPr/>
+      </p:nvGrpSpPr>
+      <p:grpSpPr>
+        <a:xfrm>
+          <a:off x="0" y="0"/>
+          <a:ext cx="0" cy="0"/>
+          <a:chOff x="0" y="0"/>
+          <a:chExt cx="0" cy="0"/>
+        </a:xfrm>
+      </p:grpSpPr>
+      <p:sp>
+        <p:nvSpPr>
+          <p:cNvPr id="4" name="矩形 3"/>
+          <p:cNvSpPr/>
+          <p:nvPr/>
+        </p:nvSpPr>
+        <p:spPr>
+          <a:xfrm>
+            <a:off x="2725782" y="2116183"/>
+            <a:ext cx="1898469" cy="1010194"/>
+          </a:xfrm>
+          <a:prstGeom prst="rect">
+            <a:avLst/>
+          </a:prstGeom>
+          <a:noFill/>
+        </p:spPr>
+        <p:style>
+          <a:lnRef idx="2">
+            <a:schemeClr val="accent1">
+              <a:shade val="50000"/>
+            </a:schemeClr>
+          </a:lnRef>
+          <a:fillRef idx="1">
+            <a:schemeClr val="accent1"/>
+          </a:fillRef>
+          <a:effectRef idx="0">
+            <a:schemeClr val="accent1"/>
+          </a:effectRef>
+          <a:fontRef idx="minor">
+            <a:schemeClr val="lt1"/>
+          </a:fontRef>
+        </p:style>
+        <p:txBody>
+          <a:bodyPr rtlCol="0" anchor="ctr"/>
+          <a:lstStyle/>
+          <a:p>
+            <a:pPr algn="ctr"/>
+            <a:endParaRPr lang="zh-TW" altLang="en-US"/>
+          </a:p>
+        </p:txBody>
+      </p:sp>
+      <p:sp>
+        <p:nvSpPr>
+          <p:cNvPr id="5" name="矩形 4"/>
+          <p:cNvSpPr/>
+          <p:nvPr/>
+        </p:nvSpPr>
+        <p:spPr>
+          <a:xfrm>
+            <a:off x="6823165" y="2116183"/>
+            <a:ext cx="1898469" cy="1010194"/>
+          </a:xfrm>
+          <a:prstGeom prst="rect">
+            <a:avLst/>
+          </a:prstGeom>
+          <a:noFill/>
+        </p:spPr>
+        <p:style>
+          <a:lnRef idx="2">
+            <a:schemeClr val="accent1">
+              <a:shade val="50000"/>
+            </a:schemeClr>
+          </a:lnRef>
+          <a:fillRef idx="1">
+            <a:schemeClr val="accent1"/>
+          </a:fillRef>
+          <a:effectRef idx="0">
+            <a:schemeClr val="accent1"/>
+          </a:effectRef>
+          <a:fontRef idx="minor">
+            <a:schemeClr val="lt1"/>
+          </a:fontRef>
+        </p:style>
+        <p:txBody>
+          <a:bodyPr rtlCol="0" anchor="ctr"/>
+          <a:lstStyle/>
+          <a:p>
+            <a:pPr algn="ctr"/>
+            <a:endParaRPr lang="zh-TW" altLang="en-US"/>
+          </a:p>
+        </p:txBody>
+      </p:sp>
+      <p:sp>
+        <p:nvSpPr>
+          <p:cNvPr id="6" name="文字方塊 5"/>
+          <p:cNvSpPr txBox="1"/>
+          <p:nvPr/>
+        </p:nvSpPr>
+        <p:spPr>
+          <a:xfrm>
+            <a:off x="3022048" y="2436614"/>
+            <a:ext cx="1305935" cy="369332"/>
+          </a:xfrm>
+          <a:prstGeom prst="rect">
+            <a:avLst/>
+          </a:prstGeom>
+          <a:noFill/>
+        </p:spPr>
+        <p:txBody>
+          <a:bodyPr wrap="none" rtlCol="0">
+            <a:spAutoFit/>
+          </a:bodyPr>
+          <a:lstStyle/>
+          <a:p>
+            <a:r>
+              <a:rPr lang="en-US" altLang="zh-TW" dirty="0"/>
+              <a:t>gray-ingress</a:t>
+            </a:r>
+            <a:endParaRPr lang="zh-TW" altLang="en-US" dirty="0"/>
+          </a:p>
+        </p:txBody>
+      </p:sp>
+      <p:cxnSp>
+        <p:nvCxnSpPr>
+          <p:cNvPr id="7" name="直線單箭頭接點 6"/>
+          <p:cNvCxnSpPr>
+            <a:stCxn id="4" idx="2"/>
+          </p:cNvCxnSpPr>
+          <p:nvPr/>
+        </p:nvCxnSpPr>
+        <p:spPr>
+          <a:xfrm flipH="1">
+            <a:off x="3675016" y="3126377"/>
+            <a:ext cx="1" cy="653143"/>
+          </a:xfrm>
+          <a:prstGeom prst="straightConnector1">
+            <a:avLst/>
+          </a:prstGeom>
+          <a:ln>
+            <a:tailEnd type="triangle"/>
+          </a:ln>
+        </p:spPr>
+        <p:style>
+          <a:lnRef idx="1">
+            <a:schemeClr val="accent1"/>
+          </a:lnRef>
+          <a:fillRef idx="0">
+            <a:schemeClr val="accent1"/>
+          </a:fillRef>
+          <a:effectRef idx="0">
+            <a:schemeClr val="accent1"/>
+          </a:effectRef>
+          <a:fontRef idx="minor">
+            <a:schemeClr val="tx1"/>
+          </a:fontRef>
+        </p:style>
+      </p:cxnSp>
+      <p:sp>
+        <p:nvSpPr>
+          <p:cNvPr id="8" name="矩形 7"/>
+          <p:cNvSpPr/>
+          <p:nvPr/>
+        </p:nvSpPr>
+        <p:spPr>
+          <a:xfrm>
+            <a:off x="2725782" y="3779520"/>
+            <a:ext cx="1898469" cy="1010194"/>
+          </a:xfrm>
+          <a:prstGeom prst="rect">
+            <a:avLst/>
+          </a:prstGeom>
+          <a:noFill/>
+        </p:spPr>
+        <p:style>
+          <a:lnRef idx="2">
+            <a:schemeClr val="accent1">
+              <a:shade val="50000"/>
+            </a:schemeClr>
+          </a:lnRef>
+          <a:fillRef idx="1">
+            <a:schemeClr val="accent1"/>
+          </a:fillRef>
+          <a:effectRef idx="0">
+            <a:schemeClr val="accent1"/>
+          </a:effectRef>
+          <a:fontRef idx="minor">
+            <a:schemeClr val="lt1"/>
+          </a:fontRef>
+        </p:style>
+        <p:txBody>
+          <a:bodyPr rtlCol="0" anchor="ctr"/>
+          <a:lstStyle/>
+          <a:p>
+            <a:pPr algn="ctr"/>
+            <a:endParaRPr lang="zh-TW" altLang="en-US"/>
+          </a:p>
+        </p:txBody>
+      </p:sp>
+      <p:sp>
+        <p:nvSpPr>
+          <p:cNvPr id="9" name="文字方塊 8"/>
+          <p:cNvSpPr txBox="1"/>
+          <p:nvPr/>
+        </p:nvSpPr>
+        <p:spPr>
+          <a:xfrm>
+            <a:off x="2971809" y="4063331"/>
+            <a:ext cx="1406411" cy="369332"/>
+          </a:xfrm>
+          <a:prstGeom prst="rect">
+            <a:avLst/>
+          </a:prstGeom>
+          <a:noFill/>
+        </p:spPr>
+        <p:txBody>
+          <a:bodyPr wrap="none" rtlCol="0">
+            <a:spAutoFit/>
+          </a:bodyPr>
+          <a:lstStyle/>
+          <a:p>
+            <a:r>
+              <a:rPr lang="en-US" altLang="zh-TW" dirty="0"/>
+              <a:t>gray-web-svc</a:t>
+            </a:r>
+            <a:endParaRPr lang="zh-TW" altLang="en-US" dirty="0"/>
+          </a:p>
+        </p:txBody>
+      </p:sp>
+      <p:sp>
+        <p:nvSpPr>
+          <p:cNvPr id="10" name="右大括弧 9"/>
+          <p:cNvSpPr/>
+          <p:nvPr/>
+        </p:nvSpPr>
+        <p:spPr>
+          <a:xfrm rot="5400000" flipH="1">
+            <a:off x="3369889" y="3844833"/>
+            <a:ext cx="610254" cy="2500016"/>
+          </a:xfrm>
+          <a:prstGeom prst="rightBrace">
+            <a:avLst/>
+          </a:prstGeom>
+        </p:spPr>
+        <p:style>
+          <a:lnRef idx="1">
+            <a:schemeClr val="accent1"/>
+          </a:lnRef>
+          <a:fillRef idx="0">
+            <a:schemeClr val="accent1"/>
+          </a:fillRef>
+          <a:effectRef idx="0">
+            <a:schemeClr val="accent1"/>
+          </a:effectRef>
+          <a:fontRef idx="minor">
+            <a:schemeClr val="tx1"/>
+          </a:fontRef>
+        </p:style>
+        <p:txBody>
+          <a:bodyPr rtlCol="0" anchor="ctr"/>
+          <a:lstStyle/>
+          <a:p>
+            <a:pPr algn="ctr"/>
+            <a:endParaRPr lang="zh-TW" altLang="en-US"/>
+          </a:p>
+        </p:txBody>
+      </p:sp>
+      <p:sp>
+        <p:nvSpPr>
+          <p:cNvPr id="11" name="六邊形 10">
+            <a:extLst>
+              <a:ext uri="{FF2B5EF4-FFF2-40B4-BE49-F238E27FC236}">
+                <a16:creationId xmlns:a16="http://schemas.microsoft.com/office/drawing/2014/main" xmlns="" id="{1AA9CBA3-DEF1-B347-86EF-07399A90E65A}"/>
+              </a:ext>
+            </a:extLst>
+          </p:cNvPr>
+          <p:cNvSpPr/>
+          <p:nvPr/>
+        </p:nvSpPr>
+        <p:spPr>
+          <a:xfrm>
+            <a:off x="3306338" y="5391496"/>
+            <a:ext cx="625033" cy="625561"/>
+          </a:xfrm>
+          <a:prstGeom prst="hexagon">
+            <a:avLst>
+              <a:gd name="adj" fmla="val 25000"/>
+              <a:gd name="vf" fmla="val 115470"/>
+            </a:avLst>
+          </a:prstGeom>
+          <a:noFill/>
+        </p:spPr>
+        <p:style>
+          <a:lnRef idx="2">
+            <a:schemeClr val="accent1">
+              <a:shade val="50000"/>
+            </a:schemeClr>
+          </a:lnRef>
+          <a:fillRef idx="1">
+            <a:schemeClr val="accent1"/>
+          </a:fillRef>
+          <a:effectRef idx="0">
+            <a:schemeClr val="accent1"/>
+          </a:effectRef>
+          <a:fontRef idx="minor">
+            <a:schemeClr val="lt1"/>
+          </a:fontRef>
+        </p:style>
+        <p:txBody>
+          <a:bodyPr rtlCol="0" anchor="ctr"/>
+          <a:lstStyle/>
+          <a:p>
+            <a:pPr algn="ctr"/>
+            <a:endParaRPr kumimoji="1" lang="zh-TW" altLang="en-US"/>
+          </a:p>
+        </p:txBody>
+      </p:sp>
+      <p:sp>
+        <p:nvSpPr>
+          <p:cNvPr id="12" name="文字方塊 11">
+            <a:extLst>
+              <a:ext uri="{FF2B5EF4-FFF2-40B4-BE49-F238E27FC236}">
+                <a16:creationId xmlns:a16="http://schemas.microsoft.com/office/drawing/2014/main" xmlns="" id="{954D87C3-7860-C941-9B35-71F02207B737}"/>
+              </a:ext>
+            </a:extLst>
+          </p:cNvPr>
+          <p:cNvSpPr txBox="1"/>
+          <p:nvPr/>
+        </p:nvSpPr>
+        <p:spPr>
+          <a:xfrm>
+            <a:off x="4649948" y="5410119"/>
+            <a:ext cx="550151" cy="646331"/>
+          </a:xfrm>
+          <a:prstGeom prst="rect">
+            <a:avLst/>
+          </a:prstGeom>
+          <a:noFill/>
+        </p:spPr>
+        <p:txBody>
+          <a:bodyPr wrap="none" rtlCol="0">
+            <a:spAutoFit/>
+          </a:bodyPr>
+          <a:lstStyle/>
+          <a:p>
+            <a:r>
+              <a:rPr kumimoji="1" lang="en-US" altLang="zh-TW" dirty="0"/>
+              <a:t>Pod</a:t>
+            </a:r>
+          </a:p>
+          <a:p>
+            <a:r>
+              <a:rPr kumimoji="1" lang="en-US" altLang="zh-TW" dirty="0"/>
+              <a:t>v2</a:t>
+            </a:r>
+            <a:endParaRPr kumimoji="1" lang="zh-TW" altLang="en-US" dirty="0"/>
+          </a:p>
+        </p:txBody>
+      </p:sp>
+      <p:sp>
+        <p:nvSpPr>
+          <p:cNvPr id="13" name="六邊形 12">
+            <a:extLst>
+              <a:ext uri="{FF2B5EF4-FFF2-40B4-BE49-F238E27FC236}">
+                <a16:creationId xmlns:a16="http://schemas.microsoft.com/office/drawing/2014/main" xmlns="" id="{CD7A25A1-4BC0-FE4F-A1D3-8F0D549EA35C}"/>
+              </a:ext>
+            </a:extLst>
+          </p:cNvPr>
+          <p:cNvSpPr/>
+          <p:nvPr/>
+        </p:nvSpPr>
+        <p:spPr>
+          <a:xfrm>
+            <a:off x="2112491" y="5396842"/>
+            <a:ext cx="625033" cy="625561"/>
+          </a:xfrm>
+          <a:prstGeom prst="hexagon">
+            <a:avLst/>
+          </a:prstGeom>
+          <a:noFill/>
+        </p:spPr>
+        <p:style>
+          <a:lnRef idx="2">
+            <a:schemeClr val="accent1">
+              <a:shade val="50000"/>
+            </a:schemeClr>
+          </a:lnRef>
+          <a:fillRef idx="1">
+            <a:schemeClr val="accent1"/>
+          </a:fillRef>
+          <a:effectRef idx="0">
+            <a:schemeClr val="accent1"/>
+          </a:effectRef>
+          <a:fontRef idx="minor">
+            <a:schemeClr val="lt1"/>
+          </a:fontRef>
+        </p:style>
+        <p:txBody>
+          <a:bodyPr rtlCol="0" anchor="ctr"/>
+          <a:lstStyle/>
+          <a:p>
+            <a:pPr algn="ctr"/>
+            <a:endParaRPr kumimoji="1" lang="zh-TW" altLang="en-US"/>
+          </a:p>
+        </p:txBody>
+      </p:sp>
+      <p:sp>
+        <p:nvSpPr>
+          <p:cNvPr id="14" name="文字方塊 13">
+            <a:extLst>
+              <a:ext uri="{FF2B5EF4-FFF2-40B4-BE49-F238E27FC236}">
+                <a16:creationId xmlns:a16="http://schemas.microsoft.com/office/drawing/2014/main" xmlns="" id="{8632F125-4F96-0241-833D-465A7C42353B}"/>
+              </a:ext>
+            </a:extLst>
+          </p:cNvPr>
+          <p:cNvSpPr txBox="1"/>
+          <p:nvPr/>
+        </p:nvSpPr>
+        <p:spPr>
+          <a:xfrm>
+            <a:off x="2121823" y="5428189"/>
+            <a:ext cx="550151" cy="646331"/>
+          </a:xfrm>
+          <a:prstGeom prst="rect">
+            <a:avLst/>
+          </a:prstGeom>
+          <a:noFill/>
+        </p:spPr>
+        <p:txBody>
+          <a:bodyPr wrap="none" rtlCol="0">
+            <a:spAutoFit/>
+          </a:bodyPr>
+          <a:lstStyle/>
+          <a:p>
+            <a:r>
+              <a:rPr kumimoji="1" lang="en-US" altLang="zh-TW" dirty="0"/>
+              <a:t>Pod</a:t>
+            </a:r>
+          </a:p>
+          <a:p>
+            <a:r>
+              <a:rPr kumimoji="1" lang="en-US" altLang="zh-TW" dirty="0"/>
+              <a:t>v2</a:t>
+            </a:r>
+            <a:endParaRPr kumimoji="1" lang="zh-TW" altLang="en-US" dirty="0"/>
+          </a:p>
+        </p:txBody>
+      </p:sp>
+      <p:sp>
+        <p:nvSpPr>
+          <p:cNvPr id="15" name="六邊形 14">
+            <a:extLst>
+              <a:ext uri="{FF2B5EF4-FFF2-40B4-BE49-F238E27FC236}">
+                <a16:creationId xmlns:a16="http://schemas.microsoft.com/office/drawing/2014/main" xmlns="" id="{820A079C-1B36-6047-836D-DC45BBAF3A90}"/>
+              </a:ext>
+            </a:extLst>
+          </p:cNvPr>
+          <p:cNvSpPr/>
+          <p:nvPr/>
+        </p:nvSpPr>
+        <p:spPr>
+          <a:xfrm>
+            <a:off x="4591119" y="5397353"/>
+            <a:ext cx="625033" cy="625561"/>
+          </a:xfrm>
+          <a:prstGeom prst="hexagon">
+            <a:avLst/>
+          </a:prstGeom>
+          <a:noFill/>
+        </p:spPr>
+        <p:style>
+          <a:lnRef idx="2">
+            <a:schemeClr val="accent1">
+              <a:shade val="50000"/>
+            </a:schemeClr>
+          </a:lnRef>
+          <a:fillRef idx="1">
+            <a:schemeClr val="accent1"/>
+          </a:fillRef>
+          <a:effectRef idx="0">
+            <a:schemeClr val="accent1"/>
+          </a:effectRef>
+          <a:fontRef idx="minor">
+            <a:schemeClr val="lt1"/>
+          </a:fontRef>
+        </p:style>
+        <p:txBody>
+          <a:bodyPr rtlCol="0" anchor="ctr"/>
+          <a:lstStyle/>
+          <a:p>
+            <a:pPr algn="ctr"/>
+            <a:endParaRPr kumimoji="1" lang="zh-TW" altLang="en-US"/>
+          </a:p>
+        </p:txBody>
+      </p:sp>
+      <p:sp>
+        <p:nvSpPr>
+          <p:cNvPr id="16" name="文字方塊 15">
+            <a:extLst>
+              <a:ext uri="{FF2B5EF4-FFF2-40B4-BE49-F238E27FC236}">
+                <a16:creationId xmlns:a16="http://schemas.microsoft.com/office/drawing/2014/main" xmlns="" id="{6F7B6883-2E15-3745-9CF0-D12D39FCD89F}"/>
+              </a:ext>
+            </a:extLst>
+          </p:cNvPr>
+          <p:cNvSpPr txBox="1"/>
+          <p:nvPr/>
+        </p:nvSpPr>
+        <p:spPr>
+          <a:xfrm>
+            <a:off x="3381220" y="5428189"/>
+            <a:ext cx="550151" cy="646331"/>
+          </a:xfrm>
+          <a:prstGeom prst="rect">
+            <a:avLst/>
+          </a:prstGeom>
+          <a:noFill/>
+        </p:spPr>
+        <p:txBody>
+          <a:bodyPr wrap="none" rtlCol="0">
+            <a:spAutoFit/>
+          </a:bodyPr>
+          <a:lstStyle/>
+          <a:p>
+            <a:r>
+              <a:rPr kumimoji="1" lang="en-US" altLang="zh-TW" dirty="0"/>
+              <a:t>Pod</a:t>
+            </a:r>
+          </a:p>
+          <a:p>
+            <a:r>
+              <a:rPr kumimoji="1" lang="en-US" altLang="zh-TW" dirty="0"/>
+              <a:t>v2</a:t>
+            </a:r>
+            <a:endParaRPr kumimoji="1" lang="zh-TW" altLang="en-US" dirty="0"/>
+          </a:p>
+        </p:txBody>
+      </p:sp>
+      <p:sp>
+        <p:nvSpPr>
+          <p:cNvPr id="17" name="文字方塊 16"/>
+          <p:cNvSpPr txBox="1"/>
+          <p:nvPr/>
+        </p:nvSpPr>
+        <p:spPr>
+          <a:xfrm>
+            <a:off x="6823165" y="2436614"/>
+            <a:ext cx="1932324" cy="369332"/>
+          </a:xfrm>
+          <a:prstGeom prst="rect">
+            <a:avLst/>
+          </a:prstGeom>
+          <a:noFill/>
+        </p:spPr>
+        <p:txBody>
+          <a:bodyPr wrap="none" rtlCol="0">
+            <a:spAutoFit/>
+          </a:bodyPr>
+          <a:lstStyle/>
+          <a:p>
+            <a:r>
+              <a:rPr lang="en-US" altLang="zh-TW" dirty="0"/>
+              <a:t>blue-green-ingress</a:t>
+            </a:r>
+            <a:endParaRPr lang="zh-TW" altLang="en-US" dirty="0"/>
+          </a:p>
+        </p:txBody>
+      </p:sp>
+      <p:cxnSp>
+        <p:nvCxnSpPr>
+          <p:cNvPr id="18" name="直線單箭頭接點 17"/>
+          <p:cNvCxnSpPr/>
+          <p:nvPr/>
+        </p:nvCxnSpPr>
+        <p:spPr>
+          <a:xfrm flipH="1">
+            <a:off x="7789327" y="3120236"/>
+            <a:ext cx="1" cy="653143"/>
+          </a:xfrm>
+          <a:prstGeom prst="straightConnector1">
+            <a:avLst/>
+          </a:prstGeom>
+          <a:ln>
+            <a:tailEnd type="triangle"/>
+          </a:ln>
+        </p:spPr>
+        <p:style>
+          <a:lnRef idx="1">
+            <a:schemeClr val="accent1"/>
+          </a:lnRef>
+          <a:fillRef idx="0">
+            <a:schemeClr val="accent1"/>
+          </a:fillRef>
+          <a:effectRef idx="0">
+            <a:schemeClr val="accent1"/>
+          </a:effectRef>
+          <a:fontRef idx="minor">
+            <a:schemeClr val="tx1"/>
+          </a:fontRef>
+        </p:style>
+      </p:cxnSp>
+      <p:sp>
+        <p:nvSpPr>
+          <p:cNvPr id="19" name="矩形 18"/>
+          <p:cNvSpPr/>
+          <p:nvPr/>
+        </p:nvSpPr>
+        <p:spPr>
+          <a:xfrm>
+            <a:off x="6818810" y="3742900"/>
+            <a:ext cx="1898469" cy="1010194"/>
+          </a:xfrm>
+          <a:prstGeom prst="rect">
+            <a:avLst/>
+          </a:prstGeom>
+          <a:noFill/>
+        </p:spPr>
+        <p:style>
+          <a:lnRef idx="2">
+            <a:schemeClr val="accent1">
+              <a:shade val="50000"/>
+            </a:schemeClr>
+          </a:lnRef>
+          <a:fillRef idx="1">
+            <a:schemeClr val="accent1"/>
+          </a:fillRef>
+          <a:effectRef idx="0">
+            <a:schemeClr val="accent1"/>
+          </a:effectRef>
+          <a:fontRef idx="minor">
+            <a:schemeClr val="lt1"/>
+          </a:fontRef>
+        </p:style>
+        <p:txBody>
+          <a:bodyPr rtlCol="0" anchor="ctr"/>
+          <a:lstStyle/>
+          <a:p>
+            <a:pPr algn="ctr"/>
+            <a:endParaRPr lang="zh-TW" altLang="en-US"/>
+          </a:p>
+        </p:txBody>
+      </p:sp>
+      <p:sp>
+        <p:nvSpPr>
+          <p:cNvPr id="20" name="文字方塊 19"/>
+          <p:cNvSpPr txBox="1"/>
+          <p:nvPr/>
+        </p:nvSpPr>
+        <p:spPr>
+          <a:xfrm>
+            <a:off x="7077593" y="4018784"/>
+            <a:ext cx="1423467" cy="369332"/>
+          </a:xfrm>
+          <a:prstGeom prst="rect">
+            <a:avLst/>
+          </a:prstGeom>
+          <a:noFill/>
+        </p:spPr>
+        <p:txBody>
+          <a:bodyPr wrap="none" rtlCol="0">
+            <a:spAutoFit/>
+          </a:bodyPr>
+          <a:lstStyle/>
+          <a:p>
+            <a:r>
+              <a:rPr lang="en-US" altLang="zh-TW" dirty="0"/>
+              <a:t>blue-web-svc</a:t>
+            </a:r>
+            <a:endParaRPr lang="zh-TW" altLang="en-US" dirty="0"/>
+          </a:p>
+        </p:txBody>
+      </p:sp>
+      <p:sp>
+        <p:nvSpPr>
+          <p:cNvPr id="21" name="右大括弧 20"/>
+          <p:cNvSpPr/>
+          <p:nvPr/>
+        </p:nvSpPr>
+        <p:spPr>
+          <a:xfrm rot="5400000" flipH="1">
+            <a:off x="7484200" y="3836361"/>
+            <a:ext cx="610254" cy="2500016"/>
+          </a:xfrm>
+          <a:prstGeom prst="rightBrace">
+            <a:avLst/>
+          </a:prstGeom>
+        </p:spPr>
+        <p:style>
+          <a:lnRef idx="1">
+            <a:schemeClr val="accent1"/>
+          </a:lnRef>
+          <a:fillRef idx="0">
+            <a:schemeClr val="accent1"/>
+          </a:fillRef>
+          <a:effectRef idx="0">
+            <a:schemeClr val="accent1"/>
+          </a:effectRef>
+          <a:fontRef idx="minor">
+            <a:schemeClr val="tx1"/>
+          </a:fontRef>
+        </p:style>
+        <p:txBody>
+          <a:bodyPr rtlCol="0" anchor="ctr"/>
+          <a:lstStyle/>
+          <a:p>
+            <a:pPr algn="ctr"/>
+            <a:endParaRPr lang="zh-TW" altLang="en-US"/>
+          </a:p>
+        </p:txBody>
+      </p:sp>
+      <p:sp>
+        <p:nvSpPr>
+          <p:cNvPr id="22" name="六邊形 21">
+            <a:extLst>
+              <a:ext uri="{FF2B5EF4-FFF2-40B4-BE49-F238E27FC236}">
+                <a16:creationId xmlns:a16="http://schemas.microsoft.com/office/drawing/2014/main" xmlns="" id="{1AA9CBA3-DEF1-B347-86EF-07399A90E65A}"/>
+              </a:ext>
+            </a:extLst>
+          </p:cNvPr>
+          <p:cNvSpPr/>
+          <p:nvPr/>
+        </p:nvSpPr>
+        <p:spPr>
+          <a:xfrm>
+            <a:off x="7420649" y="5383024"/>
+            <a:ext cx="625033" cy="625561"/>
+          </a:xfrm>
+          <a:prstGeom prst="hexagon">
+            <a:avLst>
+              <a:gd name="adj" fmla="val 25000"/>
+              <a:gd name="vf" fmla="val 115470"/>
+            </a:avLst>
+          </a:prstGeom>
+          <a:noFill/>
+        </p:spPr>
+        <p:style>
+          <a:lnRef idx="2">
+            <a:schemeClr val="accent1">
+              <a:shade val="50000"/>
+            </a:schemeClr>
+          </a:lnRef>
+          <a:fillRef idx="1">
+            <a:schemeClr val="accent1"/>
+          </a:fillRef>
+          <a:effectRef idx="0">
+            <a:schemeClr val="accent1"/>
+          </a:effectRef>
+          <a:fontRef idx="minor">
+            <a:schemeClr val="lt1"/>
+          </a:fontRef>
+        </p:style>
+        <p:txBody>
+          <a:bodyPr rtlCol="0" anchor="ctr"/>
+          <a:lstStyle/>
+          <a:p>
+            <a:pPr algn="ctr"/>
+            <a:endParaRPr kumimoji="1" lang="zh-TW" altLang="en-US"/>
+          </a:p>
+        </p:txBody>
+      </p:sp>
+      <p:sp>
+        <p:nvSpPr>
+          <p:cNvPr id="23" name="文字方塊 22">
+            <a:extLst>
+              <a:ext uri="{FF2B5EF4-FFF2-40B4-BE49-F238E27FC236}">
+                <a16:creationId xmlns:a16="http://schemas.microsoft.com/office/drawing/2014/main" xmlns="" id="{954D87C3-7860-C941-9B35-71F02207B737}"/>
+              </a:ext>
+            </a:extLst>
+          </p:cNvPr>
+          <p:cNvSpPr txBox="1"/>
+          <p:nvPr/>
+        </p:nvSpPr>
+        <p:spPr>
+          <a:xfrm>
+            <a:off x="8764259" y="5401647"/>
+            <a:ext cx="550151" cy="646331"/>
+          </a:xfrm>
+          <a:prstGeom prst="rect">
+            <a:avLst/>
+          </a:prstGeom>
+          <a:noFill/>
+        </p:spPr>
+        <p:txBody>
+          <a:bodyPr wrap="none" rtlCol="0">
+            <a:spAutoFit/>
+          </a:bodyPr>
+          <a:lstStyle/>
+          <a:p>
+            <a:r>
+              <a:rPr kumimoji="1" lang="en-US" altLang="zh-TW" dirty="0"/>
+              <a:t>Pod</a:t>
+            </a:r>
+          </a:p>
+          <a:p>
+            <a:r>
+              <a:rPr kumimoji="1" lang="en-US" altLang="zh-TW" dirty="0" smtClean="0"/>
+              <a:t>v</a:t>
+            </a:r>
+            <a:endParaRPr kumimoji="1" lang="zh-TW" altLang="en-US" dirty="0"/>
+          </a:p>
+        </p:txBody>
+      </p:sp>
+      <p:sp>
+        <p:nvSpPr>
+          <p:cNvPr id="24" name="六邊形 23">
+            <a:extLst>
+              <a:ext uri="{FF2B5EF4-FFF2-40B4-BE49-F238E27FC236}">
+                <a16:creationId xmlns:a16="http://schemas.microsoft.com/office/drawing/2014/main" xmlns="" id="{CD7A25A1-4BC0-FE4F-A1D3-8F0D549EA35C}"/>
+              </a:ext>
+            </a:extLst>
+          </p:cNvPr>
+          <p:cNvSpPr/>
+          <p:nvPr/>
+        </p:nvSpPr>
+        <p:spPr>
+          <a:xfrm>
+            <a:off x="6226802" y="5388370"/>
+            <a:ext cx="625033" cy="625561"/>
+          </a:xfrm>
+          <a:prstGeom prst="hexagon">
+            <a:avLst/>
+          </a:prstGeom>
+          <a:noFill/>
+        </p:spPr>
+        <p:style>
+          <a:lnRef idx="2">
+            <a:schemeClr val="accent1">
+              <a:shade val="50000"/>
+            </a:schemeClr>
+          </a:lnRef>
+          <a:fillRef idx="1">
+            <a:schemeClr val="accent1"/>
+          </a:fillRef>
+          <a:effectRef idx="0">
+            <a:schemeClr val="accent1"/>
+          </a:effectRef>
+          <a:fontRef idx="minor">
+            <a:schemeClr val="lt1"/>
+          </a:fontRef>
+        </p:style>
+        <p:txBody>
+          <a:bodyPr rtlCol="0" anchor="ctr"/>
+          <a:lstStyle/>
+          <a:p>
+            <a:pPr algn="ctr"/>
+            <a:endParaRPr kumimoji="1" lang="zh-TW" altLang="en-US"/>
+          </a:p>
+        </p:txBody>
+      </p:sp>
+      <p:sp>
+        <p:nvSpPr>
+          <p:cNvPr id="25" name="文字方塊 24">
+            <a:extLst>
+              <a:ext uri="{FF2B5EF4-FFF2-40B4-BE49-F238E27FC236}">
+                <a16:creationId xmlns:a16="http://schemas.microsoft.com/office/drawing/2014/main" xmlns="" id="{8632F125-4F96-0241-833D-465A7C42353B}"/>
+              </a:ext>
+            </a:extLst>
+          </p:cNvPr>
+          <p:cNvSpPr txBox="1"/>
+          <p:nvPr/>
+        </p:nvSpPr>
+        <p:spPr>
+          <a:xfrm>
+            <a:off x="6236134" y="5419717"/>
+            <a:ext cx="550151" cy="646331"/>
+          </a:xfrm>
+          <a:prstGeom prst="rect">
+            <a:avLst/>
+          </a:prstGeom>
+          <a:noFill/>
+        </p:spPr>
+        <p:txBody>
+          <a:bodyPr wrap="none" rtlCol="0">
+            <a:spAutoFit/>
+          </a:bodyPr>
+          <a:lstStyle/>
+          <a:p>
+            <a:r>
+              <a:rPr kumimoji="1" lang="en-US" altLang="zh-TW" dirty="0"/>
+              <a:t>Pod</a:t>
+            </a:r>
+          </a:p>
+          <a:p>
+            <a:r>
+              <a:rPr kumimoji="1" lang="en-US" altLang="zh-TW" dirty="0" smtClean="0"/>
+              <a:t>v1</a:t>
+            </a:r>
+            <a:endParaRPr kumimoji="1" lang="zh-TW" altLang="en-US" dirty="0"/>
+          </a:p>
+        </p:txBody>
+      </p:sp>
+      <p:sp>
+        <p:nvSpPr>
+          <p:cNvPr id="26" name="六邊形 25">
+            <a:extLst>
+              <a:ext uri="{FF2B5EF4-FFF2-40B4-BE49-F238E27FC236}">
+                <a16:creationId xmlns:a16="http://schemas.microsoft.com/office/drawing/2014/main" xmlns="" id="{820A079C-1B36-6047-836D-DC45BBAF3A90}"/>
+              </a:ext>
+            </a:extLst>
+          </p:cNvPr>
+          <p:cNvSpPr/>
+          <p:nvPr/>
+        </p:nvSpPr>
+        <p:spPr>
+          <a:xfrm>
+            <a:off x="8705430" y="5388881"/>
+            <a:ext cx="625033" cy="625561"/>
+          </a:xfrm>
+          <a:prstGeom prst="hexagon">
+            <a:avLst/>
+          </a:prstGeom>
+          <a:noFill/>
+        </p:spPr>
+        <p:style>
+          <a:lnRef idx="2">
+            <a:schemeClr val="accent1">
+              <a:shade val="50000"/>
+            </a:schemeClr>
+          </a:lnRef>
+          <a:fillRef idx="1">
+            <a:schemeClr val="accent1"/>
+          </a:fillRef>
+          <a:effectRef idx="0">
+            <a:schemeClr val="accent1"/>
+          </a:effectRef>
+          <a:fontRef idx="minor">
+            <a:schemeClr val="lt1"/>
+          </a:fontRef>
+        </p:style>
+        <p:txBody>
+          <a:bodyPr rtlCol="0" anchor="ctr"/>
+          <a:lstStyle/>
+          <a:p>
+            <a:pPr algn="ctr"/>
+            <a:endParaRPr kumimoji="1" lang="zh-TW" altLang="en-US"/>
+          </a:p>
+        </p:txBody>
+      </p:sp>
+      <p:sp>
+        <p:nvSpPr>
+          <p:cNvPr id="27" name="文字方塊 26">
+            <a:extLst>
+              <a:ext uri="{FF2B5EF4-FFF2-40B4-BE49-F238E27FC236}">
+                <a16:creationId xmlns:a16="http://schemas.microsoft.com/office/drawing/2014/main" xmlns="" id="{6F7B6883-2E15-3745-9CF0-D12D39FCD89F}"/>
+              </a:ext>
+            </a:extLst>
+          </p:cNvPr>
+          <p:cNvSpPr txBox="1"/>
+          <p:nvPr/>
+        </p:nvSpPr>
+        <p:spPr>
+          <a:xfrm>
+            <a:off x="7495531" y="5419717"/>
+            <a:ext cx="550151" cy="646331"/>
+          </a:xfrm>
+          <a:prstGeom prst="rect">
+            <a:avLst/>
+          </a:prstGeom>
+          <a:noFill/>
+        </p:spPr>
+        <p:txBody>
+          <a:bodyPr wrap="none" rtlCol="0">
+            <a:spAutoFit/>
+          </a:bodyPr>
+          <a:lstStyle/>
+          <a:p>
+            <a:r>
+              <a:rPr kumimoji="1" lang="en-US" altLang="zh-TW" dirty="0"/>
+              <a:t>Pod</a:t>
+            </a:r>
+          </a:p>
+          <a:p>
+            <a:r>
+              <a:rPr kumimoji="1" lang="en-US" altLang="zh-TW" dirty="0" smtClean="0"/>
+              <a:t>v1</a:t>
+            </a:r>
+            <a:endParaRPr kumimoji="1" lang="zh-TW" altLang="en-US" dirty="0"/>
+          </a:p>
+        </p:txBody>
+      </p:sp>
+      <p:sp>
+        <p:nvSpPr>
+          <p:cNvPr id="28" name="矩形 27"/>
+          <p:cNvSpPr/>
+          <p:nvPr/>
+        </p:nvSpPr>
+        <p:spPr>
+          <a:xfrm>
+            <a:off x="1388973" y="1698171"/>
+            <a:ext cx="8601238" cy="4923910"/>
+          </a:xfrm>
+          <a:prstGeom prst="rect">
+            <a:avLst/>
+          </a:prstGeom>
+          <a:noFill/>
+        </p:spPr>
+        <p:style>
+          <a:lnRef idx="2">
+            <a:schemeClr val="accent1">
+              <a:shade val="50000"/>
+            </a:schemeClr>
+          </a:lnRef>
+          <a:fillRef idx="1">
+            <a:schemeClr val="accent1"/>
+          </a:fillRef>
+          <a:effectRef idx="0">
+            <a:schemeClr val="accent1"/>
+          </a:effectRef>
+          <a:fontRef idx="minor">
+            <a:schemeClr val="lt1"/>
+          </a:fontRef>
+        </p:style>
+        <p:txBody>
+          <a:bodyPr rtlCol="0" anchor="ctr"/>
+          <a:lstStyle/>
+          <a:p>
+            <a:pPr algn="ctr"/>
+            <a:endParaRPr lang="zh-TW" altLang="en-US"/>
+          </a:p>
+        </p:txBody>
+      </p:sp>
+      <p:cxnSp>
+        <p:nvCxnSpPr>
+          <p:cNvPr id="29" name="直線單箭頭接點 28"/>
+          <p:cNvCxnSpPr>
+            <a:endCxn id="28" idx="0"/>
+          </p:cNvCxnSpPr>
+          <p:nvPr/>
+        </p:nvCxnSpPr>
+        <p:spPr>
+          <a:xfrm>
+            <a:off x="5686697" y="931817"/>
+            <a:ext cx="2895" cy="766354"/>
+          </a:xfrm>
+          <a:prstGeom prst="straightConnector1">
+            <a:avLst/>
+          </a:prstGeom>
+          <a:ln>
+            <a:tailEnd type="triangle"/>
+          </a:ln>
+        </p:spPr>
+        <p:style>
+          <a:lnRef idx="1">
+            <a:schemeClr val="accent1"/>
+          </a:lnRef>
+          <a:fillRef idx="0">
+            <a:schemeClr val="accent1"/>
+          </a:fillRef>
+          <a:effectRef idx="0">
+            <a:schemeClr val="accent1"/>
+          </a:effectRef>
+          <a:fontRef idx="minor">
+            <a:schemeClr val="tx1"/>
+          </a:fontRef>
+        </p:style>
+      </p:cxnSp>
+      <p:cxnSp>
+        <p:nvCxnSpPr>
+          <p:cNvPr id="30" name="直線單箭頭接點 29"/>
+          <p:cNvCxnSpPr>
+            <a:stCxn id="28" idx="0"/>
+            <a:endCxn id="4" idx="3"/>
+          </p:cNvCxnSpPr>
+          <p:nvPr/>
+        </p:nvCxnSpPr>
+        <p:spPr>
+          <a:xfrm flipH="1">
+            <a:off x="4624251" y="1698171"/>
+            <a:ext cx="1065341" cy="923109"/>
+          </a:xfrm>
+          <a:prstGeom prst="straightConnector1">
+            <a:avLst/>
+          </a:prstGeom>
+          <a:ln>
+            <a:tailEnd type="triangle"/>
+          </a:ln>
+        </p:spPr>
+        <p:style>
+          <a:lnRef idx="1">
+            <a:schemeClr val="accent1"/>
+          </a:lnRef>
+          <a:fillRef idx="0">
+            <a:schemeClr val="accent1"/>
+          </a:fillRef>
+          <a:effectRef idx="0">
+            <a:schemeClr val="accent1"/>
+          </a:effectRef>
+          <a:fontRef idx="minor">
+            <a:schemeClr val="tx1"/>
+          </a:fontRef>
+        </p:style>
+      </p:cxnSp>
+      <p:cxnSp>
+        <p:nvCxnSpPr>
+          <p:cNvPr id="31" name="直線單箭頭接點 30"/>
+          <p:cNvCxnSpPr>
+            <a:stCxn id="28" idx="0"/>
+            <a:endCxn id="17" idx="1"/>
+          </p:cNvCxnSpPr>
+          <p:nvPr/>
+        </p:nvCxnSpPr>
+        <p:spPr>
+          <a:xfrm>
+            <a:off x="5689592" y="1698171"/>
+            <a:ext cx="1133573" cy="923109"/>
+          </a:xfrm>
+          <a:prstGeom prst="straightConnector1">
+            <a:avLst/>
+          </a:prstGeom>
+          <a:ln>
+            <a:tailEnd type="triangle"/>
+          </a:ln>
+        </p:spPr>
+        <p:style>
+          <a:lnRef idx="1">
+            <a:schemeClr val="accent1"/>
+          </a:lnRef>
+          <a:fillRef idx="0">
+            <a:schemeClr val="accent1"/>
+          </a:fillRef>
+          <a:effectRef idx="0">
+            <a:schemeClr val="accent1"/>
+          </a:effectRef>
+          <a:fontRef idx="minor">
+            <a:schemeClr val="tx1"/>
+          </a:fontRef>
+        </p:style>
+      </p:cxnSp>
+      <p:sp>
+        <p:nvSpPr>
+          <p:cNvPr id="32" name="文字方塊 31"/>
+          <p:cNvSpPr txBox="1"/>
+          <p:nvPr/>
+        </p:nvSpPr>
+        <p:spPr>
+          <a:xfrm>
+            <a:off x="4674725" y="1840858"/>
+            <a:ext cx="583814" cy="369332"/>
+          </a:xfrm>
+          <a:prstGeom prst="rect">
+            <a:avLst/>
+          </a:prstGeom>
+          <a:noFill/>
+        </p:spPr>
+        <p:txBody>
+          <a:bodyPr wrap="none" rtlCol="0">
+            <a:spAutoFit/>
+          </a:bodyPr>
+          <a:lstStyle/>
+          <a:p>
+            <a:r>
+              <a:rPr lang="en-US" altLang="zh-TW" dirty="0" smtClean="0"/>
+              <a:t>70%</a:t>
+            </a:r>
+            <a:endParaRPr lang="zh-TW" altLang="en-US" dirty="0"/>
+          </a:p>
+        </p:txBody>
+      </p:sp>
+    </p:spTree>
+    <p:extLst>
+      <p:ext uri="{BB962C8B-B14F-4D97-AF65-F5344CB8AC3E}">
+        <p14:creationId xmlns:p14="http://schemas.microsoft.com/office/powerpoint/2010/main" val="3083022169"/>
+      </p:ext>
+    </p:extLst>
+  </p:cSld>
+  <p:clrMapOvr>
+    <a:masterClrMapping/>
+  </p:clrMapOvr>
+</p:sld>
+</file>
+
+<file path=ppt/slides/slide25.xml><?xml version="1.0" encoding="utf-8"?>
+<p:sld xmlns:a="http://schemas.openxmlformats.org/drawingml/2006/main" xmlns:r="http://schemas.openxmlformats.org/officeDocument/2006/relationships" xmlns:p="http://schemas.openxmlformats.org/presentationml/2006/main">
+  <p:cSld>
+    <p:spTree>
+      <p:nvGrpSpPr>
+        <p:cNvPr id="1" name=""/>
+        <p:cNvGrpSpPr/>
+        <p:nvPr/>
+      </p:nvGrpSpPr>
+      <p:grpSpPr>
+        <a:xfrm>
+          <a:off x="0" y="0"/>
+          <a:ext cx="0" cy="0"/>
+          <a:chOff x="0" y="0"/>
+          <a:chExt cx="0" cy="0"/>
+        </a:xfrm>
+      </p:grpSpPr>
+      <p:sp>
+        <p:nvSpPr>
+          <p:cNvPr id="4" name="矩形 3"/>
+          <p:cNvSpPr/>
+          <p:nvPr/>
+        </p:nvSpPr>
+        <p:spPr>
+          <a:xfrm>
+            <a:off x="2586445" y="1706880"/>
+            <a:ext cx="1898469" cy="1010194"/>
+          </a:xfrm>
+          <a:prstGeom prst="rect">
+            <a:avLst/>
+          </a:prstGeom>
+          <a:noFill/>
+        </p:spPr>
+        <p:style>
+          <a:lnRef idx="2">
+            <a:schemeClr val="accent1">
+              <a:shade val="50000"/>
+            </a:schemeClr>
+          </a:lnRef>
+          <a:fillRef idx="1">
+            <a:schemeClr val="accent1"/>
+          </a:fillRef>
+          <a:effectRef idx="0">
+            <a:schemeClr val="accent1"/>
+          </a:effectRef>
+          <a:fontRef idx="minor">
+            <a:schemeClr val="lt1"/>
+          </a:fontRef>
+        </p:style>
+        <p:txBody>
+          <a:bodyPr rtlCol="0" anchor="ctr"/>
+          <a:lstStyle/>
+          <a:p>
+            <a:pPr algn="ctr"/>
+            <a:endParaRPr lang="zh-TW" altLang="en-US"/>
+          </a:p>
+        </p:txBody>
+      </p:sp>
+      <p:sp>
+        <p:nvSpPr>
+          <p:cNvPr id="5" name="矩形 4"/>
+          <p:cNvSpPr/>
+          <p:nvPr/>
+        </p:nvSpPr>
+        <p:spPr>
+          <a:xfrm>
+            <a:off x="6683828" y="1706880"/>
+            <a:ext cx="1898469" cy="1010194"/>
+          </a:xfrm>
+          <a:prstGeom prst="rect">
+            <a:avLst/>
+          </a:prstGeom>
+          <a:noFill/>
+        </p:spPr>
+        <p:style>
+          <a:lnRef idx="2">
+            <a:schemeClr val="accent1">
+              <a:shade val="50000"/>
+            </a:schemeClr>
+          </a:lnRef>
+          <a:fillRef idx="1">
+            <a:schemeClr val="accent1"/>
+          </a:fillRef>
+          <a:effectRef idx="0">
+            <a:schemeClr val="accent1"/>
+          </a:effectRef>
+          <a:fontRef idx="minor">
+            <a:schemeClr val="lt1"/>
+          </a:fontRef>
+        </p:style>
+        <p:txBody>
+          <a:bodyPr rtlCol="0" anchor="ctr"/>
+          <a:lstStyle/>
+          <a:p>
+            <a:pPr algn="ctr"/>
+            <a:endParaRPr lang="zh-TW" altLang="en-US"/>
+          </a:p>
+        </p:txBody>
+      </p:sp>
+      <p:sp>
+        <p:nvSpPr>
+          <p:cNvPr id="6" name="文字方塊 5"/>
+          <p:cNvSpPr txBox="1"/>
+          <p:nvPr/>
+        </p:nvSpPr>
+        <p:spPr>
+          <a:xfrm>
+            <a:off x="2882711" y="2027311"/>
+            <a:ext cx="1305935" cy="369332"/>
+          </a:xfrm>
+          <a:prstGeom prst="rect">
+            <a:avLst/>
+          </a:prstGeom>
+          <a:noFill/>
+        </p:spPr>
+        <p:txBody>
+          <a:bodyPr wrap="none" rtlCol="0">
+            <a:spAutoFit/>
+          </a:bodyPr>
+          <a:lstStyle/>
+          <a:p>
+            <a:r>
+              <a:rPr lang="en-US" altLang="zh-TW" dirty="0"/>
+              <a:t>gray-ingress</a:t>
+            </a:r>
+            <a:endParaRPr lang="zh-TW" altLang="en-US" dirty="0"/>
+          </a:p>
+        </p:txBody>
+      </p:sp>
+      <p:cxnSp>
+        <p:nvCxnSpPr>
+          <p:cNvPr id="7" name="直線單箭頭接點 6"/>
+          <p:cNvCxnSpPr>
+            <a:stCxn id="4" idx="2"/>
+          </p:cNvCxnSpPr>
+          <p:nvPr/>
+        </p:nvCxnSpPr>
+        <p:spPr>
+          <a:xfrm flipH="1">
+            <a:off x="3535679" y="2717074"/>
+            <a:ext cx="1" cy="653143"/>
+          </a:xfrm>
+          <a:prstGeom prst="straightConnector1">
+            <a:avLst/>
+          </a:prstGeom>
+          <a:ln>
+            <a:tailEnd type="triangle"/>
+          </a:ln>
+        </p:spPr>
+        <p:style>
+          <a:lnRef idx="1">
+            <a:schemeClr val="accent1"/>
+          </a:lnRef>
+          <a:fillRef idx="0">
+            <a:schemeClr val="accent1"/>
+          </a:fillRef>
+          <a:effectRef idx="0">
+            <a:schemeClr val="accent1"/>
+          </a:effectRef>
+          <a:fontRef idx="minor">
+            <a:schemeClr val="tx1"/>
+          </a:fontRef>
+        </p:style>
+      </p:cxnSp>
+      <p:sp>
+        <p:nvSpPr>
+          <p:cNvPr id="8" name="矩形 7"/>
+          <p:cNvSpPr/>
+          <p:nvPr/>
+        </p:nvSpPr>
+        <p:spPr>
+          <a:xfrm>
+            <a:off x="2586445" y="3370217"/>
+            <a:ext cx="1898469" cy="1010194"/>
+          </a:xfrm>
+          <a:prstGeom prst="rect">
+            <a:avLst/>
+          </a:prstGeom>
+          <a:noFill/>
+        </p:spPr>
+        <p:style>
+          <a:lnRef idx="2">
+            <a:schemeClr val="accent1">
+              <a:shade val="50000"/>
+            </a:schemeClr>
+          </a:lnRef>
+          <a:fillRef idx="1">
+            <a:schemeClr val="accent1"/>
+          </a:fillRef>
+          <a:effectRef idx="0">
+            <a:schemeClr val="accent1"/>
+          </a:effectRef>
+          <a:fontRef idx="minor">
+            <a:schemeClr val="lt1"/>
+          </a:fontRef>
+        </p:style>
+        <p:txBody>
+          <a:bodyPr rtlCol="0" anchor="ctr"/>
+          <a:lstStyle/>
+          <a:p>
+            <a:pPr algn="ctr"/>
+            <a:endParaRPr lang="zh-TW" altLang="en-US"/>
+          </a:p>
+        </p:txBody>
+      </p:sp>
+      <p:sp>
+        <p:nvSpPr>
+          <p:cNvPr id="9" name="文字方塊 8"/>
+          <p:cNvSpPr txBox="1"/>
+          <p:nvPr/>
+        </p:nvSpPr>
+        <p:spPr>
+          <a:xfrm>
+            <a:off x="2832472" y="3654028"/>
+            <a:ext cx="1406411" cy="369332"/>
+          </a:xfrm>
+          <a:prstGeom prst="rect">
+            <a:avLst/>
+          </a:prstGeom>
+          <a:noFill/>
+        </p:spPr>
+        <p:txBody>
+          <a:bodyPr wrap="none" rtlCol="0">
+            <a:spAutoFit/>
+          </a:bodyPr>
+          <a:lstStyle/>
+          <a:p>
+            <a:r>
+              <a:rPr lang="en-US" altLang="zh-TW" dirty="0"/>
+              <a:t>gray-web-svc</a:t>
+            </a:r>
+            <a:endParaRPr lang="zh-TW" altLang="en-US" dirty="0"/>
+          </a:p>
+        </p:txBody>
+      </p:sp>
+      <p:sp>
+        <p:nvSpPr>
+          <p:cNvPr id="10" name="右大括弧 9"/>
+          <p:cNvSpPr/>
+          <p:nvPr/>
+        </p:nvSpPr>
+        <p:spPr>
+          <a:xfrm rot="5400000" flipH="1">
+            <a:off x="3230552" y="3435530"/>
+            <a:ext cx="610254" cy="2500016"/>
+          </a:xfrm>
+          <a:prstGeom prst="rightBrace">
+            <a:avLst/>
+          </a:prstGeom>
+        </p:spPr>
+        <p:style>
+          <a:lnRef idx="1">
+            <a:schemeClr val="accent1"/>
+          </a:lnRef>
+          <a:fillRef idx="0">
+            <a:schemeClr val="accent1"/>
+          </a:fillRef>
+          <a:effectRef idx="0">
+            <a:schemeClr val="accent1"/>
+          </a:effectRef>
+          <a:fontRef idx="minor">
+            <a:schemeClr val="tx1"/>
+          </a:fontRef>
+        </p:style>
+        <p:txBody>
+          <a:bodyPr rtlCol="0" anchor="ctr"/>
+          <a:lstStyle/>
+          <a:p>
+            <a:pPr algn="ctr"/>
+            <a:endParaRPr lang="zh-TW" altLang="en-US"/>
+          </a:p>
+        </p:txBody>
+      </p:sp>
+      <p:sp>
+        <p:nvSpPr>
+          <p:cNvPr id="11" name="六邊形 10">
+            <a:extLst>
+              <a:ext uri="{FF2B5EF4-FFF2-40B4-BE49-F238E27FC236}">
+                <a16:creationId xmlns:a16="http://schemas.microsoft.com/office/drawing/2014/main" xmlns="" id="{1AA9CBA3-DEF1-B347-86EF-07399A90E65A}"/>
+              </a:ext>
+            </a:extLst>
+          </p:cNvPr>
+          <p:cNvSpPr/>
+          <p:nvPr/>
+        </p:nvSpPr>
+        <p:spPr>
+          <a:xfrm>
+            <a:off x="3167001" y="4982193"/>
+            <a:ext cx="625033" cy="625561"/>
+          </a:xfrm>
+          <a:prstGeom prst="hexagon">
+            <a:avLst>
+              <a:gd name="adj" fmla="val 25000"/>
+              <a:gd name="vf" fmla="val 115470"/>
+            </a:avLst>
+          </a:prstGeom>
+          <a:noFill/>
+        </p:spPr>
+        <p:style>
+          <a:lnRef idx="2">
+            <a:schemeClr val="accent1">
+              <a:shade val="50000"/>
+            </a:schemeClr>
+          </a:lnRef>
+          <a:fillRef idx="1">
+            <a:schemeClr val="accent1"/>
+          </a:fillRef>
+          <a:effectRef idx="0">
+            <a:schemeClr val="accent1"/>
+          </a:effectRef>
+          <a:fontRef idx="minor">
+            <a:schemeClr val="lt1"/>
+          </a:fontRef>
+        </p:style>
+        <p:txBody>
+          <a:bodyPr rtlCol="0" anchor="ctr"/>
+          <a:lstStyle/>
+          <a:p>
+            <a:pPr algn="ctr"/>
+            <a:endParaRPr kumimoji="1" lang="zh-TW" altLang="en-US"/>
+          </a:p>
+        </p:txBody>
+      </p:sp>
+      <p:sp>
+        <p:nvSpPr>
+          <p:cNvPr id="12" name="文字方塊 11">
+            <a:extLst>
+              <a:ext uri="{FF2B5EF4-FFF2-40B4-BE49-F238E27FC236}">
+                <a16:creationId xmlns:a16="http://schemas.microsoft.com/office/drawing/2014/main" xmlns="" id="{954D87C3-7860-C941-9B35-71F02207B737}"/>
+              </a:ext>
+            </a:extLst>
+          </p:cNvPr>
+          <p:cNvSpPr txBox="1"/>
+          <p:nvPr/>
+        </p:nvSpPr>
+        <p:spPr>
+          <a:xfrm>
+            <a:off x="4510611" y="5000816"/>
+            <a:ext cx="550151" cy="646331"/>
+          </a:xfrm>
+          <a:prstGeom prst="rect">
+            <a:avLst/>
+          </a:prstGeom>
+          <a:noFill/>
+        </p:spPr>
+        <p:txBody>
+          <a:bodyPr wrap="none" rtlCol="0">
+            <a:spAutoFit/>
+          </a:bodyPr>
+          <a:lstStyle/>
+          <a:p>
+            <a:r>
+              <a:rPr kumimoji="1" lang="en-US" altLang="zh-TW" dirty="0"/>
+              <a:t>Pod</a:t>
+            </a:r>
+          </a:p>
+          <a:p>
+            <a:r>
+              <a:rPr kumimoji="1" lang="en-US" altLang="zh-TW" dirty="0"/>
+              <a:t>v2</a:t>
+            </a:r>
+            <a:endParaRPr kumimoji="1" lang="zh-TW" altLang="en-US" dirty="0"/>
+          </a:p>
+        </p:txBody>
+      </p:sp>
+      <p:sp>
+        <p:nvSpPr>
+          <p:cNvPr id="13" name="六邊形 12">
+            <a:extLst>
+              <a:ext uri="{FF2B5EF4-FFF2-40B4-BE49-F238E27FC236}">
+                <a16:creationId xmlns:a16="http://schemas.microsoft.com/office/drawing/2014/main" xmlns="" id="{CD7A25A1-4BC0-FE4F-A1D3-8F0D549EA35C}"/>
+              </a:ext>
+            </a:extLst>
+          </p:cNvPr>
+          <p:cNvSpPr/>
+          <p:nvPr/>
+        </p:nvSpPr>
+        <p:spPr>
+          <a:xfrm>
+            <a:off x="1973154" y="4987539"/>
+            <a:ext cx="625033" cy="625561"/>
+          </a:xfrm>
+          <a:prstGeom prst="hexagon">
+            <a:avLst/>
+          </a:prstGeom>
+          <a:noFill/>
+        </p:spPr>
+        <p:style>
+          <a:lnRef idx="2">
+            <a:schemeClr val="accent1">
+              <a:shade val="50000"/>
+            </a:schemeClr>
+          </a:lnRef>
+          <a:fillRef idx="1">
+            <a:schemeClr val="accent1"/>
+          </a:fillRef>
+          <a:effectRef idx="0">
+            <a:schemeClr val="accent1"/>
+          </a:effectRef>
+          <a:fontRef idx="minor">
+            <a:schemeClr val="lt1"/>
+          </a:fontRef>
+        </p:style>
+        <p:txBody>
+          <a:bodyPr rtlCol="0" anchor="ctr"/>
+          <a:lstStyle/>
+          <a:p>
+            <a:pPr algn="ctr"/>
+            <a:endParaRPr kumimoji="1" lang="zh-TW" altLang="en-US"/>
+          </a:p>
+        </p:txBody>
+      </p:sp>
+      <p:sp>
+        <p:nvSpPr>
+          <p:cNvPr id="14" name="文字方塊 13">
+            <a:extLst>
+              <a:ext uri="{FF2B5EF4-FFF2-40B4-BE49-F238E27FC236}">
+                <a16:creationId xmlns:a16="http://schemas.microsoft.com/office/drawing/2014/main" xmlns="" id="{8632F125-4F96-0241-833D-465A7C42353B}"/>
+              </a:ext>
+            </a:extLst>
+          </p:cNvPr>
+          <p:cNvSpPr txBox="1"/>
+          <p:nvPr/>
+        </p:nvSpPr>
+        <p:spPr>
+          <a:xfrm>
+            <a:off x="1982486" y="5018886"/>
+            <a:ext cx="550151" cy="646331"/>
+          </a:xfrm>
+          <a:prstGeom prst="rect">
+            <a:avLst/>
+          </a:prstGeom>
+          <a:noFill/>
+        </p:spPr>
+        <p:txBody>
+          <a:bodyPr wrap="none" rtlCol="0">
+            <a:spAutoFit/>
+          </a:bodyPr>
+          <a:lstStyle/>
+          <a:p>
+            <a:r>
+              <a:rPr kumimoji="1" lang="en-US" altLang="zh-TW" dirty="0"/>
+              <a:t>Pod</a:t>
+            </a:r>
+          </a:p>
+          <a:p>
+            <a:r>
+              <a:rPr kumimoji="1" lang="en-US" altLang="zh-TW" dirty="0"/>
+              <a:t>v2</a:t>
+            </a:r>
+            <a:endParaRPr kumimoji="1" lang="zh-TW" altLang="en-US" dirty="0"/>
+          </a:p>
+        </p:txBody>
+      </p:sp>
+      <p:sp>
+        <p:nvSpPr>
+          <p:cNvPr id="15" name="六邊形 14">
+            <a:extLst>
+              <a:ext uri="{FF2B5EF4-FFF2-40B4-BE49-F238E27FC236}">
+                <a16:creationId xmlns:a16="http://schemas.microsoft.com/office/drawing/2014/main" xmlns="" id="{820A079C-1B36-6047-836D-DC45BBAF3A90}"/>
+              </a:ext>
+            </a:extLst>
+          </p:cNvPr>
+          <p:cNvSpPr/>
+          <p:nvPr/>
+        </p:nvSpPr>
+        <p:spPr>
+          <a:xfrm>
+            <a:off x="4451782" y="4988050"/>
+            <a:ext cx="625033" cy="625561"/>
+          </a:xfrm>
+          <a:prstGeom prst="hexagon">
+            <a:avLst/>
+          </a:prstGeom>
+          <a:noFill/>
+        </p:spPr>
+        <p:style>
+          <a:lnRef idx="2">
+            <a:schemeClr val="accent1">
+              <a:shade val="50000"/>
+            </a:schemeClr>
+          </a:lnRef>
+          <a:fillRef idx="1">
+            <a:schemeClr val="accent1"/>
+          </a:fillRef>
+          <a:effectRef idx="0">
+            <a:schemeClr val="accent1"/>
+          </a:effectRef>
+          <a:fontRef idx="minor">
+            <a:schemeClr val="lt1"/>
+          </a:fontRef>
+        </p:style>
+        <p:txBody>
+          <a:bodyPr rtlCol="0" anchor="ctr"/>
+          <a:lstStyle/>
+          <a:p>
+            <a:pPr algn="ctr"/>
+            <a:endParaRPr kumimoji="1" lang="zh-TW" altLang="en-US"/>
+          </a:p>
+        </p:txBody>
+      </p:sp>
+      <p:sp>
+        <p:nvSpPr>
+          <p:cNvPr id="16" name="文字方塊 15">
+            <a:extLst>
+              <a:ext uri="{FF2B5EF4-FFF2-40B4-BE49-F238E27FC236}">
+                <a16:creationId xmlns:a16="http://schemas.microsoft.com/office/drawing/2014/main" xmlns="" id="{6F7B6883-2E15-3745-9CF0-D12D39FCD89F}"/>
+              </a:ext>
+            </a:extLst>
+          </p:cNvPr>
+          <p:cNvSpPr txBox="1"/>
+          <p:nvPr/>
+        </p:nvSpPr>
+        <p:spPr>
+          <a:xfrm>
+            <a:off x="3241883" y="5018886"/>
+            <a:ext cx="550151" cy="646331"/>
+          </a:xfrm>
+          <a:prstGeom prst="rect">
+            <a:avLst/>
+          </a:prstGeom>
+          <a:noFill/>
+        </p:spPr>
+        <p:txBody>
+          <a:bodyPr wrap="none" rtlCol="0">
+            <a:spAutoFit/>
+          </a:bodyPr>
+          <a:lstStyle/>
+          <a:p>
+            <a:r>
+              <a:rPr kumimoji="1" lang="en-US" altLang="zh-TW" dirty="0"/>
+              <a:t>Pod</a:t>
+            </a:r>
+          </a:p>
+          <a:p>
+            <a:r>
+              <a:rPr kumimoji="1" lang="en-US" altLang="zh-TW" dirty="0"/>
+              <a:t>v2</a:t>
+            </a:r>
+            <a:endParaRPr kumimoji="1" lang="zh-TW" altLang="en-US" dirty="0"/>
+          </a:p>
+        </p:txBody>
+      </p:sp>
+      <p:sp>
+        <p:nvSpPr>
+          <p:cNvPr id="17" name="文字方塊 16"/>
+          <p:cNvSpPr txBox="1"/>
+          <p:nvPr/>
+        </p:nvSpPr>
+        <p:spPr>
+          <a:xfrm>
+            <a:off x="6683828" y="2027311"/>
+            <a:ext cx="1932324" cy="369332"/>
+          </a:xfrm>
+          <a:prstGeom prst="rect">
+            <a:avLst/>
+          </a:prstGeom>
+          <a:noFill/>
+        </p:spPr>
+        <p:txBody>
+          <a:bodyPr wrap="none" rtlCol="0">
+            <a:spAutoFit/>
+          </a:bodyPr>
+          <a:lstStyle/>
+          <a:p>
+            <a:r>
+              <a:rPr lang="en-US" altLang="zh-TW" dirty="0"/>
+              <a:t>blue-green-ingress</a:t>
+            </a:r>
+            <a:endParaRPr lang="zh-TW" altLang="en-US" dirty="0"/>
+          </a:p>
+        </p:txBody>
+      </p:sp>
+      <p:cxnSp>
+        <p:nvCxnSpPr>
+          <p:cNvPr id="18" name="直線單箭頭接點 17"/>
+          <p:cNvCxnSpPr/>
+          <p:nvPr/>
+        </p:nvCxnSpPr>
+        <p:spPr>
+          <a:xfrm flipH="1">
+            <a:off x="7649990" y="2710933"/>
+            <a:ext cx="1" cy="653143"/>
+          </a:xfrm>
+          <a:prstGeom prst="straightConnector1">
+            <a:avLst/>
+          </a:prstGeom>
+          <a:ln>
+            <a:tailEnd type="triangle"/>
+          </a:ln>
+        </p:spPr>
+        <p:style>
+          <a:lnRef idx="1">
+            <a:schemeClr val="accent1"/>
+          </a:lnRef>
+          <a:fillRef idx="0">
+            <a:schemeClr val="accent1"/>
+          </a:fillRef>
+          <a:effectRef idx="0">
+            <a:schemeClr val="accent1"/>
+          </a:effectRef>
+          <a:fontRef idx="minor">
+            <a:schemeClr val="tx1"/>
+          </a:fontRef>
+        </p:style>
+      </p:cxnSp>
+      <p:sp>
+        <p:nvSpPr>
+          <p:cNvPr id="19" name="矩形 18"/>
+          <p:cNvSpPr/>
+          <p:nvPr/>
+        </p:nvSpPr>
+        <p:spPr>
+          <a:xfrm>
+            <a:off x="6679473" y="3333597"/>
+            <a:ext cx="1898469" cy="1010194"/>
+          </a:xfrm>
+          <a:prstGeom prst="rect">
+            <a:avLst/>
+          </a:prstGeom>
+          <a:noFill/>
+        </p:spPr>
+        <p:style>
+          <a:lnRef idx="2">
+            <a:schemeClr val="accent1">
+              <a:shade val="50000"/>
+            </a:schemeClr>
+          </a:lnRef>
+          <a:fillRef idx="1">
+            <a:schemeClr val="accent1"/>
+          </a:fillRef>
+          <a:effectRef idx="0">
+            <a:schemeClr val="accent1"/>
+          </a:effectRef>
+          <a:fontRef idx="minor">
+            <a:schemeClr val="lt1"/>
+          </a:fontRef>
+        </p:style>
+        <p:txBody>
+          <a:bodyPr rtlCol="0" anchor="ctr"/>
+          <a:lstStyle/>
+          <a:p>
+            <a:pPr algn="ctr"/>
+            <a:endParaRPr lang="zh-TW" altLang="en-US"/>
+          </a:p>
+        </p:txBody>
+      </p:sp>
+      <p:sp>
+        <p:nvSpPr>
+          <p:cNvPr id="20" name="文字方塊 19"/>
+          <p:cNvSpPr txBox="1"/>
+          <p:nvPr/>
+        </p:nvSpPr>
+        <p:spPr>
+          <a:xfrm>
+            <a:off x="6938256" y="3609481"/>
+            <a:ext cx="1423467" cy="369332"/>
+          </a:xfrm>
+          <a:prstGeom prst="rect">
+            <a:avLst/>
+          </a:prstGeom>
+          <a:noFill/>
+        </p:spPr>
+        <p:txBody>
+          <a:bodyPr wrap="none" rtlCol="0">
+            <a:spAutoFit/>
+          </a:bodyPr>
+          <a:lstStyle/>
+          <a:p>
+            <a:r>
+              <a:rPr lang="en-US" altLang="zh-TW" dirty="0"/>
+              <a:t>blue-web-svc</a:t>
+            </a:r>
+            <a:endParaRPr lang="zh-TW" altLang="en-US" dirty="0"/>
+          </a:p>
+        </p:txBody>
+      </p:sp>
+      <p:sp>
+        <p:nvSpPr>
+          <p:cNvPr id="21" name="右大括弧 20"/>
+          <p:cNvSpPr/>
+          <p:nvPr/>
+        </p:nvSpPr>
+        <p:spPr>
+          <a:xfrm rot="5400000" flipH="1">
+            <a:off x="7344863" y="3427058"/>
+            <a:ext cx="610254" cy="2500016"/>
+          </a:xfrm>
+          <a:prstGeom prst="rightBrace">
+            <a:avLst/>
+          </a:prstGeom>
+        </p:spPr>
+        <p:style>
+          <a:lnRef idx="1">
+            <a:schemeClr val="accent1"/>
+          </a:lnRef>
+          <a:fillRef idx="0">
+            <a:schemeClr val="accent1"/>
+          </a:fillRef>
+          <a:effectRef idx="0">
+            <a:schemeClr val="accent1"/>
+          </a:effectRef>
+          <a:fontRef idx="minor">
+            <a:schemeClr val="tx1"/>
+          </a:fontRef>
+        </p:style>
+        <p:txBody>
+          <a:bodyPr rtlCol="0" anchor="ctr"/>
+          <a:lstStyle/>
+          <a:p>
+            <a:pPr algn="ctr"/>
+            <a:endParaRPr lang="zh-TW" altLang="en-US"/>
+          </a:p>
+        </p:txBody>
+      </p:sp>
+      <p:sp>
+        <p:nvSpPr>
+          <p:cNvPr id="22" name="六邊形 21">
+            <a:extLst>
+              <a:ext uri="{FF2B5EF4-FFF2-40B4-BE49-F238E27FC236}">
+                <a16:creationId xmlns:a16="http://schemas.microsoft.com/office/drawing/2014/main" xmlns="" id="{1AA9CBA3-DEF1-B347-86EF-07399A90E65A}"/>
+              </a:ext>
+            </a:extLst>
+          </p:cNvPr>
+          <p:cNvSpPr/>
+          <p:nvPr/>
+        </p:nvSpPr>
+        <p:spPr>
+          <a:xfrm>
+            <a:off x="7281312" y="4973721"/>
+            <a:ext cx="625033" cy="625561"/>
+          </a:xfrm>
+          <a:prstGeom prst="hexagon">
+            <a:avLst>
+              <a:gd name="adj" fmla="val 25000"/>
+              <a:gd name="vf" fmla="val 115470"/>
+            </a:avLst>
+          </a:prstGeom>
+          <a:noFill/>
+        </p:spPr>
+        <p:style>
+          <a:lnRef idx="2">
+            <a:schemeClr val="accent1">
+              <a:shade val="50000"/>
+            </a:schemeClr>
+          </a:lnRef>
+          <a:fillRef idx="1">
+            <a:schemeClr val="accent1"/>
+          </a:fillRef>
+          <a:effectRef idx="0">
+            <a:schemeClr val="accent1"/>
+          </a:effectRef>
+          <a:fontRef idx="minor">
+            <a:schemeClr val="lt1"/>
+          </a:fontRef>
+        </p:style>
+        <p:txBody>
+          <a:bodyPr rtlCol="0" anchor="ctr"/>
+          <a:lstStyle/>
+          <a:p>
+            <a:pPr algn="ctr"/>
+            <a:endParaRPr kumimoji="1" lang="zh-TW" altLang="en-US"/>
+          </a:p>
+        </p:txBody>
+      </p:sp>
+      <p:sp>
+        <p:nvSpPr>
+          <p:cNvPr id="23" name="文字方塊 22">
+            <a:extLst>
+              <a:ext uri="{FF2B5EF4-FFF2-40B4-BE49-F238E27FC236}">
+                <a16:creationId xmlns:a16="http://schemas.microsoft.com/office/drawing/2014/main" xmlns="" id="{954D87C3-7860-C941-9B35-71F02207B737}"/>
+              </a:ext>
+            </a:extLst>
+          </p:cNvPr>
+          <p:cNvSpPr txBox="1"/>
+          <p:nvPr/>
+        </p:nvSpPr>
+        <p:spPr>
+          <a:xfrm>
+            <a:off x="8624922" y="4992344"/>
+            <a:ext cx="550151" cy="646331"/>
+          </a:xfrm>
+          <a:prstGeom prst="rect">
+            <a:avLst/>
+          </a:prstGeom>
+          <a:noFill/>
+        </p:spPr>
+        <p:txBody>
+          <a:bodyPr wrap="none" rtlCol="0">
+            <a:spAutoFit/>
+          </a:bodyPr>
+          <a:lstStyle/>
+          <a:p>
+            <a:r>
+              <a:rPr kumimoji="1" lang="en-US" altLang="zh-TW" dirty="0"/>
+              <a:t>Pod</a:t>
+            </a:r>
+          </a:p>
+          <a:p>
+            <a:r>
+              <a:rPr kumimoji="1" lang="en-US" altLang="zh-TW" dirty="0" smtClean="0"/>
+              <a:t>v</a:t>
+            </a:r>
+            <a:endParaRPr kumimoji="1" lang="zh-TW" altLang="en-US" dirty="0"/>
+          </a:p>
+        </p:txBody>
+      </p:sp>
+      <p:sp>
+        <p:nvSpPr>
+          <p:cNvPr id="24" name="六邊形 23">
+            <a:extLst>
+              <a:ext uri="{FF2B5EF4-FFF2-40B4-BE49-F238E27FC236}">
+                <a16:creationId xmlns:a16="http://schemas.microsoft.com/office/drawing/2014/main" xmlns="" id="{CD7A25A1-4BC0-FE4F-A1D3-8F0D549EA35C}"/>
+              </a:ext>
+            </a:extLst>
+          </p:cNvPr>
+          <p:cNvSpPr/>
+          <p:nvPr/>
+        </p:nvSpPr>
+        <p:spPr>
+          <a:xfrm>
+            <a:off x="6087465" y="4979067"/>
+            <a:ext cx="625033" cy="625561"/>
+          </a:xfrm>
+          <a:prstGeom prst="hexagon">
+            <a:avLst/>
+          </a:prstGeom>
+          <a:noFill/>
+        </p:spPr>
+        <p:style>
+          <a:lnRef idx="2">
+            <a:schemeClr val="accent1">
+              <a:shade val="50000"/>
+            </a:schemeClr>
+          </a:lnRef>
+          <a:fillRef idx="1">
+            <a:schemeClr val="accent1"/>
+          </a:fillRef>
+          <a:effectRef idx="0">
+            <a:schemeClr val="accent1"/>
+          </a:effectRef>
+          <a:fontRef idx="minor">
+            <a:schemeClr val="lt1"/>
+          </a:fontRef>
+        </p:style>
+        <p:txBody>
+          <a:bodyPr rtlCol="0" anchor="ctr"/>
+          <a:lstStyle/>
+          <a:p>
+            <a:pPr algn="ctr"/>
+            <a:endParaRPr kumimoji="1" lang="zh-TW" altLang="en-US"/>
+          </a:p>
+        </p:txBody>
+      </p:sp>
+      <p:sp>
+        <p:nvSpPr>
+          <p:cNvPr id="25" name="文字方塊 24">
+            <a:extLst>
+              <a:ext uri="{FF2B5EF4-FFF2-40B4-BE49-F238E27FC236}">
+                <a16:creationId xmlns:a16="http://schemas.microsoft.com/office/drawing/2014/main" xmlns="" id="{8632F125-4F96-0241-833D-465A7C42353B}"/>
+              </a:ext>
+            </a:extLst>
+          </p:cNvPr>
+          <p:cNvSpPr txBox="1"/>
+          <p:nvPr/>
+        </p:nvSpPr>
+        <p:spPr>
+          <a:xfrm>
+            <a:off x="6096797" y="5010414"/>
+            <a:ext cx="550151" cy="646331"/>
+          </a:xfrm>
+          <a:prstGeom prst="rect">
+            <a:avLst/>
+          </a:prstGeom>
+          <a:noFill/>
+        </p:spPr>
+        <p:txBody>
+          <a:bodyPr wrap="none" rtlCol="0">
+            <a:spAutoFit/>
+          </a:bodyPr>
+          <a:lstStyle/>
+          <a:p>
+            <a:r>
+              <a:rPr kumimoji="1" lang="en-US" altLang="zh-TW" dirty="0"/>
+              <a:t>Pod</a:t>
+            </a:r>
+          </a:p>
+          <a:p>
+            <a:r>
+              <a:rPr kumimoji="1" lang="en-US" altLang="zh-TW" dirty="0" smtClean="0"/>
+              <a:t>v1</a:t>
+            </a:r>
+            <a:endParaRPr kumimoji="1" lang="zh-TW" altLang="en-US" dirty="0"/>
+          </a:p>
+        </p:txBody>
+      </p:sp>
+      <p:sp>
+        <p:nvSpPr>
+          <p:cNvPr id="26" name="六邊形 25">
+            <a:extLst>
+              <a:ext uri="{FF2B5EF4-FFF2-40B4-BE49-F238E27FC236}">
+                <a16:creationId xmlns:a16="http://schemas.microsoft.com/office/drawing/2014/main" xmlns="" id="{820A079C-1B36-6047-836D-DC45BBAF3A90}"/>
+              </a:ext>
+            </a:extLst>
+          </p:cNvPr>
+          <p:cNvSpPr/>
+          <p:nvPr/>
+        </p:nvSpPr>
+        <p:spPr>
+          <a:xfrm>
+            <a:off x="8566093" y="4979578"/>
+            <a:ext cx="625033" cy="625561"/>
+          </a:xfrm>
+          <a:prstGeom prst="hexagon">
+            <a:avLst/>
+          </a:prstGeom>
+          <a:noFill/>
+        </p:spPr>
+        <p:style>
+          <a:lnRef idx="2">
+            <a:schemeClr val="accent1">
+              <a:shade val="50000"/>
+            </a:schemeClr>
+          </a:lnRef>
+          <a:fillRef idx="1">
+            <a:schemeClr val="accent1"/>
+          </a:fillRef>
+          <a:effectRef idx="0">
+            <a:schemeClr val="accent1"/>
+          </a:effectRef>
+          <a:fontRef idx="minor">
+            <a:schemeClr val="lt1"/>
+          </a:fontRef>
+        </p:style>
+        <p:txBody>
+          <a:bodyPr rtlCol="0" anchor="ctr"/>
+          <a:lstStyle/>
+          <a:p>
+            <a:pPr algn="ctr"/>
+            <a:endParaRPr kumimoji="1" lang="zh-TW" altLang="en-US"/>
+          </a:p>
+        </p:txBody>
+      </p:sp>
+      <p:sp>
+        <p:nvSpPr>
+          <p:cNvPr id="27" name="文字方塊 26">
+            <a:extLst>
+              <a:ext uri="{FF2B5EF4-FFF2-40B4-BE49-F238E27FC236}">
+                <a16:creationId xmlns:a16="http://schemas.microsoft.com/office/drawing/2014/main" xmlns="" id="{6F7B6883-2E15-3745-9CF0-D12D39FCD89F}"/>
+              </a:ext>
+            </a:extLst>
+          </p:cNvPr>
+          <p:cNvSpPr txBox="1"/>
+          <p:nvPr/>
+        </p:nvSpPr>
+        <p:spPr>
+          <a:xfrm>
+            <a:off x="7356194" y="5010414"/>
+            <a:ext cx="550151" cy="646331"/>
+          </a:xfrm>
+          <a:prstGeom prst="rect">
+            <a:avLst/>
+          </a:prstGeom>
+          <a:noFill/>
+        </p:spPr>
+        <p:txBody>
+          <a:bodyPr wrap="none" rtlCol="0">
+            <a:spAutoFit/>
+          </a:bodyPr>
+          <a:lstStyle/>
+          <a:p>
+            <a:r>
+              <a:rPr kumimoji="1" lang="en-US" altLang="zh-TW" dirty="0"/>
+              <a:t>Pod</a:t>
+            </a:r>
+          </a:p>
+          <a:p>
+            <a:r>
+              <a:rPr kumimoji="1" lang="en-US" altLang="zh-TW" dirty="0" smtClean="0"/>
+              <a:t>v1</a:t>
+            </a:r>
+            <a:endParaRPr kumimoji="1" lang="zh-TW" altLang="en-US" dirty="0"/>
+          </a:p>
+        </p:txBody>
+      </p:sp>
+      <p:sp>
+        <p:nvSpPr>
+          <p:cNvPr id="28" name="矩形 27"/>
+          <p:cNvSpPr/>
+          <p:nvPr/>
+        </p:nvSpPr>
+        <p:spPr>
+          <a:xfrm>
+            <a:off x="1249636" y="1288868"/>
+            <a:ext cx="8601238" cy="4923910"/>
+          </a:xfrm>
+          <a:prstGeom prst="rect">
+            <a:avLst/>
+          </a:prstGeom>
+          <a:noFill/>
+        </p:spPr>
+        <p:style>
+          <a:lnRef idx="2">
+            <a:schemeClr val="accent1">
+              <a:shade val="50000"/>
+            </a:schemeClr>
+          </a:lnRef>
+          <a:fillRef idx="1">
+            <a:schemeClr val="accent1"/>
+          </a:fillRef>
+          <a:effectRef idx="0">
+            <a:schemeClr val="accent1"/>
+          </a:effectRef>
+          <a:fontRef idx="minor">
+            <a:schemeClr val="lt1"/>
+          </a:fontRef>
+        </p:style>
+        <p:txBody>
+          <a:bodyPr rtlCol="0" anchor="ctr"/>
+          <a:lstStyle/>
+          <a:p>
+            <a:pPr algn="ctr"/>
+            <a:endParaRPr lang="zh-TW" altLang="en-US"/>
+          </a:p>
+        </p:txBody>
+      </p:sp>
+      <p:cxnSp>
+        <p:nvCxnSpPr>
+          <p:cNvPr id="29" name="直線單箭頭接點 28"/>
+          <p:cNvCxnSpPr>
+            <a:endCxn id="28" idx="0"/>
+          </p:cNvCxnSpPr>
+          <p:nvPr/>
+        </p:nvCxnSpPr>
+        <p:spPr>
+          <a:xfrm>
+            <a:off x="5547360" y="522514"/>
+            <a:ext cx="2895" cy="766354"/>
+          </a:xfrm>
+          <a:prstGeom prst="straightConnector1">
+            <a:avLst/>
+          </a:prstGeom>
+          <a:ln>
+            <a:tailEnd type="triangle"/>
+          </a:ln>
+        </p:spPr>
+        <p:style>
+          <a:lnRef idx="1">
+            <a:schemeClr val="accent1"/>
+          </a:lnRef>
+          <a:fillRef idx="0">
+            <a:schemeClr val="accent1"/>
+          </a:fillRef>
+          <a:effectRef idx="0">
+            <a:schemeClr val="accent1"/>
+          </a:effectRef>
+          <a:fontRef idx="minor">
+            <a:schemeClr val="tx1"/>
+          </a:fontRef>
+        </p:style>
+      </p:cxnSp>
+      <p:cxnSp>
+        <p:nvCxnSpPr>
+          <p:cNvPr id="30" name="直線單箭頭接點 29"/>
+          <p:cNvCxnSpPr>
+            <a:stCxn id="28" idx="0"/>
+            <a:endCxn id="4" idx="3"/>
+          </p:cNvCxnSpPr>
+          <p:nvPr/>
+        </p:nvCxnSpPr>
+        <p:spPr>
+          <a:xfrm flipH="1">
+            <a:off x="4484914" y="1288868"/>
+            <a:ext cx="1065341" cy="923109"/>
+          </a:xfrm>
+          <a:prstGeom prst="straightConnector1">
+            <a:avLst/>
+          </a:prstGeom>
+          <a:ln>
+            <a:tailEnd type="triangle"/>
+          </a:ln>
+        </p:spPr>
+        <p:style>
+          <a:lnRef idx="1">
+            <a:schemeClr val="accent1"/>
+          </a:lnRef>
+          <a:fillRef idx="0">
+            <a:schemeClr val="accent1"/>
+          </a:fillRef>
+          <a:effectRef idx="0">
+            <a:schemeClr val="accent1"/>
+          </a:effectRef>
+          <a:fontRef idx="minor">
+            <a:schemeClr val="tx1"/>
+          </a:fontRef>
+        </p:style>
+      </p:cxnSp>
+      <p:cxnSp>
+        <p:nvCxnSpPr>
+          <p:cNvPr id="31" name="直線單箭頭接點 30"/>
+          <p:cNvCxnSpPr>
+            <a:stCxn id="28" idx="0"/>
+            <a:endCxn id="17" idx="1"/>
+          </p:cNvCxnSpPr>
+          <p:nvPr/>
+        </p:nvCxnSpPr>
+        <p:spPr>
+          <a:xfrm>
+            <a:off x="5550255" y="1288868"/>
+            <a:ext cx="1133573" cy="923109"/>
+          </a:xfrm>
+          <a:prstGeom prst="straightConnector1">
+            <a:avLst/>
+          </a:prstGeom>
+          <a:ln>
+            <a:tailEnd type="triangle"/>
+          </a:ln>
+        </p:spPr>
+        <p:style>
+          <a:lnRef idx="1">
+            <a:schemeClr val="accent1"/>
+          </a:lnRef>
+          <a:fillRef idx="0">
+            <a:schemeClr val="accent1"/>
+          </a:fillRef>
+          <a:effectRef idx="0">
+            <a:schemeClr val="accent1"/>
+          </a:effectRef>
+          <a:fontRef idx="minor">
+            <a:schemeClr val="tx1"/>
+          </a:fontRef>
+        </p:style>
+      </p:cxnSp>
+      <p:sp>
+        <p:nvSpPr>
+          <p:cNvPr id="32" name="文字方塊 31"/>
+          <p:cNvSpPr txBox="1"/>
+          <p:nvPr/>
+        </p:nvSpPr>
+        <p:spPr>
+          <a:xfrm>
+            <a:off x="4535388" y="1431555"/>
+            <a:ext cx="700833" cy="369332"/>
+          </a:xfrm>
+          <a:prstGeom prst="rect">
+            <a:avLst/>
+          </a:prstGeom>
+          <a:noFill/>
+        </p:spPr>
+        <p:txBody>
+          <a:bodyPr wrap="none" rtlCol="0">
+            <a:spAutoFit/>
+          </a:bodyPr>
+          <a:lstStyle/>
+          <a:p>
+            <a:r>
+              <a:rPr lang="en-US" altLang="zh-TW" dirty="0" smtClean="0"/>
+              <a:t>100%</a:t>
+            </a:r>
+            <a:endParaRPr lang="zh-TW" altLang="en-US" dirty="0"/>
+          </a:p>
+        </p:txBody>
+      </p:sp>
+    </p:spTree>
+    <p:extLst>
+      <p:ext uri="{BB962C8B-B14F-4D97-AF65-F5344CB8AC3E}">
+        <p14:creationId xmlns:p14="http://schemas.microsoft.com/office/powerpoint/2010/main" val="1269601411"/>
       </p:ext>
     </p:extLst>
   </p:cSld>
@@ -14493,7 +17993,7 @@
           <p:cNvPr id="5" name="圖片 4">
             <a:extLst>
               <a:ext uri="{FF2B5EF4-FFF2-40B4-BE49-F238E27FC236}">
-                <a16:creationId xmlns:a16="http://schemas.microsoft.com/office/drawing/2014/main" id="{2710A950-B4FA-A546-BEE0-A9ECC81B7A20}"/>
+                <a16:creationId xmlns:a16="http://schemas.microsoft.com/office/drawing/2014/main" xmlns="" id="{2710A950-B4FA-A546-BEE0-A9ECC81B7A20}"/>
               </a:ext>
             </a:extLst>
           </p:cNvPr>

--- a/K8S.pptx
+++ b/K8S.pptx
@@ -805,6 +805,110 @@
           <a:bodyPr/>
           <a:lstStyle/>
           <a:p>
+            <a:endParaRPr lang="zh-TW" altLang="en-US" dirty="0"/>
+          </a:p>
+        </p:txBody>
+      </p:sp>
+      <p:sp>
+        <p:nvSpPr>
+          <p:cNvPr id="4" name="投影片編號版面配置區 3"/>
+          <p:cNvSpPr>
+            <a:spLocks noGrp="1"/>
+          </p:cNvSpPr>
+          <p:nvPr>
+            <p:ph type="sldNum" sz="quarter" idx="10"/>
+          </p:nvPr>
+        </p:nvSpPr>
+        <p:spPr/>
+        <p:txBody>
+          <a:bodyPr/>
+          <a:lstStyle/>
+          <a:p>
+            <a:fld id="{364A6BF5-2810-46EC-8DAB-ADBE144A1FBF}" type="slidenum">
+              <a:rPr lang="zh-TW" altLang="en-US" smtClean="0"/>
+              <a:t>8</a:t>
+            </a:fld>
+            <a:endParaRPr lang="zh-TW" altLang="en-US"/>
+          </a:p>
+        </p:txBody>
+      </p:sp>
+    </p:spTree>
+    <p:extLst>
+      <p:ext uri="{BB962C8B-B14F-4D97-AF65-F5344CB8AC3E}">
+        <p14:creationId xmlns:p14="http://schemas.microsoft.com/office/powerpoint/2010/main" val="403220744"/>
+      </p:ext>
+    </p:extLst>
+  </p:cSld>
+  <p:clrMapOvr>
+    <a:masterClrMapping/>
+  </p:clrMapOvr>
+</p:notes>
+</file>
+
+<file path=ppt/notesSlides/notesSlide4.xml><?xml version="1.0" encoding="utf-8"?>
+<p:notes xmlns:a="http://schemas.openxmlformats.org/drawingml/2006/main" xmlns:r="http://schemas.openxmlformats.org/officeDocument/2006/relationships" xmlns:p="http://schemas.openxmlformats.org/presentationml/2006/main">
+  <p:cSld>
+    <p:spTree>
+      <p:nvGrpSpPr>
+        <p:cNvPr id="1" name=""/>
+        <p:cNvGrpSpPr/>
+        <p:nvPr/>
+      </p:nvGrpSpPr>
+      <p:grpSpPr>
+        <a:xfrm>
+          <a:off x="0" y="0"/>
+          <a:ext cx="0" cy="0"/>
+          <a:chOff x="0" y="0"/>
+          <a:chExt cx="0" cy="0"/>
+        </a:xfrm>
+      </p:grpSpPr>
+      <p:sp>
+        <p:nvSpPr>
+          <p:cNvPr id="2" name="投影片圖像版面配置區 1"/>
+          <p:cNvSpPr>
+            <a:spLocks noGrp="1" noRot="1" noChangeAspect="1"/>
+          </p:cNvSpPr>
+          <p:nvPr>
+            <p:ph type="sldImg"/>
+          </p:nvPr>
+        </p:nvSpPr>
+        <p:spPr/>
+      </p:sp>
+      <p:sp>
+        <p:nvSpPr>
+          <p:cNvPr id="3" name="備忘稿版面配置區 2"/>
+          <p:cNvSpPr>
+            <a:spLocks noGrp="1"/>
+          </p:cNvSpPr>
+          <p:nvPr>
+            <p:ph type="body" idx="1"/>
+          </p:nvPr>
+        </p:nvSpPr>
+        <p:spPr/>
+        <p:txBody>
+          <a:bodyPr/>
+          <a:lstStyle/>
+          <a:p>
+            <a:r>
+              <a:rPr lang="en-US" altLang="zh-TW" dirty="0" smtClean="0"/>
+              <a:t>while [ 1 ] ; do date ; </a:t>
+            </a:r>
+            <a:r>
+              <a:rPr lang="en-US" altLang="zh-TW" dirty="0" err="1" smtClean="0"/>
+              <a:t>kubectl</a:t>
+            </a:r>
+            <a:r>
+              <a:rPr lang="en-US" altLang="zh-TW" dirty="0" smtClean="0"/>
+              <a:t> get </a:t>
+            </a:r>
+            <a:r>
+              <a:rPr lang="en-US" altLang="zh-TW" dirty="0" err="1" smtClean="0"/>
+              <a:t>po</a:t>
+            </a:r>
+            <a:r>
+              <a:rPr lang="en-US" altLang="zh-TW" dirty="0" smtClean="0"/>
+              <a:t> -o=wide ; sleep 1 ;done</a:t>
+            </a:r>
             <a:endParaRPr lang="zh-TW" altLang="en-US" dirty="0"/>
           </a:p>
         </p:txBody>
@@ -7698,7 +7802,7 @@
           <p:cNvPr id="6" name="圖片 5">
             <a:extLst>
               <a:ext uri="{FF2B5EF4-FFF2-40B4-BE49-F238E27FC236}">
-                <a16:creationId xmlns:a16="http://schemas.microsoft.com/office/drawing/2014/main" xmlns="" id="{0B24D321-A327-C44B-A779-EE6E5A072899}"/>
+                <a16:creationId xmlns="" xmlns:a16="http://schemas.microsoft.com/office/drawing/2014/main" id="{0B24D321-A327-C44B-A779-EE6E5A072899}"/>
               </a:ext>
             </a:extLst>
           </p:cNvPr>
@@ -7847,7 +7951,7 @@
           <p:cNvPr id="2" name="標題 1">
             <a:extLst>
               <a:ext uri="{FF2B5EF4-FFF2-40B4-BE49-F238E27FC236}">
-                <a16:creationId xmlns:a16="http://schemas.microsoft.com/office/drawing/2014/main" xmlns="" id="{89FB95CD-9C91-4C40-8001-6AAC98B4919E}"/>
+                <a16:creationId xmlns="" xmlns:a16="http://schemas.microsoft.com/office/drawing/2014/main" id="{89FB95CD-9C91-4C40-8001-6AAC98B4919E}"/>
               </a:ext>
             </a:extLst>
           </p:cNvPr>
@@ -7881,7 +7985,7 @@
           <p:cNvPr id="5" name="文字方塊 4">
             <a:extLst>
               <a:ext uri="{FF2B5EF4-FFF2-40B4-BE49-F238E27FC236}">
-                <a16:creationId xmlns:a16="http://schemas.microsoft.com/office/drawing/2014/main" xmlns="" id="{E2B79271-3744-3944-ADC3-659FB2815AD7}"/>
+                <a16:creationId xmlns="" xmlns:a16="http://schemas.microsoft.com/office/drawing/2014/main" id="{E2B79271-3744-3944-ADC3-659FB2815AD7}"/>
               </a:ext>
             </a:extLst>
           </p:cNvPr>
@@ -7956,7 +8060,7 @@
           <p:cNvPr id="13" name="圖片 12">
             <a:extLst>
               <a:ext uri="{FF2B5EF4-FFF2-40B4-BE49-F238E27FC236}">
-                <a16:creationId xmlns:a16="http://schemas.microsoft.com/office/drawing/2014/main" xmlns="" id="{96151A42-38D1-9046-BDED-F46EE36FD687}"/>
+                <a16:creationId xmlns="" xmlns:a16="http://schemas.microsoft.com/office/drawing/2014/main" id="{96151A42-38D1-9046-BDED-F46EE36FD687}"/>
               </a:ext>
             </a:extLst>
           </p:cNvPr>
@@ -8022,7 +8126,7 @@
           <p:cNvPr id="4" name="文字方塊 3">
             <a:extLst>
               <a:ext uri="{FF2B5EF4-FFF2-40B4-BE49-F238E27FC236}">
-                <a16:creationId xmlns:a16="http://schemas.microsoft.com/office/drawing/2014/main" xmlns="" id="{40CD8581-5926-FD4F-A874-11AB29851CCC}"/>
+                <a16:creationId xmlns="" xmlns:a16="http://schemas.microsoft.com/office/drawing/2014/main" id="{40CD8581-5926-FD4F-A874-11AB29851CCC}"/>
               </a:ext>
             </a:extLst>
           </p:cNvPr>
@@ -8057,7 +8161,7 @@
           <p:cNvPr id="10" name="圖片 9">
             <a:extLst>
               <a:ext uri="{FF2B5EF4-FFF2-40B4-BE49-F238E27FC236}">
-                <a16:creationId xmlns:a16="http://schemas.microsoft.com/office/drawing/2014/main" xmlns="" id="{FF29CB5E-D3D2-4643-A75F-8BA37886D108}"/>
+                <a16:creationId xmlns="" xmlns:a16="http://schemas.microsoft.com/office/drawing/2014/main" id="{FF29CB5E-D3D2-4643-A75F-8BA37886D108}"/>
               </a:ext>
             </a:extLst>
           </p:cNvPr>
@@ -8153,7 +8257,7 @@
           <p:cNvPr id="3" name="圖片 2">
             <a:extLst>
               <a:ext uri="{FF2B5EF4-FFF2-40B4-BE49-F238E27FC236}">
-                <a16:creationId xmlns:a16="http://schemas.microsoft.com/office/drawing/2014/main" xmlns="" id="{1DA3DBE8-96D9-FC44-9C7D-6B1996FF5014}"/>
+                <a16:creationId xmlns="" xmlns:a16="http://schemas.microsoft.com/office/drawing/2014/main" id="{1DA3DBE8-96D9-FC44-9C7D-6B1996FF5014}"/>
               </a:ext>
             </a:extLst>
           </p:cNvPr>
@@ -8273,7 +8377,7 @@
           <p:cNvPr id="4" name="笑臉 3">
             <a:extLst>
               <a:ext uri="{FF2B5EF4-FFF2-40B4-BE49-F238E27FC236}">
-                <a16:creationId xmlns:a16="http://schemas.microsoft.com/office/drawing/2014/main" xmlns="" id="{80C34FE5-711F-0344-A713-7D51944F1248}"/>
+                <a16:creationId xmlns="" xmlns:a16="http://schemas.microsoft.com/office/drawing/2014/main" id="{80C34FE5-711F-0344-A713-7D51944F1248}"/>
               </a:ext>
             </a:extLst>
           </p:cNvPr>
@@ -8319,7 +8423,7 @@
           <p:cNvPr id="6" name="直線箭頭接點 5">
             <a:extLst>
               <a:ext uri="{FF2B5EF4-FFF2-40B4-BE49-F238E27FC236}">
-                <a16:creationId xmlns:a16="http://schemas.microsoft.com/office/drawing/2014/main" xmlns="" id="{2BE7896B-75E4-D843-AA42-E144987E47C9}"/>
+                <a16:creationId xmlns="" xmlns:a16="http://schemas.microsoft.com/office/drawing/2014/main" id="{2BE7896B-75E4-D843-AA42-E144987E47C9}"/>
               </a:ext>
             </a:extLst>
           </p:cNvPr>
@@ -8360,7 +8464,7 @@
           <p:cNvPr id="7" name="矩形 6">
             <a:extLst>
               <a:ext uri="{FF2B5EF4-FFF2-40B4-BE49-F238E27FC236}">
-                <a16:creationId xmlns:a16="http://schemas.microsoft.com/office/drawing/2014/main" xmlns="" id="{74DAB3BD-EDDB-4841-8791-1941748A1172}"/>
+                <a16:creationId xmlns="" xmlns:a16="http://schemas.microsoft.com/office/drawing/2014/main" id="{74DAB3BD-EDDB-4841-8791-1941748A1172}"/>
               </a:ext>
             </a:extLst>
           </p:cNvPr>
@@ -8407,7 +8511,7 @@
           <p:cNvPr id="8" name="文字方塊 7">
             <a:extLst>
               <a:ext uri="{FF2B5EF4-FFF2-40B4-BE49-F238E27FC236}">
-                <a16:creationId xmlns:a16="http://schemas.microsoft.com/office/drawing/2014/main" xmlns="" id="{FC9E9EE4-D925-0844-A350-C7162167759E}"/>
+                <a16:creationId xmlns="" xmlns:a16="http://schemas.microsoft.com/office/drawing/2014/main" id="{FC9E9EE4-D925-0844-A350-C7162167759E}"/>
               </a:ext>
             </a:extLst>
           </p:cNvPr>
@@ -8443,7 +8547,7 @@
           <p:cNvPr id="10" name="直線箭頭接點 9">
             <a:extLst>
               <a:ext uri="{FF2B5EF4-FFF2-40B4-BE49-F238E27FC236}">
-                <a16:creationId xmlns:a16="http://schemas.microsoft.com/office/drawing/2014/main" xmlns="" id="{01C063C7-1412-D74E-A91B-35ED776CD007}"/>
+                <a16:creationId xmlns="" xmlns:a16="http://schemas.microsoft.com/office/drawing/2014/main" id="{01C063C7-1412-D74E-A91B-35ED776CD007}"/>
               </a:ext>
             </a:extLst>
           </p:cNvPr>
@@ -8482,7 +8586,7 @@
           <p:cNvPr id="12" name="直線箭頭接點 11">
             <a:extLst>
               <a:ext uri="{FF2B5EF4-FFF2-40B4-BE49-F238E27FC236}">
-                <a16:creationId xmlns:a16="http://schemas.microsoft.com/office/drawing/2014/main" xmlns="" id="{8C190B4A-0998-C94E-A3A1-66187395DC11}"/>
+                <a16:creationId xmlns="" xmlns:a16="http://schemas.microsoft.com/office/drawing/2014/main" id="{8C190B4A-0998-C94E-A3A1-66187395DC11}"/>
               </a:ext>
             </a:extLst>
           </p:cNvPr>
@@ -8521,7 +8625,7 @@
           <p:cNvPr id="13" name="矩形 12">
             <a:extLst>
               <a:ext uri="{FF2B5EF4-FFF2-40B4-BE49-F238E27FC236}">
-                <a16:creationId xmlns:a16="http://schemas.microsoft.com/office/drawing/2014/main" xmlns="" id="{664BF20D-D06C-4D4E-90A1-D4376B000D5B}"/>
+                <a16:creationId xmlns="" xmlns:a16="http://schemas.microsoft.com/office/drawing/2014/main" id="{664BF20D-D06C-4D4E-90A1-D4376B000D5B}"/>
               </a:ext>
             </a:extLst>
           </p:cNvPr>
@@ -8568,7 +8672,7 @@
           <p:cNvPr id="14" name="矩形 13">
             <a:extLst>
               <a:ext uri="{FF2B5EF4-FFF2-40B4-BE49-F238E27FC236}">
-                <a16:creationId xmlns:a16="http://schemas.microsoft.com/office/drawing/2014/main" xmlns="" id="{CD47D824-0011-3241-A24B-98C435B9093C}"/>
+                <a16:creationId xmlns="" xmlns:a16="http://schemas.microsoft.com/office/drawing/2014/main" id="{CD47D824-0011-3241-A24B-98C435B9093C}"/>
               </a:ext>
             </a:extLst>
           </p:cNvPr>
@@ -8615,7 +8719,7 @@
           <p:cNvPr id="15" name="文字方塊 14">
             <a:extLst>
               <a:ext uri="{FF2B5EF4-FFF2-40B4-BE49-F238E27FC236}">
-                <a16:creationId xmlns:a16="http://schemas.microsoft.com/office/drawing/2014/main" xmlns="" id="{0ED82988-8AA6-5848-82E7-8EDA2A55BD36}"/>
+                <a16:creationId xmlns="" xmlns:a16="http://schemas.microsoft.com/office/drawing/2014/main" id="{0ED82988-8AA6-5848-82E7-8EDA2A55BD36}"/>
               </a:ext>
             </a:extLst>
           </p:cNvPr>
@@ -8655,7 +8759,7 @@
           <p:cNvPr id="16" name="文字方塊 15">
             <a:extLst>
               <a:ext uri="{FF2B5EF4-FFF2-40B4-BE49-F238E27FC236}">
-                <a16:creationId xmlns:a16="http://schemas.microsoft.com/office/drawing/2014/main" xmlns="" id="{46164468-A078-8E45-B6F1-E05642451F6E}"/>
+                <a16:creationId xmlns="" xmlns:a16="http://schemas.microsoft.com/office/drawing/2014/main" id="{46164468-A078-8E45-B6F1-E05642451F6E}"/>
               </a:ext>
             </a:extLst>
           </p:cNvPr>
@@ -8691,7 +8795,7 @@
           <p:cNvPr id="17" name="左大括弧 16">
             <a:extLst>
               <a:ext uri="{FF2B5EF4-FFF2-40B4-BE49-F238E27FC236}">
-                <a16:creationId xmlns:a16="http://schemas.microsoft.com/office/drawing/2014/main" xmlns="" id="{BF68E59B-01D9-2643-8E3D-CC597C02ED4F}"/>
+                <a16:creationId xmlns="" xmlns:a16="http://schemas.microsoft.com/office/drawing/2014/main" id="{BF68E59B-01D9-2643-8E3D-CC597C02ED4F}"/>
               </a:ext>
             </a:extLst>
           </p:cNvPr>
@@ -8735,7 +8839,7 @@
           <p:cNvPr id="18" name="左大括弧 17">
             <a:extLst>
               <a:ext uri="{FF2B5EF4-FFF2-40B4-BE49-F238E27FC236}">
-                <a16:creationId xmlns:a16="http://schemas.microsoft.com/office/drawing/2014/main" xmlns="" id="{BE45018D-EFA0-1345-81A5-B997F75DFA0C}"/>
+                <a16:creationId xmlns="" xmlns:a16="http://schemas.microsoft.com/office/drawing/2014/main" id="{BE45018D-EFA0-1345-81A5-B997F75DFA0C}"/>
               </a:ext>
             </a:extLst>
           </p:cNvPr>
@@ -8779,7 +8883,7 @@
           <p:cNvPr id="19" name="六邊形 18">
             <a:extLst>
               <a:ext uri="{FF2B5EF4-FFF2-40B4-BE49-F238E27FC236}">
-                <a16:creationId xmlns:a16="http://schemas.microsoft.com/office/drawing/2014/main" xmlns="" id="{E5C69D22-7EDA-4A46-A988-9E6CC4F36143}"/>
+                <a16:creationId xmlns="" xmlns:a16="http://schemas.microsoft.com/office/drawing/2014/main" id="{E5C69D22-7EDA-4A46-A988-9E6CC4F36143}"/>
               </a:ext>
             </a:extLst>
           </p:cNvPr>
@@ -8829,7 +8933,7 @@
           <p:cNvPr id="20" name="文字方塊 19">
             <a:extLst>
               <a:ext uri="{FF2B5EF4-FFF2-40B4-BE49-F238E27FC236}">
-                <a16:creationId xmlns:a16="http://schemas.microsoft.com/office/drawing/2014/main" xmlns="" id="{CE93DC22-FB92-0440-9623-0A1B66B9D253}"/>
+                <a16:creationId xmlns="" xmlns:a16="http://schemas.microsoft.com/office/drawing/2014/main" id="{CE93DC22-FB92-0440-9623-0A1B66B9D253}"/>
               </a:ext>
             </a:extLst>
           </p:cNvPr>
@@ -8871,7 +8975,7 @@
           <p:cNvPr id="21" name="六邊形 20">
             <a:extLst>
               <a:ext uri="{FF2B5EF4-FFF2-40B4-BE49-F238E27FC236}">
-                <a16:creationId xmlns:a16="http://schemas.microsoft.com/office/drawing/2014/main" xmlns="" id="{98E66B29-6045-364B-BE05-907BF3280E79}"/>
+                <a16:creationId xmlns="" xmlns:a16="http://schemas.microsoft.com/office/drawing/2014/main" id="{98E66B29-6045-364B-BE05-907BF3280E79}"/>
               </a:ext>
             </a:extLst>
           </p:cNvPr>
@@ -8918,7 +9022,7 @@
           <p:cNvPr id="22" name="文字方塊 21">
             <a:extLst>
               <a:ext uri="{FF2B5EF4-FFF2-40B4-BE49-F238E27FC236}">
-                <a16:creationId xmlns:a16="http://schemas.microsoft.com/office/drawing/2014/main" xmlns="" id="{A938AD73-6E95-8648-BC38-13488AD29E22}"/>
+                <a16:creationId xmlns="" xmlns:a16="http://schemas.microsoft.com/office/drawing/2014/main" id="{A938AD73-6E95-8648-BC38-13488AD29E22}"/>
               </a:ext>
             </a:extLst>
           </p:cNvPr>
@@ -8960,7 +9064,7 @@
           <p:cNvPr id="23" name="六邊形 22">
             <a:extLst>
               <a:ext uri="{FF2B5EF4-FFF2-40B4-BE49-F238E27FC236}">
-                <a16:creationId xmlns:a16="http://schemas.microsoft.com/office/drawing/2014/main" xmlns="" id="{174AB4F4-CE44-C541-9BA6-7CEA2185AF32}"/>
+                <a16:creationId xmlns="" xmlns:a16="http://schemas.microsoft.com/office/drawing/2014/main" id="{174AB4F4-CE44-C541-9BA6-7CEA2185AF32}"/>
               </a:ext>
             </a:extLst>
           </p:cNvPr>
@@ -9007,7 +9111,7 @@
           <p:cNvPr id="24" name="文字方塊 23">
             <a:extLst>
               <a:ext uri="{FF2B5EF4-FFF2-40B4-BE49-F238E27FC236}">
-                <a16:creationId xmlns:a16="http://schemas.microsoft.com/office/drawing/2014/main" xmlns="" id="{AC5B83EE-3ECB-0440-8469-BA3FBBD7586D}"/>
+                <a16:creationId xmlns="" xmlns:a16="http://schemas.microsoft.com/office/drawing/2014/main" id="{AC5B83EE-3ECB-0440-8469-BA3FBBD7586D}"/>
               </a:ext>
             </a:extLst>
           </p:cNvPr>
@@ -9049,7 +9153,7 @@
           <p:cNvPr id="25" name="六邊形 24">
             <a:extLst>
               <a:ext uri="{FF2B5EF4-FFF2-40B4-BE49-F238E27FC236}">
-                <a16:creationId xmlns:a16="http://schemas.microsoft.com/office/drawing/2014/main" xmlns="" id="{11F31CC6-06AB-D94F-BB53-19AD36A84218}"/>
+                <a16:creationId xmlns="" xmlns:a16="http://schemas.microsoft.com/office/drawing/2014/main" id="{11F31CC6-06AB-D94F-BB53-19AD36A84218}"/>
               </a:ext>
             </a:extLst>
           </p:cNvPr>
@@ -9099,7 +9203,7 @@
           <p:cNvPr id="26" name="文字方塊 25">
             <a:extLst>
               <a:ext uri="{FF2B5EF4-FFF2-40B4-BE49-F238E27FC236}">
-                <a16:creationId xmlns:a16="http://schemas.microsoft.com/office/drawing/2014/main" xmlns="" id="{38260B57-EDC6-9342-8DCF-A9F8C26C551C}"/>
+                <a16:creationId xmlns="" xmlns:a16="http://schemas.microsoft.com/office/drawing/2014/main" id="{38260B57-EDC6-9342-8DCF-A9F8C26C551C}"/>
               </a:ext>
             </a:extLst>
           </p:cNvPr>
@@ -9141,7 +9245,7 @@
           <p:cNvPr id="27" name="六邊形 26">
             <a:extLst>
               <a:ext uri="{FF2B5EF4-FFF2-40B4-BE49-F238E27FC236}">
-                <a16:creationId xmlns:a16="http://schemas.microsoft.com/office/drawing/2014/main" xmlns="" id="{ACB7F899-1F8A-884C-9B5C-D4C068E60CC0}"/>
+                <a16:creationId xmlns="" xmlns:a16="http://schemas.microsoft.com/office/drawing/2014/main" id="{ACB7F899-1F8A-884C-9B5C-D4C068E60CC0}"/>
               </a:ext>
             </a:extLst>
           </p:cNvPr>
@@ -9188,7 +9292,7 @@
           <p:cNvPr id="28" name="文字方塊 27">
             <a:extLst>
               <a:ext uri="{FF2B5EF4-FFF2-40B4-BE49-F238E27FC236}">
-                <a16:creationId xmlns:a16="http://schemas.microsoft.com/office/drawing/2014/main" xmlns="" id="{30D32E5C-DC83-E841-8FFB-236371414936}"/>
+                <a16:creationId xmlns="" xmlns:a16="http://schemas.microsoft.com/office/drawing/2014/main" id="{30D32E5C-DC83-E841-8FFB-236371414936}"/>
               </a:ext>
             </a:extLst>
           </p:cNvPr>
@@ -9230,7 +9334,7 @@
           <p:cNvPr id="29" name="六邊形 28">
             <a:extLst>
               <a:ext uri="{FF2B5EF4-FFF2-40B4-BE49-F238E27FC236}">
-                <a16:creationId xmlns:a16="http://schemas.microsoft.com/office/drawing/2014/main" xmlns="" id="{8716ACA2-528A-6D48-8188-D53E95478064}"/>
+                <a16:creationId xmlns="" xmlns:a16="http://schemas.microsoft.com/office/drawing/2014/main" id="{8716ACA2-528A-6D48-8188-D53E95478064}"/>
               </a:ext>
             </a:extLst>
           </p:cNvPr>
@@ -9277,7 +9381,7 @@
           <p:cNvPr id="30" name="文字方塊 29">
             <a:extLst>
               <a:ext uri="{FF2B5EF4-FFF2-40B4-BE49-F238E27FC236}">
-                <a16:creationId xmlns:a16="http://schemas.microsoft.com/office/drawing/2014/main" xmlns="" id="{A81063CB-75C6-A240-95BC-29402DDB16AB}"/>
+                <a16:creationId xmlns="" xmlns:a16="http://schemas.microsoft.com/office/drawing/2014/main" id="{A81063CB-75C6-A240-95BC-29402DDB16AB}"/>
               </a:ext>
             </a:extLst>
           </p:cNvPr>
@@ -9319,7 +9423,7 @@
           <p:cNvPr id="31" name="文字方塊 30">
             <a:extLst>
               <a:ext uri="{FF2B5EF4-FFF2-40B4-BE49-F238E27FC236}">
-                <a16:creationId xmlns:a16="http://schemas.microsoft.com/office/drawing/2014/main" xmlns="" id="{F23F974B-F3B2-2E43-9DF8-7C6AAA1BA2FB}"/>
+                <a16:creationId xmlns="" xmlns:a16="http://schemas.microsoft.com/office/drawing/2014/main" id="{F23F974B-F3B2-2E43-9DF8-7C6AAA1BA2FB}"/>
               </a:ext>
             </a:extLst>
           </p:cNvPr>
@@ -9355,7 +9459,7 @@
           <p:cNvPr id="32" name="文字方塊 31">
             <a:extLst>
               <a:ext uri="{FF2B5EF4-FFF2-40B4-BE49-F238E27FC236}">
-                <a16:creationId xmlns:a16="http://schemas.microsoft.com/office/drawing/2014/main" xmlns="" id="{E0B7A482-B0C2-404E-89F4-A5B95C6884E9}"/>
+                <a16:creationId xmlns="" xmlns:a16="http://schemas.microsoft.com/office/drawing/2014/main" id="{E0B7A482-B0C2-404E-89F4-A5B95C6884E9}"/>
               </a:ext>
             </a:extLst>
           </p:cNvPr>
@@ -9391,7 +9495,7 @@
           <p:cNvPr id="34" name="文字方塊 33">
             <a:extLst>
               <a:ext uri="{FF2B5EF4-FFF2-40B4-BE49-F238E27FC236}">
-                <a16:creationId xmlns:a16="http://schemas.microsoft.com/office/drawing/2014/main" xmlns="" id="{F3CFC4EA-F298-8740-B117-4DA8C3B035B9}"/>
+                <a16:creationId xmlns="" xmlns:a16="http://schemas.microsoft.com/office/drawing/2014/main" id="{F3CFC4EA-F298-8740-B117-4DA8C3B035B9}"/>
               </a:ext>
             </a:extLst>
           </p:cNvPr>
@@ -9427,7 +9531,7 @@
           <p:cNvPr id="35" name="文字方塊 34">
             <a:extLst>
               <a:ext uri="{FF2B5EF4-FFF2-40B4-BE49-F238E27FC236}">
-                <a16:creationId xmlns:a16="http://schemas.microsoft.com/office/drawing/2014/main" xmlns="" id="{EDA7D760-7E4A-F34A-938B-C0DF065F1346}"/>
+                <a16:creationId xmlns="" xmlns:a16="http://schemas.microsoft.com/office/drawing/2014/main" id="{EDA7D760-7E4A-F34A-938B-C0DF065F1346}"/>
               </a:ext>
             </a:extLst>
           </p:cNvPr>
@@ -9462,7 +9566,7 @@
           <p:cNvPr id="36" name="文字方塊 35">
             <a:extLst>
               <a:ext uri="{FF2B5EF4-FFF2-40B4-BE49-F238E27FC236}">
-                <a16:creationId xmlns:a16="http://schemas.microsoft.com/office/drawing/2014/main" xmlns="" id="{C2517A6D-6B4F-9246-92BB-1C0580A31F2F}"/>
+                <a16:creationId xmlns="" xmlns:a16="http://schemas.microsoft.com/office/drawing/2014/main" id="{C2517A6D-6B4F-9246-92BB-1C0580A31F2F}"/>
               </a:ext>
             </a:extLst>
           </p:cNvPr>
@@ -9497,7 +9601,7 @@
           <p:cNvPr id="37" name="文字方塊 36">
             <a:extLst>
               <a:ext uri="{FF2B5EF4-FFF2-40B4-BE49-F238E27FC236}">
-                <a16:creationId xmlns:a16="http://schemas.microsoft.com/office/drawing/2014/main" xmlns="" id="{929BF134-FDFA-8549-B91E-8EDC1007C23D}"/>
+                <a16:creationId xmlns="" xmlns:a16="http://schemas.microsoft.com/office/drawing/2014/main" id="{929BF134-FDFA-8549-B91E-8EDC1007C23D}"/>
               </a:ext>
             </a:extLst>
           </p:cNvPr>
@@ -9562,7 +9666,7 @@
           <p:cNvPr id="4" name="笑臉 3">
             <a:extLst>
               <a:ext uri="{FF2B5EF4-FFF2-40B4-BE49-F238E27FC236}">
-                <a16:creationId xmlns:a16="http://schemas.microsoft.com/office/drawing/2014/main" xmlns="" id="{77E6E4F5-E13F-9049-9F46-4CB5DD2E6791}"/>
+                <a16:creationId xmlns="" xmlns:a16="http://schemas.microsoft.com/office/drawing/2014/main" id="{77E6E4F5-E13F-9049-9F46-4CB5DD2E6791}"/>
               </a:ext>
             </a:extLst>
           </p:cNvPr>
@@ -9608,7 +9712,7 @@
           <p:cNvPr id="5" name="直線箭頭接點 4">
             <a:extLst>
               <a:ext uri="{FF2B5EF4-FFF2-40B4-BE49-F238E27FC236}">
-                <a16:creationId xmlns:a16="http://schemas.microsoft.com/office/drawing/2014/main" xmlns="" id="{91DAD5BA-6CE4-B946-B1DD-D3BC025CF88E}"/>
+                <a16:creationId xmlns="" xmlns:a16="http://schemas.microsoft.com/office/drawing/2014/main" id="{91DAD5BA-6CE4-B946-B1DD-D3BC025CF88E}"/>
               </a:ext>
             </a:extLst>
           </p:cNvPr>
@@ -9649,7 +9753,7 @@
           <p:cNvPr id="6" name="矩形 5">
             <a:extLst>
               <a:ext uri="{FF2B5EF4-FFF2-40B4-BE49-F238E27FC236}">
-                <a16:creationId xmlns:a16="http://schemas.microsoft.com/office/drawing/2014/main" xmlns="" id="{29C13254-853B-7941-AAAC-189BDB9086F5}"/>
+                <a16:creationId xmlns="" xmlns:a16="http://schemas.microsoft.com/office/drawing/2014/main" id="{29C13254-853B-7941-AAAC-189BDB9086F5}"/>
               </a:ext>
             </a:extLst>
           </p:cNvPr>
@@ -9696,7 +9800,7 @@
           <p:cNvPr id="7" name="文字方塊 6">
             <a:extLst>
               <a:ext uri="{FF2B5EF4-FFF2-40B4-BE49-F238E27FC236}">
-                <a16:creationId xmlns:a16="http://schemas.microsoft.com/office/drawing/2014/main" xmlns="" id="{D7CAE79E-AC06-0441-ABB5-BB56B2B6DD31}"/>
+                <a16:creationId xmlns="" xmlns:a16="http://schemas.microsoft.com/office/drawing/2014/main" id="{D7CAE79E-AC06-0441-ABB5-BB56B2B6DD31}"/>
               </a:ext>
             </a:extLst>
           </p:cNvPr>
@@ -9732,7 +9836,7 @@
           <p:cNvPr id="9" name="直線箭頭接點 8">
             <a:extLst>
               <a:ext uri="{FF2B5EF4-FFF2-40B4-BE49-F238E27FC236}">
-                <a16:creationId xmlns:a16="http://schemas.microsoft.com/office/drawing/2014/main" xmlns="" id="{BB3E4AA5-410E-CF4D-8A30-42B8C15394AD}"/>
+                <a16:creationId xmlns="" xmlns:a16="http://schemas.microsoft.com/office/drawing/2014/main" id="{BB3E4AA5-410E-CF4D-8A30-42B8C15394AD}"/>
               </a:ext>
             </a:extLst>
           </p:cNvPr>
@@ -9771,7 +9875,7 @@
           <p:cNvPr id="10" name="矩形 9">
             <a:extLst>
               <a:ext uri="{FF2B5EF4-FFF2-40B4-BE49-F238E27FC236}">
-                <a16:creationId xmlns:a16="http://schemas.microsoft.com/office/drawing/2014/main" xmlns="" id="{74C39C4D-E170-0343-8C30-397B79F5AB25}"/>
+                <a16:creationId xmlns="" xmlns:a16="http://schemas.microsoft.com/office/drawing/2014/main" id="{74C39C4D-E170-0343-8C30-397B79F5AB25}"/>
               </a:ext>
             </a:extLst>
           </p:cNvPr>
@@ -9818,7 +9922,7 @@
           <p:cNvPr id="11" name="矩形 10">
             <a:extLst>
               <a:ext uri="{FF2B5EF4-FFF2-40B4-BE49-F238E27FC236}">
-                <a16:creationId xmlns:a16="http://schemas.microsoft.com/office/drawing/2014/main" xmlns="" id="{AA98815E-2C15-724F-9BFC-354FE8971F2B}"/>
+                <a16:creationId xmlns="" xmlns:a16="http://schemas.microsoft.com/office/drawing/2014/main" id="{AA98815E-2C15-724F-9BFC-354FE8971F2B}"/>
               </a:ext>
             </a:extLst>
           </p:cNvPr>
@@ -9865,7 +9969,7 @@
           <p:cNvPr id="12" name="文字方塊 11">
             <a:extLst>
               <a:ext uri="{FF2B5EF4-FFF2-40B4-BE49-F238E27FC236}">
-                <a16:creationId xmlns:a16="http://schemas.microsoft.com/office/drawing/2014/main" xmlns="" id="{F1202207-94C3-574A-B74C-FEF2B8F91069}"/>
+                <a16:creationId xmlns="" xmlns:a16="http://schemas.microsoft.com/office/drawing/2014/main" id="{F1202207-94C3-574A-B74C-FEF2B8F91069}"/>
               </a:ext>
             </a:extLst>
           </p:cNvPr>
@@ -9905,7 +10009,7 @@
           <p:cNvPr id="13" name="文字方塊 12">
             <a:extLst>
               <a:ext uri="{FF2B5EF4-FFF2-40B4-BE49-F238E27FC236}">
-                <a16:creationId xmlns:a16="http://schemas.microsoft.com/office/drawing/2014/main" xmlns="" id="{0CAE4892-806F-694B-89AD-81ACB518709F}"/>
+                <a16:creationId xmlns="" xmlns:a16="http://schemas.microsoft.com/office/drawing/2014/main" id="{0CAE4892-806F-694B-89AD-81ACB518709F}"/>
               </a:ext>
             </a:extLst>
           </p:cNvPr>
@@ -9941,7 +10045,7 @@
           <p:cNvPr id="14" name="左大括弧 13">
             <a:extLst>
               <a:ext uri="{FF2B5EF4-FFF2-40B4-BE49-F238E27FC236}">
-                <a16:creationId xmlns:a16="http://schemas.microsoft.com/office/drawing/2014/main" xmlns="" id="{BA17A159-7696-0443-8744-6EDBF0D4EDDB}"/>
+                <a16:creationId xmlns="" xmlns:a16="http://schemas.microsoft.com/office/drawing/2014/main" id="{BA17A159-7696-0443-8744-6EDBF0D4EDDB}"/>
               </a:ext>
             </a:extLst>
           </p:cNvPr>
@@ -9985,7 +10089,7 @@
           <p:cNvPr id="15" name="左大括弧 14">
             <a:extLst>
               <a:ext uri="{FF2B5EF4-FFF2-40B4-BE49-F238E27FC236}">
-                <a16:creationId xmlns:a16="http://schemas.microsoft.com/office/drawing/2014/main" xmlns="" id="{ED7C6BB1-5E6F-3148-8C4F-14BA95169B48}"/>
+                <a16:creationId xmlns="" xmlns:a16="http://schemas.microsoft.com/office/drawing/2014/main" id="{ED7C6BB1-5E6F-3148-8C4F-14BA95169B48}"/>
               </a:ext>
             </a:extLst>
           </p:cNvPr>
@@ -10029,7 +10133,7 @@
           <p:cNvPr id="16" name="六邊形 15">
             <a:extLst>
               <a:ext uri="{FF2B5EF4-FFF2-40B4-BE49-F238E27FC236}">
-                <a16:creationId xmlns:a16="http://schemas.microsoft.com/office/drawing/2014/main" xmlns="" id="{3DAC59AB-93FA-5741-B965-C04C731D9187}"/>
+                <a16:creationId xmlns="" xmlns:a16="http://schemas.microsoft.com/office/drawing/2014/main" id="{3DAC59AB-93FA-5741-B965-C04C731D9187}"/>
               </a:ext>
             </a:extLst>
           </p:cNvPr>
@@ -10079,7 +10183,7 @@
           <p:cNvPr id="17" name="文字方塊 16">
             <a:extLst>
               <a:ext uri="{FF2B5EF4-FFF2-40B4-BE49-F238E27FC236}">
-                <a16:creationId xmlns:a16="http://schemas.microsoft.com/office/drawing/2014/main" xmlns="" id="{75AFBA2A-30E4-1642-937E-90235446622D}"/>
+                <a16:creationId xmlns="" xmlns:a16="http://schemas.microsoft.com/office/drawing/2014/main" id="{75AFBA2A-30E4-1642-937E-90235446622D}"/>
               </a:ext>
             </a:extLst>
           </p:cNvPr>
@@ -10121,7 +10225,7 @@
           <p:cNvPr id="18" name="六邊形 17">
             <a:extLst>
               <a:ext uri="{FF2B5EF4-FFF2-40B4-BE49-F238E27FC236}">
-                <a16:creationId xmlns:a16="http://schemas.microsoft.com/office/drawing/2014/main" xmlns="" id="{873DC776-F800-764E-B90C-AA51196E9FC2}"/>
+                <a16:creationId xmlns="" xmlns:a16="http://schemas.microsoft.com/office/drawing/2014/main" id="{873DC776-F800-764E-B90C-AA51196E9FC2}"/>
               </a:ext>
             </a:extLst>
           </p:cNvPr>
@@ -10168,7 +10272,7 @@
           <p:cNvPr id="19" name="文字方塊 18">
             <a:extLst>
               <a:ext uri="{FF2B5EF4-FFF2-40B4-BE49-F238E27FC236}">
-                <a16:creationId xmlns:a16="http://schemas.microsoft.com/office/drawing/2014/main" xmlns="" id="{5D131C84-56F4-9940-A3A7-886B5F6AFA14}"/>
+                <a16:creationId xmlns="" xmlns:a16="http://schemas.microsoft.com/office/drawing/2014/main" id="{5D131C84-56F4-9940-A3A7-886B5F6AFA14}"/>
               </a:ext>
             </a:extLst>
           </p:cNvPr>
@@ -10210,7 +10314,7 @@
           <p:cNvPr id="20" name="六邊形 19">
             <a:extLst>
               <a:ext uri="{FF2B5EF4-FFF2-40B4-BE49-F238E27FC236}">
-                <a16:creationId xmlns:a16="http://schemas.microsoft.com/office/drawing/2014/main" xmlns="" id="{9FA0004A-8951-6D4F-8516-4EE996F69258}"/>
+                <a16:creationId xmlns="" xmlns:a16="http://schemas.microsoft.com/office/drawing/2014/main" id="{9FA0004A-8951-6D4F-8516-4EE996F69258}"/>
               </a:ext>
             </a:extLst>
           </p:cNvPr>
@@ -10257,7 +10361,7 @@
           <p:cNvPr id="21" name="文字方塊 20">
             <a:extLst>
               <a:ext uri="{FF2B5EF4-FFF2-40B4-BE49-F238E27FC236}">
-                <a16:creationId xmlns:a16="http://schemas.microsoft.com/office/drawing/2014/main" xmlns="" id="{712FD4FF-77A9-1746-90B0-709A3602955B}"/>
+                <a16:creationId xmlns="" xmlns:a16="http://schemas.microsoft.com/office/drawing/2014/main" id="{712FD4FF-77A9-1746-90B0-709A3602955B}"/>
               </a:ext>
             </a:extLst>
           </p:cNvPr>
@@ -10299,7 +10403,7 @@
           <p:cNvPr id="22" name="六邊形 21">
             <a:extLst>
               <a:ext uri="{FF2B5EF4-FFF2-40B4-BE49-F238E27FC236}">
-                <a16:creationId xmlns:a16="http://schemas.microsoft.com/office/drawing/2014/main" xmlns="" id="{62B8A2B9-DF56-5244-929A-F6666F8837FB}"/>
+                <a16:creationId xmlns="" xmlns:a16="http://schemas.microsoft.com/office/drawing/2014/main" id="{62B8A2B9-DF56-5244-929A-F6666F8837FB}"/>
               </a:ext>
             </a:extLst>
           </p:cNvPr>
@@ -10349,7 +10453,7 @@
           <p:cNvPr id="23" name="文字方塊 22">
             <a:extLst>
               <a:ext uri="{FF2B5EF4-FFF2-40B4-BE49-F238E27FC236}">
-                <a16:creationId xmlns:a16="http://schemas.microsoft.com/office/drawing/2014/main" xmlns="" id="{EC4A2E33-537E-0D49-BF92-5129F7EFAC28}"/>
+                <a16:creationId xmlns="" xmlns:a16="http://schemas.microsoft.com/office/drawing/2014/main" id="{EC4A2E33-537E-0D49-BF92-5129F7EFAC28}"/>
               </a:ext>
             </a:extLst>
           </p:cNvPr>
@@ -10391,7 +10495,7 @@
           <p:cNvPr id="24" name="六邊形 23">
             <a:extLst>
               <a:ext uri="{FF2B5EF4-FFF2-40B4-BE49-F238E27FC236}">
-                <a16:creationId xmlns:a16="http://schemas.microsoft.com/office/drawing/2014/main" xmlns="" id="{270CFC5F-CE8F-D24A-BAAB-8FBFEF958DAE}"/>
+                <a16:creationId xmlns="" xmlns:a16="http://schemas.microsoft.com/office/drawing/2014/main" id="{270CFC5F-CE8F-D24A-BAAB-8FBFEF958DAE}"/>
               </a:ext>
             </a:extLst>
           </p:cNvPr>
@@ -10438,7 +10542,7 @@
           <p:cNvPr id="25" name="文字方塊 24">
             <a:extLst>
               <a:ext uri="{FF2B5EF4-FFF2-40B4-BE49-F238E27FC236}">
-                <a16:creationId xmlns:a16="http://schemas.microsoft.com/office/drawing/2014/main" xmlns="" id="{C3775697-8127-1442-B221-B55FA0556D7C}"/>
+                <a16:creationId xmlns="" xmlns:a16="http://schemas.microsoft.com/office/drawing/2014/main" id="{C3775697-8127-1442-B221-B55FA0556D7C}"/>
               </a:ext>
             </a:extLst>
           </p:cNvPr>
@@ -10480,7 +10584,7 @@
           <p:cNvPr id="26" name="六邊形 25">
             <a:extLst>
               <a:ext uri="{FF2B5EF4-FFF2-40B4-BE49-F238E27FC236}">
-                <a16:creationId xmlns:a16="http://schemas.microsoft.com/office/drawing/2014/main" xmlns="" id="{8EAD13B8-E0CC-2A4F-9347-7066D203310E}"/>
+                <a16:creationId xmlns="" xmlns:a16="http://schemas.microsoft.com/office/drawing/2014/main" id="{8EAD13B8-E0CC-2A4F-9347-7066D203310E}"/>
               </a:ext>
             </a:extLst>
           </p:cNvPr>
@@ -10527,7 +10631,7 @@
           <p:cNvPr id="27" name="文字方塊 26">
             <a:extLst>
               <a:ext uri="{FF2B5EF4-FFF2-40B4-BE49-F238E27FC236}">
-                <a16:creationId xmlns:a16="http://schemas.microsoft.com/office/drawing/2014/main" xmlns="" id="{CCE1DE24-30D3-394B-925D-7245C05231EB}"/>
+                <a16:creationId xmlns="" xmlns:a16="http://schemas.microsoft.com/office/drawing/2014/main" id="{CCE1DE24-30D3-394B-925D-7245C05231EB}"/>
               </a:ext>
             </a:extLst>
           </p:cNvPr>
@@ -10569,7 +10673,7 @@
           <p:cNvPr id="28" name="文字方塊 27">
             <a:extLst>
               <a:ext uri="{FF2B5EF4-FFF2-40B4-BE49-F238E27FC236}">
-                <a16:creationId xmlns:a16="http://schemas.microsoft.com/office/drawing/2014/main" xmlns="" id="{08826A9B-52E9-064D-A8A8-091358742F25}"/>
+                <a16:creationId xmlns="" xmlns:a16="http://schemas.microsoft.com/office/drawing/2014/main" id="{08826A9B-52E9-064D-A8A8-091358742F25}"/>
               </a:ext>
             </a:extLst>
           </p:cNvPr>
@@ -10605,7 +10709,7 @@
           <p:cNvPr id="29" name="文字方塊 28">
             <a:extLst>
               <a:ext uri="{FF2B5EF4-FFF2-40B4-BE49-F238E27FC236}">
-                <a16:creationId xmlns:a16="http://schemas.microsoft.com/office/drawing/2014/main" xmlns="" id="{48217CC9-1FF3-D445-844A-D0645C85068D}"/>
+                <a16:creationId xmlns="" xmlns:a16="http://schemas.microsoft.com/office/drawing/2014/main" id="{48217CC9-1FF3-D445-844A-D0645C85068D}"/>
               </a:ext>
             </a:extLst>
           </p:cNvPr>
@@ -10641,7 +10745,7 @@
           <p:cNvPr id="30" name="文字方塊 29">
             <a:extLst>
               <a:ext uri="{FF2B5EF4-FFF2-40B4-BE49-F238E27FC236}">
-                <a16:creationId xmlns:a16="http://schemas.microsoft.com/office/drawing/2014/main" xmlns="" id="{FA58162B-BC56-064F-AE76-47F56A977D4F}"/>
+                <a16:creationId xmlns="" xmlns:a16="http://schemas.microsoft.com/office/drawing/2014/main" id="{FA58162B-BC56-064F-AE76-47F56A977D4F}"/>
               </a:ext>
             </a:extLst>
           </p:cNvPr>
@@ -10677,7 +10781,7 @@
           <p:cNvPr id="31" name="文字方塊 30">
             <a:extLst>
               <a:ext uri="{FF2B5EF4-FFF2-40B4-BE49-F238E27FC236}">
-                <a16:creationId xmlns:a16="http://schemas.microsoft.com/office/drawing/2014/main" xmlns="" id="{34BFCD12-22C5-E044-A828-1E7A2F7A4540}"/>
+                <a16:creationId xmlns="" xmlns:a16="http://schemas.microsoft.com/office/drawing/2014/main" id="{34BFCD12-22C5-E044-A828-1E7A2F7A4540}"/>
               </a:ext>
             </a:extLst>
           </p:cNvPr>
@@ -10712,7 +10816,7 @@
           <p:cNvPr id="32" name="文字方塊 31">
             <a:extLst>
               <a:ext uri="{FF2B5EF4-FFF2-40B4-BE49-F238E27FC236}">
-                <a16:creationId xmlns:a16="http://schemas.microsoft.com/office/drawing/2014/main" xmlns="" id="{1578AE17-026B-4144-A7D9-D1B14F2A8EF4}"/>
+                <a16:creationId xmlns="" xmlns:a16="http://schemas.microsoft.com/office/drawing/2014/main" id="{1578AE17-026B-4144-A7D9-D1B14F2A8EF4}"/>
               </a:ext>
             </a:extLst>
           </p:cNvPr>
@@ -10747,7 +10851,7 @@
           <p:cNvPr id="34" name="直線箭頭接點 33">
             <a:extLst>
               <a:ext uri="{FF2B5EF4-FFF2-40B4-BE49-F238E27FC236}">
-                <a16:creationId xmlns:a16="http://schemas.microsoft.com/office/drawing/2014/main" xmlns="" id="{5F973175-AEAB-6B46-8366-588A2E0F8939}"/>
+                <a16:creationId xmlns="" xmlns:a16="http://schemas.microsoft.com/office/drawing/2014/main" id="{5F973175-AEAB-6B46-8366-588A2E0F8939}"/>
               </a:ext>
             </a:extLst>
           </p:cNvPr>
@@ -10816,7 +10920,7 @@
           <p:cNvPr id="4" name="笑臉 3">
             <a:extLst>
               <a:ext uri="{FF2B5EF4-FFF2-40B4-BE49-F238E27FC236}">
-                <a16:creationId xmlns:a16="http://schemas.microsoft.com/office/drawing/2014/main" xmlns="" id="{D2641DBC-D4FB-014F-BB37-690043DD77CD}"/>
+                <a16:creationId xmlns="" xmlns:a16="http://schemas.microsoft.com/office/drawing/2014/main" id="{D2641DBC-D4FB-014F-BB37-690043DD77CD}"/>
               </a:ext>
             </a:extLst>
           </p:cNvPr>
@@ -10862,7 +10966,7 @@
           <p:cNvPr id="5" name="直線箭頭接點 4">
             <a:extLst>
               <a:ext uri="{FF2B5EF4-FFF2-40B4-BE49-F238E27FC236}">
-                <a16:creationId xmlns:a16="http://schemas.microsoft.com/office/drawing/2014/main" xmlns="" id="{8AB4B1C2-F119-B642-B239-D3073BBAB028}"/>
+                <a16:creationId xmlns="" xmlns:a16="http://schemas.microsoft.com/office/drawing/2014/main" id="{8AB4B1C2-F119-B642-B239-D3073BBAB028}"/>
               </a:ext>
             </a:extLst>
           </p:cNvPr>
@@ -10903,7 +11007,7 @@
           <p:cNvPr id="6" name="矩形 5">
             <a:extLst>
               <a:ext uri="{FF2B5EF4-FFF2-40B4-BE49-F238E27FC236}">
-                <a16:creationId xmlns:a16="http://schemas.microsoft.com/office/drawing/2014/main" xmlns="" id="{91E5F4B9-CA6E-4146-B943-8391E89865DD}"/>
+                <a16:creationId xmlns="" xmlns:a16="http://schemas.microsoft.com/office/drawing/2014/main" id="{91E5F4B9-CA6E-4146-B943-8391E89865DD}"/>
               </a:ext>
             </a:extLst>
           </p:cNvPr>
@@ -10950,7 +11054,7 @@
           <p:cNvPr id="7" name="文字方塊 6">
             <a:extLst>
               <a:ext uri="{FF2B5EF4-FFF2-40B4-BE49-F238E27FC236}">
-                <a16:creationId xmlns:a16="http://schemas.microsoft.com/office/drawing/2014/main" xmlns="" id="{003CD390-9331-864E-A8F5-0E4D7415153E}"/>
+                <a16:creationId xmlns="" xmlns:a16="http://schemas.microsoft.com/office/drawing/2014/main" id="{003CD390-9331-864E-A8F5-0E4D7415153E}"/>
               </a:ext>
             </a:extLst>
           </p:cNvPr>
@@ -10986,7 +11090,7 @@
           <p:cNvPr id="9" name="矩形 8">
             <a:extLst>
               <a:ext uri="{FF2B5EF4-FFF2-40B4-BE49-F238E27FC236}">
-                <a16:creationId xmlns:a16="http://schemas.microsoft.com/office/drawing/2014/main" xmlns="" id="{61010977-0FCE-5049-8A19-0070844C6A12}"/>
+                <a16:creationId xmlns="" xmlns:a16="http://schemas.microsoft.com/office/drawing/2014/main" id="{61010977-0FCE-5049-8A19-0070844C6A12}"/>
               </a:ext>
             </a:extLst>
           </p:cNvPr>
@@ -11033,7 +11137,7 @@
           <p:cNvPr id="10" name="矩形 9">
             <a:extLst>
               <a:ext uri="{FF2B5EF4-FFF2-40B4-BE49-F238E27FC236}">
-                <a16:creationId xmlns:a16="http://schemas.microsoft.com/office/drawing/2014/main" xmlns="" id="{16B4DC94-EA26-2D41-924E-57792A4DD26E}"/>
+                <a16:creationId xmlns="" xmlns:a16="http://schemas.microsoft.com/office/drawing/2014/main" id="{16B4DC94-EA26-2D41-924E-57792A4DD26E}"/>
               </a:ext>
             </a:extLst>
           </p:cNvPr>
@@ -11080,7 +11184,7 @@
           <p:cNvPr id="11" name="文字方塊 10">
             <a:extLst>
               <a:ext uri="{FF2B5EF4-FFF2-40B4-BE49-F238E27FC236}">
-                <a16:creationId xmlns:a16="http://schemas.microsoft.com/office/drawing/2014/main" xmlns="" id="{4F3E78EF-6878-A049-93E9-715BEDA5B3E1}"/>
+                <a16:creationId xmlns="" xmlns:a16="http://schemas.microsoft.com/office/drawing/2014/main" id="{4F3E78EF-6878-A049-93E9-715BEDA5B3E1}"/>
               </a:ext>
             </a:extLst>
           </p:cNvPr>
@@ -11120,7 +11224,7 @@
           <p:cNvPr id="12" name="文字方塊 11">
             <a:extLst>
               <a:ext uri="{FF2B5EF4-FFF2-40B4-BE49-F238E27FC236}">
-                <a16:creationId xmlns:a16="http://schemas.microsoft.com/office/drawing/2014/main" xmlns="" id="{4EC9D08E-E760-0249-92C1-1E79814409C1}"/>
+                <a16:creationId xmlns="" xmlns:a16="http://schemas.microsoft.com/office/drawing/2014/main" id="{4EC9D08E-E760-0249-92C1-1E79814409C1}"/>
               </a:ext>
             </a:extLst>
           </p:cNvPr>
@@ -11156,7 +11260,7 @@
           <p:cNvPr id="13" name="左大括弧 12">
             <a:extLst>
               <a:ext uri="{FF2B5EF4-FFF2-40B4-BE49-F238E27FC236}">
-                <a16:creationId xmlns:a16="http://schemas.microsoft.com/office/drawing/2014/main" xmlns="" id="{50261929-30ED-8E46-8708-A5C165AAB9E7}"/>
+                <a16:creationId xmlns="" xmlns:a16="http://schemas.microsoft.com/office/drawing/2014/main" id="{50261929-30ED-8E46-8708-A5C165AAB9E7}"/>
               </a:ext>
             </a:extLst>
           </p:cNvPr>
@@ -11200,7 +11304,7 @@
           <p:cNvPr id="14" name="左大括弧 13">
             <a:extLst>
               <a:ext uri="{FF2B5EF4-FFF2-40B4-BE49-F238E27FC236}">
-                <a16:creationId xmlns:a16="http://schemas.microsoft.com/office/drawing/2014/main" xmlns="" id="{71169394-CECD-644A-B5D1-3699FFA48104}"/>
+                <a16:creationId xmlns="" xmlns:a16="http://schemas.microsoft.com/office/drawing/2014/main" id="{71169394-CECD-644A-B5D1-3699FFA48104}"/>
               </a:ext>
             </a:extLst>
           </p:cNvPr>
@@ -11244,7 +11348,7 @@
           <p:cNvPr id="15" name="六邊形 14">
             <a:extLst>
               <a:ext uri="{FF2B5EF4-FFF2-40B4-BE49-F238E27FC236}">
-                <a16:creationId xmlns:a16="http://schemas.microsoft.com/office/drawing/2014/main" xmlns="" id="{698F0CE1-0AE7-FD41-B7B2-D26B4A1926D4}"/>
+                <a16:creationId xmlns="" xmlns:a16="http://schemas.microsoft.com/office/drawing/2014/main" id="{698F0CE1-0AE7-FD41-B7B2-D26B4A1926D4}"/>
               </a:ext>
             </a:extLst>
           </p:cNvPr>
@@ -11294,7 +11398,7 @@
           <p:cNvPr id="16" name="文字方塊 15">
             <a:extLst>
               <a:ext uri="{FF2B5EF4-FFF2-40B4-BE49-F238E27FC236}">
-                <a16:creationId xmlns:a16="http://schemas.microsoft.com/office/drawing/2014/main" xmlns="" id="{3539DC8E-E89D-EE43-9651-7CD7436D00D2}"/>
+                <a16:creationId xmlns="" xmlns:a16="http://schemas.microsoft.com/office/drawing/2014/main" id="{3539DC8E-E89D-EE43-9651-7CD7436D00D2}"/>
               </a:ext>
             </a:extLst>
           </p:cNvPr>
@@ -11336,7 +11440,7 @@
           <p:cNvPr id="17" name="六邊形 16">
             <a:extLst>
               <a:ext uri="{FF2B5EF4-FFF2-40B4-BE49-F238E27FC236}">
-                <a16:creationId xmlns:a16="http://schemas.microsoft.com/office/drawing/2014/main" xmlns="" id="{E3CA2D4A-D449-424E-B519-DCC6696B85CC}"/>
+                <a16:creationId xmlns="" xmlns:a16="http://schemas.microsoft.com/office/drawing/2014/main" id="{E3CA2D4A-D449-424E-B519-DCC6696B85CC}"/>
               </a:ext>
             </a:extLst>
           </p:cNvPr>
@@ -11383,7 +11487,7 @@
           <p:cNvPr id="18" name="文字方塊 17">
             <a:extLst>
               <a:ext uri="{FF2B5EF4-FFF2-40B4-BE49-F238E27FC236}">
-                <a16:creationId xmlns:a16="http://schemas.microsoft.com/office/drawing/2014/main" xmlns="" id="{963159BB-7621-334C-853D-F01D9CC32701}"/>
+                <a16:creationId xmlns="" xmlns:a16="http://schemas.microsoft.com/office/drawing/2014/main" id="{963159BB-7621-334C-853D-F01D9CC32701}"/>
               </a:ext>
             </a:extLst>
           </p:cNvPr>
@@ -11425,7 +11529,7 @@
           <p:cNvPr id="19" name="六邊形 18">
             <a:extLst>
               <a:ext uri="{FF2B5EF4-FFF2-40B4-BE49-F238E27FC236}">
-                <a16:creationId xmlns:a16="http://schemas.microsoft.com/office/drawing/2014/main" xmlns="" id="{624B7332-BCDC-BB47-B102-DC8EA0B4C571}"/>
+                <a16:creationId xmlns="" xmlns:a16="http://schemas.microsoft.com/office/drawing/2014/main" id="{624B7332-BCDC-BB47-B102-DC8EA0B4C571}"/>
               </a:ext>
             </a:extLst>
           </p:cNvPr>
@@ -11472,7 +11576,7 @@
           <p:cNvPr id="20" name="文字方塊 19">
             <a:extLst>
               <a:ext uri="{FF2B5EF4-FFF2-40B4-BE49-F238E27FC236}">
-                <a16:creationId xmlns:a16="http://schemas.microsoft.com/office/drawing/2014/main" xmlns="" id="{A8AB9AD7-CA14-AF4D-BA71-55CFEED78038}"/>
+                <a16:creationId xmlns="" xmlns:a16="http://schemas.microsoft.com/office/drawing/2014/main" id="{A8AB9AD7-CA14-AF4D-BA71-55CFEED78038}"/>
               </a:ext>
             </a:extLst>
           </p:cNvPr>
@@ -11514,7 +11618,7 @@
           <p:cNvPr id="21" name="六邊形 20">
             <a:extLst>
               <a:ext uri="{FF2B5EF4-FFF2-40B4-BE49-F238E27FC236}">
-                <a16:creationId xmlns:a16="http://schemas.microsoft.com/office/drawing/2014/main" xmlns="" id="{1AA9CBA3-DEF1-B347-86EF-07399A90E65A}"/>
+                <a16:creationId xmlns="" xmlns:a16="http://schemas.microsoft.com/office/drawing/2014/main" id="{1AA9CBA3-DEF1-B347-86EF-07399A90E65A}"/>
               </a:ext>
             </a:extLst>
           </p:cNvPr>
@@ -11564,7 +11668,7 @@
           <p:cNvPr id="22" name="文字方塊 21">
             <a:extLst>
               <a:ext uri="{FF2B5EF4-FFF2-40B4-BE49-F238E27FC236}">
-                <a16:creationId xmlns:a16="http://schemas.microsoft.com/office/drawing/2014/main" xmlns="" id="{954D87C3-7860-C941-9B35-71F02207B737}"/>
+                <a16:creationId xmlns="" xmlns:a16="http://schemas.microsoft.com/office/drawing/2014/main" id="{954D87C3-7860-C941-9B35-71F02207B737}"/>
               </a:ext>
             </a:extLst>
           </p:cNvPr>
@@ -11606,7 +11710,7 @@
           <p:cNvPr id="23" name="六邊形 22">
             <a:extLst>
               <a:ext uri="{FF2B5EF4-FFF2-40B4-BE49-F238E27FC236}">
-                <a16:creationId xmlns:a16="http://schemas.microsoft.com/office/drawing/2014/main" xmlns="" id="{CD7A25A1-4BC0-FE4F-A1D3-8F0D549EA35C}"/>
+                <a16:creationId xmlns="" xmlns:a16="http://schemas.microsoft.com/office/drawing/2014/main" id="{CD7A25A1-4BC0-FE4F-A1D3-8F0D549EA35C}"/>
               </a:ext>
             </a:extLst>
           </p:cNvPr>
@@ -11653,7 +11757,7 @@
           <p:cNvPr id="24" name="文字方塊 23">
             <a:extLst>
               <a:ext uri="{FF2B5EF4-FFF2-40B4-BE49-F238E27FC236}">
-                <a16:creationId xmlns:a16="http://schemas.microsoft.com/office/drawing/2014/main" xmlns="" id="{8632F125-4F96-0241-833D-465A7C42353B}"/>
+                <a16:creationId xmlns="" xmlns:a16="http://schemas.microsoft.com/office/drawing/2014/main" id="{8632F125-4F96-0241-833D-465A7C42353B}"/>
               </a:ext>
             </a:extLst>
           </p:cNvPr>
@@ -11695,7 +11799,7 @@
           <p:cNvPr id="25" name="六邊形 24">
             <a:extLst>
               <a:ext uri="{FF2B5EF4-FFF2-40B4-BE49-F238E27FC236}">
-                <a16:creationId xmlns:a16="http://schemas.microsoft.com/office/drawing/2014/main" xmlns="" id="{820A079C-1B36-6047-836D-DC45BBAF3A90}"/>
+                <a16:creationId xmlns="" xmlns:a16="http://schemas.microsoft.com/office/drawing/2014/main" id="{820A079C-1B36-6047-836D-DC45BBAF3A90}"/>
               </a:ext>
             </a:extLst>
           </p:cNvPr>
@@ -11742,7 +11846,7 @@
           <p:cNvPr id="26" name="文字方塊 25">
             <a:extLst>
               <a:ext uri="{FF2B5EF4-FFF2-40B4-BE49-F238E27FC236}">
-                <a16:creationId xmlns:a16="http://schemas.microsoft.com/office/drawing/2014/main" xmlns="" id="{6F7B6883-2E15-3745-9CF0-D12D39FCD89F}"/>
+                <a16:creationId xmlns="" xmlns:a16="http://schemas.microsoft.com/office/drawing/2014/main" id="{6F7B6883-2E15-3745-9CF0-D12D39FCD89F}"/>
               </a:ext>
             </a:extLst>
           </p:cNvPr>
@@ -11784,7 +11888,7 @@
           <p:cNvPr id="27" name="文字方塊 26">
             <a:extLst>
               <a:ext uri="{FF2B5EF4-FFF2-40B4-BE49-F238E27FC236}">
-                <a16:creationId xmlns:a16="http://schemas.microsoft.com/office/drawing/2014/main" xmlns="" id="{78F56147-B108-614D-B138-AC4B93576562}"/>
+                <a16:creationId xmlns="" xmlns:a16="http://schemas.microsoft.com/office/drawing/2014/main" id="{78F56147-B108-614D-B138-AC4B93576562}"/>
               </a:ext>
             </a:extLst>
           </p:cNvPr>
@@ -11820,7 +11924,7 @@
           <p:cNvPr id="28" name="文字方塊 27">
             <a:extLst>
               <a:ext uri="{FF2B5EF4-FFF2-40B4-BE49-F238E27FC236}">
-                <a16:creationId xmlns:a16="http://schemas.microsoft.com/office/drawing/2014/main" xmlns="" id="{B13EBD54-E6FB-2243-875A-977378A04BB8}"/>
+                <a16:creationId xmlns="" xmlns:a16="http://schemas.microsoft.com/office/drawing/2014/main" id="{B13EBD54-E6FB-2243-875A-977378A04BB8}"/>
               </a:ext>
             </a:extLst>
           </p:cNvPr>
@@ -11856,7 +11960,7 @@
           <p:cNvPr id="29" name="文字方塊 28">
             <a:extLst>
               <a:ext uri="{FF2B5EF4-FFF2-40B4-BE49-F238E27FC236}">
-                <a16:creationId xmlns:a16="http://schemas.microsoft.com/office/drawing/2014/main" xmlns="" id="{9B749F3F-4492-3541-AB7A-D8BA45F9885D}"/>
+                <a16:creationId xmlns="" xmlns:a16="http://schemas.microsoft.com/office/drawing/2014/main" id="{9B749F3F-4492-3541-AB7A-D8BA45F9885D}"/>
               </a:ext>
             </a:extLst>
           </p:cNvPr>
@@ -11892,7 +11996,7 @@
           <p:cNvPr id="30" name="文字方塊 29">
             <a:extLst>
               <a:ext uri="{FF2B5EF4-FFF2-40B4-BE49-F238E27FC236}">
-                <a16:creationId xmlns:a16="http://schemas.microsoft.com/office/drawing/2014/main" xmlns="" id="{14DD01C7-CF76-824C-9CA9-613A778FFA23}"/>
+                <a16:creationId xmlns="" xmlns:a16="http://schemas.microsoft.com/office/drawing/2014/main" id="{14DD01C7-CF76-824C-9CA9-613A778FFA23}"/>
               </a:ext>
             </a:extLst>
           </p:cNvPr>
@@ -11927,7 +12031,7 @@
           <p:cNvPr id="34" name="直線箭頭接點 33">
             <a:extLst>
               <a:ext uri="{FF2B5EF4-FFF2-40B4-BE49-F238E27FC236}">
-                <a16:creationId xmlns:a16="http://schemas.microsoft.com/office/drawing/2014/main" xmlns="" id="{DBF328DE-FA72-7C47-A5D0-FDE9CDC873E4}"/>
+                <a16:creationId xmlns="" xmlns:a16="http://schemas.microsoft.com/office/drawing/2014/main" id="{DBF328DE-FA72-7C47-A5D0-FDE9CDC873E4}"/>
               </a:ext>
             </a:extLst>
           </p:cNvPr>
@@ -11999,7 +12103,7 @@
           <p:cNvPr id="4" name="文字方塊 3">
             <a:extLst>
               <a:ext uri="{FF2B5EF4-FFF2-40B4-BE49-F238E27FC236}">
-                <a16:creationId xmlns:a16="http://schemas.microsoft.com/office/drawing/2014/main" xmlns="" id="{2399E42F-5C89-0C44-B0D4-61967C8D9B09}"/>
+                <a16:creationId xmlns="" xmlns:a16="http://schemas.microsoft.com/office/drawing/2014/main" id="{2399E42F-5C89-0C44-B0D4-61967C8D9B09}"/>
               </a:ext>
             </a:extLst>
           </p:cNvPr>
@@ -12290,7 +12394,7 @@
           <p:cNvPr id="13" name="六邊形 12">
             <a:extLst>
               <a:ext uri="{FF2B5EF4-FFF2-40B4-BE49-F238E27FC236}">
-                <a16:creationId xmlns:a16="http://schemas.microsoft.com/office/drawing/2014/main" xmlns="" id="{1AA9CBA3-DEF1-B347-86EF-07399A90E65A}"/>
+                <a16:creationId xmlns="" xmlns:a16="http://schemas.microsoft.com/office/drawing/2014/main" id="{1AA9CBA3-DEF1-B347-86EF-07399A90E65A}"/>
               </a:ext>
             </a:extLst>
           </p:cNvPr>
@@ -12340,7 +12444,7 @@
           <p:cNvPr id="14" name="文字方塊 13">
             <a:extLst>
               <a:ext uri="{FF2B5EF4-FFF2-40B4-BE49-F238E27FC236}">
-                <a16:creationId xmlns:a16="http://schemas.microsoft.com/office/drawing/2014/main" xmlns="" id="{954D87C3-7860-C941-9B35-71F02207B737}"/>
+                <a16:creationId xmlns="" xmlns:a16="http://schemas.microsoft.com/office/drawing/2014/main" id="{954D87C3-7860-C941-9B35-71F02207B737}"/>
               </a:ext>
             </a:extLst>
           </p:cNvPr>
@@ -12382,7 +12486,7 @@
           <p:cNvPr id="15" name="六邊形 14">
             <a:extLst>
               <a:ext uri="{FF2B5EF4-FFF2-40B4-BE49-F238E27FC236}">
-                <a16:creationId xmlns:a16="http://schemas.microsoft.com/office/drawing/2014/main" xmlns="" id="{CD7A25A1-4BC0-FE4F-A1D3-8F0D549EA35C}"/>
+                <a16:creationId xmlns="" xmlns:a16="http://schemas.microsoft.com/office/drawing/2014/main" id="{CD7A25A1-4BC0-FE4F-A1D3-8F0D549EA35C}"/>
               </a:ext>
             </a:extLst>
           </p:cNvPr>
@@ -12429,7 +12533,7 @@
           <p:cNvPr id="16" name="文字方塊 15">
             <a:extLst>
               <a:ext uri="{FF2B5EF4-FFF2-40B4-BE49-F238E27FC236}">
-                <a16:creationId xmlns:a16="http://schemas.microsoft.com/office/drawing/2014/main" xmlns="" id="{8632F125-4F96-0241-833D-465A7C42353B}"/>
+                <a16:creationId xmlns="" xmlns:a16="http://schemas.microsoft.com/office/drawing/2014/main" id="{8632F125-4F96-0241-833D-465A7C42353B}"/>
               </a:ext>
             </a:extLst>
           </p:cNvPr>
@@ -12471,7 +12575,7 @@
           <p:cNvPr id="17" name="六邊形 16">
             <a:extLst>
               <a:ext uri="{FF2B5EF4-FFF2-40B4-BE49-F238E27FC236}">
-                <a16:creationId xmlns:a16="http://schemas.microsoft.com/office/drawing/2014/main" xmlns="" id="{820A079C-1B36-6047-836D-DC45BBAF3A90}"/>
+                <a16:creationId xmlns="" xmlns:a16="http://schemas.microsoft.com/office/drawing/2014/main" id="{820A079C-1B36-6047-836D-DC45BBAF3A90}"/>
               </a:ext>
             </a:extLst>
           </p:cNvPr>
@@ -12518,7 +12622,7 @@
           <p:cNvPr id="18" name="文字方塊 17">
             <a:extLst>
               <a:ext uri="{FF2B5EF4-FFF2-40B4-BE49-F238E27FC236}">
-                <a16:creationId xmlns:a16="http://schemas.microsoft.com/office/drawing/2014/main" xmlns="" id="{6F7B6883-2E15-3745-9CF0-D12D39FCD89F}"/>
+                <a16:creationId xmlns="" xmlns:a16="http://schemas.microsoft.com/office/drawing/2014/main" id="{6F7B6883-2E15-3745-9CF0-D12D39FCD89F}"/>
               </a:ext>
             </a:extLst>
           </p:cNvPr>
@@ -12732,7 +12836,7 @@
           <p:cNvPr id="24" name="六邊形 23">
             <a:extLst>
               <a:ext uri="{FF2B5EF4-FFF2-40B4-BE49-F238E27FC236}">
-                <a16:creationId xmlns:a16="http://schemas.microsoft.com/office/drawing/2014/main" xmlns="" id="{1AA9CBA3-DEF1-B347-86EF-07399A90E65A}"/>
+                <a16:creationId xmlns="" xmlns:a16="http://schemas.microsoft.com/office/drawing/2014/main" id="{1AA9CBA3-DEF1-B347-86EF-07399A90E65A}"/>
               </a:ext>
             </a:extLst>
           </p:cNvPr>
@@ -12782,7 +12886,7 @@
           <p:cNvPr id="25" name="文字方塊 24">
             <a:extLst>
               <a:ext uri="{FF2B5EF4-FFF2-40B4-BE49-F238E27FC236}">
-                <a16:creationId xmlns:a16="http://schemas.microsoft.com/office/drawing/2014/main" xmlns="" id="{954D87C3-7860-C941-9B35-71F02207B737}"/>
+                <a16:creationId xmlns="" xmlns:a16="http://schemas.microsoft.com/office/drawing/2014/main" id="{954D87C3-7860-C941-9B35-71F02207B737}"/>
               </a:ext>
             </a:extLst>
           </p:cNvPr>
@@ -12824,7 +12928,7 @@
           <p:cNvPr id="26" name="六邊形 25">
             <a:extLst>
               <a:ext uri="{FF2B5EF4-FFF2-40B4-BE49-F238E27FC236}">
-                <a16:creationId xmlns:a16="http://schemas.microsoft.com/office/drawing/2014/main" xmlns="" id="{CD7A25A1-4BC0-FE4F-A1D3-8F0D549EA35C}"/>
+                <a16:creationId xmlns="" xmlns:a16="http://schemas.microsoft.com/office/drawing/2014/main" id="{CD7A25A1-4BC0-FE4F-A1D3-8F0D549EA35C}"/>
               </a:ext>
             </a:extLst>
           </p:cNvPr>
@@ -12871,7 +12975,7 @@
           <p:cNvPr id="27" name="文字方塊 26">
             <a:extLst>
               <a:ext uri="{FF2B5EF4-FFF2-40B4-BE49-F238E27FC236}">
-                <a16:creationId xmlns:a16="http://schemas.microsoft.com/office/drawing/2014/main" xmlns="" id="{8632F125-4F96-0241-833D-465A7C42353B}"/>
+                <a16:creationId xmlns="" xmlns:a16="http://schemas.microsoft.com/office/drawing/2014/main" id="{8632F125-4F96-0241-833D-465A7C42353B}"/>
               </a:ext>
             </a:extLst>
           </p:cNvPr>
@@ -12913,7 +13017,7 @@
           <p:cNvPr id="28" name="六邊形 27">
             <a:extLst>
               <a:ext uri="{FF2B5EF4-FFF2-40B4-BE49-F238E27FC236}">
-                <a16:creationId xmlns:a16="http://schemas.microsoft.com/office/drawing/2014/main" xmlns="" id="{820A079C-1B36-6047-836D-DC45BBAF3A90}"/>
+                <a16:creationId xmlns="" xmlns:a16="http://schemas.microsoft.com/office/drawing/2014/main" id="{820A079C-1B36-6047-836D-DC45BBAF3A90}"/>
               </a:ext>
             </a:extLst>
           </p:cNvPr>
@@ -12960,7 +13064,7 @@
           <p:cNvPr id="29" name="文字方塊 28">
             <a:extLst>
               <a:ext uri="{FF2B5EF4-FFF2-40B4-BE49-F238E27FC236}">
-                <a16:creationId xmlns:a16="http://schemas.microsoft.com/office/drawing/2014/main" xmlns="" id="{6F7B6883-2E15-3745-9CF0-D12D39FCD89F}"/>
+                <a16:creationId xmlns="" xmlns:a16="http://schemas.microsoft.com/office/drawing/2014/main" id="{6F7B6883-2E15-3745-9CF0-D12D39FCD89F}"/>
               </a:ext>
             </a:extLst>
           </p:cNvPr>
@@ -13466,7 +13570,7 @@
           <p:cNvPr id="11" name="六邊形 10">
             <a:extLst>
               <a:ext uri="{FF2B5EF4-FFF2-40B4-BE49-F238E27FC236}">
-                <a16:creationId xmlns:a16="http://schemas.microsoft.com/office/drawing/2014/main" xmlns="" id="{1AA9CBA3-DEF1-B347-86EF-07399A90E65A}"/>
+                <a16:creationId xmlns="" xmlns:a16="http://schemas.microsoft.com/office/drawing/2014/main" id="{1AA9CBA3-DEF1-B347-86EF-07399A90E65A}"/>
               </a:ext>
             </a:extLst>
           </p:cNvPr>
@@ -13516,7 +13620,7 @@
           <p:cNvPr id="12" name="文字方塊 11">
             <a:extLst>
               <a:ext uri="{FF2B5EF4-FFF2-40B4-BE49-F238E27FC236}">
-                <a16:creationId xmlns:a16="http://schemas.microsoft.com/office/drawing/2014/main" xmlns="" id="{954D87C3-7860-C941-9B35-71F02207B737}"/>
+                <a16:creationId xmlns="" xmlns:a16="http://schemas.microsoft.com/office/drawing/2014/main" id="{954D87C3-7860-C941-9B35-71F02207B737}"/>
               </a:ext>
             </a:extLst>
           </p:cNvPr>
@@ -13558,7 +13662,7 @@
           <p:cNvPr id="13" name="六邊形 12">
             <a:extLst>
               <a:ext uri="{FF2B5EF4-FFF2-40B4-BE49-F238E27FC236}">
-                <a16:creationId xmlns:a16="http://schemas.microsoft.com/office/drawing/2014/main" xmlns="" id="{CD7A25A1-4BC0-FE4F-A1D3-8F0D549EA35C}"/>
+                <a16:creationId xmlns="" xmlns:a16="http://schemas.microsoft.com/office/drawing/2014/main" id="{CD7A25A1-4BC0-FE4F-A1D3-8F0D549EA35C}"/>
               </a:ext>
             </a:extLst>
           </p:cNvPr>
@@ -13605,7 +13709,7 @@
           <p:cNvPr id="14" name="文字方塊 13">
             <a:extLst>
               <a:ext uri="{FF2B5EF4-FFF2-40B4-BE49-F238E27FC236}">
-                <a16:creationId xmlns:a16="http://schemas.microsoft.com/office/drawing/2014/main" xmlns="" id="{8632F125-4F96-0241-833D-465A7C42353B}"/>
+                <a16:creationId xmlns="" xmlns:a16="http://schemas.microsoft.com/office/drawing/2014/main" id="{8632F125-4F96-0241-833D-465A7C42353B}"/>
               </a:ext>
             </a:extLst>
           </p:cNvPr>
@@ -13647,7 +13751,7 @@
           <p:cNvPr id="15" name="六邊形 14">
             <a:extLst>
               <a:ext uri="{FF2B5EF4-FFF2-40B4-BE49-F238E27FC236}">
-                <a16:creationId xmlns:a16="http://schemas.microsoft.com/office/drawing/2014/main" xmlns="" id="{820A079C-1B36-6047-836D-DC45BBAF3A90}"/>
+                <a16:creationId xmlns="" xmlns:a16="http://schemas.microsoft.com/office/drawing/2014/main" id="{820A079C-1B36-6047-836D-DC45BBAF3A90}"/>
               </a:ext>
             </a:extLst>
           </p:cNvPr>
@@ -13694,7 +13798,7 @@
           <p:cNvPr id="16" name="文字方塊 15">
             <a:extLst>
               <a:ext uri="{FF2B5EF4-FFF2-40B4-BE49-F238E27FC236}">
-                <a16:creationId xmlns:a16="http://schemas.microsoft.com/office/drawing/2014/main" xmlns="" id="{6F7B6883-2E15-3745-9CF0-D12D39FCD89F}"/>
+                <a16:creationId xmlns="" xmlns:a16="http://schemas.microsoft.com/office/drawing/2014/main" id="{6F7B6883-2E15-3745-9CF0-D12D39FCD89F}"/>
               </a:ext>
             </a:extLst>
           </p:cNvPr>
@@ -13908,7 +14012,7 @@
           <p:cNvPr id="22" name="六邊形 21">
             <a:extLst>
               <a:ext uri="{FF2B5EF4-FFF2-40B4-BE49-F238E27FC236}">
-                <a16:creationId xmlns:a16="http://schemas.microsoft.com/office/drawing/2014/main" xmlns="" id="{1AA9CBA3-DEF1-B347-86EF-07399A90E65A}"/>
+                <a16:creationId xmlns="" xmlns:a16="http://schemas.microsoft.com/office/drawing/2014/main" id="{1AA9CBA3-DEF1-B347-86EF-07399A90E65A}"/>
               </a:ext>
             </a:extLst>
           </p:cNvPr>
@@ -13958,7 +14062,7 @@
           <p:cNvPr id="23" name="文字方塊 22">
             <a:extLst>
               <a:ext uri="{FF2B5EF4-FFF2-40B4-BE49-F238E27FC236}">
-                <a16:creationId xmlns:a16="http://schemas.microsoft.com/office/drawing/2014/main" xmlns="" id="{954D87C3-7860-C941-9B35-71F02207B737}"/>
+                <a16:creationId xmlns="" xmlns:a16="http://schemas.microsoft.com/office/drawing/2014/main" id="{954D87C3-7860-C941-9B35-71F02207B737}"/>
               </a:ext>
             </a:extLst>
           </p:cNvPr>
@@ -14000,7 +14104,7 @@
           <p:cNvPr id="24" name="六邊形 23">
             <a:extLst>
               <a:ext uri="{FF2B5EF4-FFF2-40B4-BE49-F238E27FC236}">
-                <a16:creationId xmlns:a16="http://schemas.microsoft.com/office/drawing/2014/main" xmlns="" id="{CD7A25A1-4BC0-FE4F-A1D3-8F0D549EA35C}"/>
+                <a16:creationId xmlns="" xmlns:a16="http://schemas.microsoft.com/office/drawing/2014/main" id="{CD7A25A1-4BC0-FE4F-A1D3-8F0D549EA35C}"/>
               </a:ext>
             </a:extLst>
           </p:cNvPr>
@@ -14047,7 +14151,7 @@
           <p:cNvPr id="25" name="文字方塊 24">
             <a:extLst>
               <a:ext uri="{FF2B5EF4-FFF2-40B4-BE49-F238E27FC236}">
-                <a16:creationId xmlns:a16="http://schemas.microsoft.com/office/drawing/2014/main" xmlns="" id="{8632F125-4F96-0241-833D-465A7C42353B}"/>
+                <a16:creationId xmlns="" xmlns:a16="http://schemas.microsoft.com/office/drawing/2014/main" id="{8632F125-4F96-0241-833D-465A7C42353B}"/>
               </a:ext>
             </a:extLst>
           </p:cNvPr>
@@ -14089,7 +14193,7 @@
           <p:cNvPr id="26" name="六邊形 25">
             <a:extLst>
               <a:ext uri="{FF2B5EF4-FFF2-40B4-BE49-F238E27FC236}">
-                <a16:creationId xmlns:a16="http://schemas.microsoft.com/office/drawing/2014/main" xmlns="" id="{820A079C-1B36-6047-836D-DC45BBAF3A90}"/>
+                <a16:creationId xmlns="" xmlns:a16="http://schemas.microsoft.com/office/drawing/2014/main" id="{820A079C-1B36-6047-836D-DC45BBAF3A90}"/>
               </a:ext>
             </a:extLst>
           </p:cNvPr>
@@ -14136,7 +14240,7 @@
           <p:cNvPr id="27" name="文字方塊 26">
             <a:extLst>
               <a:ext uri="{FF2B5EF4-FFF2-40B4-BE49-F238E27FC236}">
-                <a16:creationId xmlns:a16="http://schemas.microsoft.com/office/drawing/2014/main" xmlns="" id="{6F7B6883-2E15-3745-9CF0-D12D39FCD89F}"/>
+                <a16:creationId xmlns="" xmlns:a16="http://schemas.microsoft.com/office/drawing/2014/main" id="{6F7B6883-2E15-3745-9CF0-D12D39FCD89F}"/>
               </a:ext>
             </a:extLst>
           </p:cNvPr>
@@ -14642,7 +14746,7 @@
           <p:cNvPr id="11" name="六邊形 10">
             <a:extLst>
               <a:ext uri="{FF2B5EF4-FFF2-40B4-BE49-F238E27FC236}">
-                <a16:creationId xmlns:a16="http://schemas.microsoft.com/office/drawing/2014/main" xmlns="" id="{1AA9CBA3-DEF1-B347-86EF-07399A90E65A}"/>
+                <a16:creationId xmlns="" xmlns:a16="http://schemas.microsoft.com/office/drawing/2014/main" id="{1AA9CBA3-DEF1-B347-86EF-07399A90E65A}"/>
               </a:ext>
             </a:extLst>
           </p:cNvPr>
@@ -14692,7 +14796,7 @@
           <p:cNvPr id="12" name="文字方塊 11">
             <a:extLst>
               <a:ext uri="{FF2B5EF4-FFF2-40B4-BE49-F238E27FC236}">
-                <a16:creationId xmlns:a16="http://schemas.microsoft.com/office/drawing/2014/main" xmlns="" id="{954D87C3-7860-C941-9B35-71F02207B737}"/>
+                <a16:creationId xmlns="" xmlns:a16="http://schemas.microsoft.com/office/drawing/2014/main" id="{954D87C3-7860-C941-9B35-71F02207B737}"/>
               </a:ext>
             </a:extLst>
           </p:cNvPr>
@@ -14734,7 +14838,7 @@
           <p:cNvPr id="13" name="六邊形 12">
             <a:extLst>
               <a:ext uri="{FF2B5EF4-FFF2-40B4-BE49-F238E27FC236}">
-                <a16:creationId xmlns:a16="http://schemas.microsoft.com/office/drawing/2014/main" xmlns="" id="{CD7A25A1-4BC0-FE4F-A1D3-8F0D549EA35C}"/>
+                <a16:creationId xmlns="" xmlns:a16="http://schemas.microsoft.com/office/drawing/2014/main" id="{CD7A25A1-4BC0-FE4F-A1D3-8F0D549EA35C}"/>
               </a:ext>
             </a:extLst>
           </p:cNvPr>
@@ -14781,7 +14885,7 @@
           <p:cNvPr id="14" name="文字方塊 13">
             <a:extLst>
               <a:ext uri="{FF2B5EF4-FFF2-40B4-BE49-F238E27FC236}">
-                <a16:creationId xmlns:a16="http://schemas.microsoft.com/office/drawing/2014/main" xmlns="" id="{8632F125-4F96-0241-833D-465A7C42353B}"/>
+                <a16:creationId xmlns="" xmlns:a16="http://schemas.microsoft.com/office/drawing/2014/main" id="{8632F125-4F96-0241-833D-465A7C42353B}"/>
               </a:ext>
             </a:extLst>
           </p:cNvPr>
@@ -14823,7 +14927,7 @@
           <p:cNvPr id="15" name="六邊形 14">
             <a:extLst>
               <a:ext uri="{FF2B5EF4-FFF2-40B4-BE49-F238E27FC236}">
-                <a16:creationId xmlns:a16="http://schemas.microsoft.com/office/drawing/2014/main" xmlns="" id="{820A079C-1B36-6047-836D-DC45BBAF3A90}"/>
+                <a16:creationId xmlns="" xmlns:a16="http://schemas.microsoft.com/office/drawing/2014/main" id="{820A079C-1B36-6047-836D-DC45BBAF3A90}"/>
               </a:ext>
             </a:extLst>
           </p:cNvPr>
@@ -14870,7 +14974,7 @@
           <p:cNvPr id="16" name="文字方塊 15">
             <a:extLst>
               <a:ext uri="{FF2B5EF4-FFF2-40B4-BE49-F238E27FC236}">
-                <a16:creationId xmlns:a16="http://schemas.microsoft.com/office/drawing/2014/main" xmlns="" id="{6F7B6883-2E15-3745-9CF0-D12D39FCD89F}"/>
+                <a16:creationId xmlns="" xmlns:a16="http://schemas.microsoft.com/office/drawing/2014/main" id="{6F7B6883-2E15-3745-9CF0-D12D39FCD89F}"/>
               </a:ext>
             </a:extLst>
           </p:cNvPr>
@@ -15084,7 +15188,7 @@
           <p:cNvPr id="22" name="六邊形 21">
             <a:extLst>
               <a:ext uri="{FF2B5EF4-FFF2-40B4-BE49-F238E27FC236}">
-                <a16:creationId xmlns:a16="http://schemas.microsoft.com/office/drawing/2014/main" xmlns="" id="{1AA9CBA3-DEF1-B347-86EF-07399A90E65A}"/>
+                <a16:creationId xmlns="" xmlns:a16="http://schemas.microsoft.com/office/drawing/2014/main" id="{1AA9CBA3-DEF1-B347-86EF-07399A90E65A}"/>
               </a:ext>
             </a:extLst>
           </p:cNvPr>
@@ -15134,7 +15238,7 @@
           <p:cNvPr id="23" name="文字方塊 22">
             <a:extLst>
               <a:ext uri="{FF2B5EF4-FFF2-40B4-BE49-F238E27FC236}">
-                <a16:creationId xmlns:a16="http://schemas.microsoft.com/office/drawing/2014/main" xmlns="" id="{954D87C3-7860-C941-9B35-71F02207B737}"/>
+                <a16:creationId xmlns="" xmlns:a16="http://schemas.microsoft.com/office/drawing/2014/main" id="{954D87C3-7860-C941-9B35-71F02207B737}"/>
               </a:ext>
             </a:extLst>
           </p:cNvPr>
@@ -15176,7 +15280,7 @@
           <p:cNvPr id="24" name="六邊形 23">
             <a:extLst>
               <a:ext uri="{FF2B5EF4-FFF2-40B4-BE49-F238E27FC236}">
-                <a16:creationId xmlns:a16="http://schemas.microsoft.com/office/drawing/2014/main" xmlns="" id="{CD7A25A1-4BC0-FE4F-A1D3-8F0D549EA35C}"/>
+                <a16:creationId xmlns="" xmlns:a16="http://schemas.microsoft.com/office/drawing/2014/main" id="{CD7A25A1-4BC0-FE4F-A1D3-8F0D549EA35C}"/>
               </a:ext>
             </a:extLst>
           </p:cNvPr>
@@ -15223,7 +15327,7 @@
           <p:cNvPr id="25" name="文字方塊 24">
             <a:extLst>
               <a:ext uri="{FF2B5EF4-FFF2-40B4-BE49-F238E27FC236}">
-                <a16:creationId xmlns:a16="http://schemas.microsoft.com/office/drawing/2014/main" xmlns="" id="{8632F125-4F96-0241-833D-465A7C42353B}"/>
+                <a16:creationId xmlns="" xmlns:a16="http://schemas.microsoft.com/office/drawing/2014/main" id="{8632F125-4F96-0241-833D-465A7C42353B}"/>
               </a:ext>
             </a:extLst>
           </p:cNvPr>
@@ -15265,7 +15369,7 @@
           <p:cNvPr id="26" name="六邊形 25">
             <a:extLst>
               <a:ext uri="{FF2B5EF4-FFF2-40B4-BE49-F238E27FC236}">
-                <a16:creationId xmlns:a16="http://schemas.microsoft.com/office/drawing/2014/main" xmlns="" id="{820A079C-1B36-6047-836D-DC45BBAF3A90}"/>
+                <a16:creationId xmlns="" xmlns:a16="http://schemas.microsoft.com/office/drawing/2014/main" id="{820A079C-1B36-6047-836D-DC45BBAF3A90}"/>
               </a:ext>
             </a:extLst>
           </p:cNvPr>
@@ -15312,7 +15416,7 @@
           <p:cNvPr id="27" name="文字方塊 26">
             <a:extLst>
               <a:ext uri="{FF2B5EF4-FFF2-40B4-BE49-F238E27FC236}">
-                <a16:creationId xmlns:a16="http://schemas.microsoft.com/office/drawing/2014/main" xmlns="" id="{6F7B6883-2E15-3745-9CF0-D12D39FCD89F}"/>
+                <a16:creationId xmlns="" xmlns:a16="http://schemas.microsoft.com/office/drawing/2014/main" id="{6F7B6883-2E15-3745-9CF0-D12D39FCD89F}"/>
               </a:ext>
             </a:extLst>
           </p:cNvPr>
@@ -17993,7 +18097,7 @@
           <p:cNvPr id="5" name="圖片 4">
             <a:extLst>
               <a:ext uri="{FF2B5EF4-FFF2-40B4-BE49-F238E27FC236}">
-                <a16:creationId xmlns:a16="http://schemas.microsoft.com/office/drawing/2014/main" xmlns="" id="{2710A950-B4FA-A546-BEE0-A9ECC81B7A20}"/>
+                <a16:creationId xmlns="" xmlns:a16="http://schemas.microsoft.com/office/drawing/2014/main" id="{2710A950-B4FA-A546-BEE0-A9ECC81B7A20}"/>
               </a:ext>
             </a:extLst>
           </p:cNvPr>
@@ -18003,7 +18107,7 @@
           <p:nvPr/>
         </p:nvPicPr>
         <p:blipFill>
-          <a:blip r:embed="rId2">
+          <a:blip r:embed="rId3">
             <a:extLst>
               <a:ext uri="{28A0092B-C50C-407E-A947-70E740481C1C}">
                 <a14:useLocalDpi xmlns:a14="http://schemas.microsoft.com/office/drawing/2010/main" val="0"/>
